--- a/File/AMAT 履歷/Interview.pptx
+++ b/File/AMAT 履歷/Interview.pptx
@@ -7,6 +7,12 @@
   <p:sldIdLst>
     <p:sldId id="256" r:id="rId2"/>
     <p:sldId id="257" r:id="rId3"/>
+    <p:sldId id="260" r:id="rId4"/>
+    <p:sldId id="258" r:id="rId5"/>
+    <p:sldId id="259" r:id="rId6"/>
+    <p:sldId id="262" r:id="rId7"/>
+    <p:sldId id="263" r:id="rId8"/>
+    <p:sldId id="264" r:id="rId9"/>
   </p:sldIdLst>
   <p:sldSz cx="12192000" cy="6858000"/>
   <p:notesSz cx="6858000" cy="9144000"/>
@@ -244,7 +250,7 @@
           <a:p>
             <a:fld id="{90230A86-1BAB-4B13-8858-CAB3AF3C24CD}" type="datetimeFigureOut">
               <a:rPr lang="zh-TW" altLang="en-US" smtClean="0"/>
-              <a:t>2020/3/21</a:t>
+              <a:t>2020/3/23</a:t>
             </a:fld>
             <a:endParaRPr lang="zh-TW" altLang="en-US"/>
           </a:p>
@@ -414,7 +420,7 @@
           <a:p>
             <a:fld id="{90230A86-1BAB-4B13-8858-CAB3AF3C24CD}" type="datetimeFigureOut">
               <a:rPr lang="zh-TW" altLang="en-US" smtClean="0"/>
-              <a:t>2020/3/21</a:t>
+              <a:t>2020/3/23</a:t>
             </a:fld>
             <a:endParaRPr lang="zh-TW" altLang="en-US"/>
           </a:p>
@@ -594,7 +600,7 @@
           <a:p>
             <a:fld id="{90230A86-1BAB-4B13-8858-CAB3AF3C24CD}" type="datetimeFigureOut">
               <a:rPr lang="zh-TW" altLang="en-US" smtClean="0"/>
-              <a:t>2020/3/21</a:t>
+              <a:t>2020/3/23</a:t>
             </a:fld>
             <a:endParaRPr lang="zh-TW" altLang="en-US"/>
           </a:p>
@@ -764,7 +770,7 @@
           <a:p>
             <a:fld id="{90230A86-1BAB-4B13-8858-CAB3AF3C24CD}" type="datetimeFigureOut">
               <a:rPr lang="zh-TW" altLang="en-US" smtClean="0"/>
-              <a:t>2020/3/21</a:t>
+              <a:t>2020/3/23</a:t>
             </a:fld>
             <a:endParaRPr lang="zh-TW" altLang="en-US"/>
           </a:p>
@@ -1010,7 +1016,7 @@
           <a:p>
             <a:fld id="{90230A86-1BAB-4B13-8858-CAB3AF3C24CD}" type="datetimeFigureOut">
               <a:rPr lang="zh-TW" altLang="en-US" smtClean="0"/>
-              <a:t>2020/3/21</a:t>
+              <a:t>2020/3/23</a:t>
             </a:fld>
             <a:endParaRPr lang="zh-TW" altLang="en-US"/>
           </a:p>
@@ -1242,7 +1248,7 @@
           <a:p>
             <a:fld id="{90230A86-1BAB-4B13-8858-CAB3AF3C24CD}" type="datetimeFigureOut">
               <a:rPr lang="zh-TW" altLang="en-US" smtClean="0"/>
-              <a:t>2020/3/21</a:t>
+              <a:t>2020/3/23</a:t>
             </a:fld>
             <a:endParaRPr lang="zh-TW" altLang="en-US"/>
           </a:p>
@@ -1609,7 +1615,7 @@
           <a:p>
             <a:fld id="{90230A86-1BAB-4B13-8858-CAB3AF3C24CD}" type="datetimeFigureOut">
               <a:rPr lang="zh-TW" altLang="en-US" smtClean="0"/>
-              <a:t>2020/3/21</a:t>
+              <a:t>2020/3/23</a:t>
             </a:fld>
             <a:endParaRPr lang="zh-TW" altLang="en-US"/>
           </a:p>
@@ -1727,7 +1733,7 @@
           <a:p>
             <a:fld id="{90230A86-1BAB-4B13-8858-CAB3AF3C24CD}" type="datetimeFigureOut">
               <a:rPr lang="zh-TW" altLang="en-US" smtClean="0"/>
-              <a:t>2020/3/21</a:t>
+              <a:t>2020/3/23</a:t>
             </a:fld>
             <a:endParaRPr lang="zh-TW" altLang="en-US"/>
           </a:p>
@@ -1822,7 +1828,7 @@
           <a:p>
             <a:fld id="{90230A86-1BAB-4B13-8858-CAB3AF3C24CD}" type="datetimeFigureOut">
               <a:rPr lang="zh-TW" altLang="en-US" smtClean="0"/>
-              <a:t>2020/3/21</a:t>
+              <a:t>2020/3/23</a:t>
             </a:fld>
             <a:endParaRPr lang="zh-TW" altLang="en-US"/>
           </a:p>
@@ -2099,7 +2105,7 @@
           <a:p>
             <a:fld id="{90230A86-1BAB-4B13-8858-CAB3AF3C24CD}" type="datetimeFigureOut">
               <a:rPr lang="zh-TW" altLang="en-US" smtClean="0"/>
-              <a:t>2020/3/21</a:t>
+              <a:t>2020/3/23</a:t>
             </a:fld>
             <a:endParaRPr lang="zh-TW" altLang="en-US"/>
           </a:p>
@@ -2352,7 +2358,7 @@
           <a:p>
             <a:fld id="{90230A86-1BAB-4B13-8858-CAB3AF3C24CD}" type="datetimeFigureOut">
               <a:rPr lang="zh-TW" altLang="en-US" smtClean="0"/>
-              <a:t>2020/3/21</a:t>
+              <a:t>2020/3/23</a:t>
             </a:fld>
             <a:endParaRPr lang="zh-TW" altLang="en-US"/>
           </a:p>
@@ -2565,7 +2571,7 @@
           <a:p>
             <a:fld id="{90230A86-1BAB-4B13-8858-CAB3AF3C24CD}" type="datetimeFigureOut">
               <a:rPr lang="zh-TW" altLang="en-US" smtClean="0"/>
-              <a:t>2020/3/21</a:t>
+              <a:t>2020/3/23</a:t>
             </a:fld>
             <a:endParaRPr lang="zh-TW" altLang="en-US"/>
           </a:p>
@@ -2978,8 +2984,8 @@
         </p:nvSpPr>
         <p:spPr>
           <a:xfrm>
-            <a:off x="466942" y="88623"/>
-            <a:ext cx="11018814" cy="7171194"/>
+            <a:off x="162142" y="271582"/>
+            <a:ext cx="7867161" cy="6586418"/>
           </a:xfrm>
           <a:prstGeom prst="rect">
             <a:avLst/>
@@ -2994,116 +3000,208 @@
           <a:p>
             <a:pPr algn="just"/>
             <a:r>
-              <a:rPr lang="en-US" altLang="zh-TW" sz="2000" dirty="0" smtClean="0"/>
+              <a:rPr lang="en-US" altLang="zh-TW" sz="1600" dirty="0" smtClean="0"/>
               <a:t>Good afternoon, Sir. It’s really my honor to have the opportunity for this interview. I’d like to tell you more about myself. My Chinese name is </a:t>
             </a:r>
             <a:r>
-              <a:rPr lang="zh-TW" altLang="en-US" sz="2000" dirty="0" smtClean="0"/>
+              <a:rPr lang="zh-TW" altLang="en-US" sz="1600" dirty="0" smtClean="0"/>
               <a:t>陳文遠 </a:t>
             </a:r>
             <a:r>
-              <a:rPr lang="en-US" altLang="zh-TW" sz="2000" dirty="0" smtClean="0"/>
-              <a:t>and you can just call me Chris which is my English name. I’m studying in the first year of master degree at Tsing Hua University and major in Communication Engineering. When I was an undergraduate, I also majored in Communication Engineering. Although I’m not a computer science major, but my department </a:t>
-            </a:r>
-            <a:r>
-              <a:rPr lang="en-US" altLang="zh-TW" sz="2000" dirty="0" smtClean="0"/>
-              <a:t>provides </a:t>
-            </a:r>
-            <a:r>
-              <a:rPr lang="en-US" altLang="zh-TW" sz="2000" dirty="0" smtClean="0"/>
-              <a:t>many CS courses such as data structure, algorithm, computer architecture, programming …. </a:t>
+              <a:rPr lang="en-US" altLang="zh-TW" sz="1600" dirty="0" smtClean="0"/>
+              <a:t>and you can just call me Chris which is my English name. I’m studying in the first year of master degree at Tsing Hua University and major in Communication Engineering. When I was an undergraduate, I also majored in Communication Engineering. Although I’m not a computer science major, but my department provides many CS courses such as data structure, algorithm, computer architecture, programming …. </a:t>
             </a:r>
           </a:p>
           <a:p>
             <a:pPr algn="just"/>
-            <a:endParaRPr lang="en-US" altLang="zh-TW" sz="2000" dirty="0"/>
+            <a:endParaRPr lang="en-US" altLang="zh-TW" sz="1600" dirty="0"/>
           </a:p>
           <a:p>
             <a:pPr algn="just"/>
             <a:r>
-              <a:rPr lang="en-US" altLang="zh-TW" sz="2000" dirty="0" smtClean="0"/>
-              <a:t>My topic of independent study in college is VoIP phone call monitoring platform which is to build a web application to provide VoIP phone call monitoring and management service. I use this topic to publish on domestic conference, IMP2017 and got honorable mention award from independent study competition. By the way, I also obtained a national python certificate. </a:t>
+              <a:rPr lang="en-US" altLang="zh-TW" sz="1600" dirty="0" smtClean="0"/>
+              <a:t>My topic of independent study in </a:t>
+            </a:r>
+            <a:r>
+              <a:rPr lang="en-US" altLang="zh-TW" sz="1600" dirty="0" smtClean="0"/>
+              <a:t>university</a:t>
+            </a:r>
+            <a:r>
+              <a:rPr lang="en-US" altLang="zh-TW" sz="1600" dirty="0" smtClean="0"/>
+              <a:t> </a:t>
+            </a:r>
+            <a:r>
+              <a:rPr lang="en-US" altLang="zh-TW" sz="1600" dirty="0" smtClean="0"/>
+              <a:t>is VoIP phone call monitoring platform which is to build a web application to provide VoIP phone call monitoring and management service. I use this topic to publish on domestic conference, IMP2017 and got honorable mention award from independent study competition. By the way, I also obtained a national python certificate. </a:t>
             </a:r>
           </a:p>
           <a:p>
             <a:pPr algn="just"/>
-            <a:endParaRPr lang="en-US" altLang="zh-TW" sz="2000" dirty="0"/>
+            <a:endParaRPr lang="en-US" altLang="zh-TW" sz="1600" dirty="0"/>
           </a:p>
           <a:p>
             <a:pPr algn="just"/>
             <a:r>
-              <a:rPr lang="en-US" altLang="zh-TW" sz="2000" dirty="0" smtClean="0"/>
+              <a:rPr lang="en-US" altLang="zh-TW" sz="1600" dirty="0" smtClean="0"/>
               <a:t>My current research field is </a:t>
             </a:r>
             <a:r>
-              <a:rPr lang="en-US" altLang="zh-TW" sz="2000" dirty="0" err="1" smtClean="0"/>
+              <a:rPr lang="en-US" altLang="zh-TW" sz="1600" dirty="0" err="1" smtClean="0"/>
               <a:t>blockchain</a:t>
             </a:r>
             <a:r>
-              <a:rPr lang="en-US" altLang="zh-TW" sz="2000" dirty="0" smtClean="0"/>
+              <a:rPr lang="en-US" altLang="zh-TW" sz="1600" dirty="0" smtClean="0"/>
               <a:t> technology and I'm aimed to optimize the </a:t>
             </a:r>
             <a:r>
-              <a:rPr lang="en-US" altLang="zh-TW" sz="2000" dirty="0" err="1" smtClean="0"/>
+              <a:rPr lang="en-US" altLang="zh-TW" sz="1600" dirty="0" err="1" smtClean="0"/>
               <a:t>blockchain</a:t>
             </a:r>
             <a:r>
-              <a:rPr lang="en-US" altLang="zh-TW" sz="2000" dirty="0" smtClean="0"/>
+              <a:rPr lang="en-US" altLang="zh-TW" sz="1600" dirty="0" smtClean="0"/>
               <a:t> query speed.</a:t>
             </a:r>
           </a:p>
           <a:p>
             <a:pPr algn="just"/>
-            <a:endParaRPr lang="en-US" altLang="zh-TW" sz="2000" dirty="0"/>
+            <a:endParaRPr lang="en-US" altLang="zh-TW" sz="1600" dirty="0"/>
           </a:p>
           <a:p>
             <a:pPr algn="just"/>
             <a:r>
-              <a:rPr lang="en-US" altLang="zh-TW" sz="2000" dirty="0" smtClean="0"/>
+              <a:rPr lang="en-US" altLang="zh-TW" sz="1600" dirty="0" smtClean="0"/>
               <a:t>I would say I’m a team player and I always be the person who resolves problems in a team. I’m especially interested in “Programming”. Since whenever I use program to figure out a problem, I get a sense of achievement from it.</a:t>
             </a:r>
           </a:p>
           <a:p>
             <a:pPr algn="just"/>
-            <a:endParaRPr lang="en-US" altLang="zh-TW" sz="2000" dirty="0"/>
+            <a:endParaRPr lang="en-US" altLang="zh-TW" sz="1600" dirty="0"/>
           </a:p>
           <a:p>
             <a:pPr algn="just"/>
             <a:r>
-              <a:rPr lang="en-US" altLang="zh-TW" sz="2000" dirty="0" smtClean="0"/>
-              <a:t>I am eager to get an opportunity to fully play my ability.</a:t>
-            </a:r>
-            <a:r>
-              <a:rPr lang="zh-TW" altLang="en-US" sz="2000" dirty="0" smtClean="0"/>
+              <a:rPr lang="en-US" altLang="zh-TW" sz="1600" dirty="0" smtClean="0"/>
+              <a:t>I’m competitive and also have strong commitment to get any opportunity </a:t>
+            </a:r>
+            <a:r>
+              <a:rPr lang="en-US" altLang="zh-TW" sz="1600" dirty="0" smtClean="0"/>
+              <a:t>to fully play my ability.</a:t>
+            </a:r>
+            <a:r>
+              <a:rPr lang="zh-TW" altLang="en-US" sz="1600" dirty="0" smtClean="0"/>
               <a:t> </a:t>
             </a:r>
             <a:r>
-              <a:rPr lang="en-US" altLang="zh-TW" sz="2000" dirty="0" smtClean="0"/>
+              <a:rPr lang="en-US" altLang="zh-TW" sz="1600" dirty="0" smtClean="0"/>
               <a:t>I think this job is a good choice and I can be competent for this job!!. That’s all.</a:t>
             </a:r>
           </a:p>
           <a:p>
             <a:pPr algn="just"/>
-            <a:endParaRPr lang="en-US" altLang="zh-TW" sz="2000" dirty="0"/>
+            <a:endParaRPr lang="en-US" altLang="zh-TW" sz="1600" dirty="0"/>
           </a:p>
           <a:p>
             <a:pPr algn="just"/>
             <a:r>
-              <a:rPr lang="en-US" altLang="zh-TW" sz="2000" dirty="0" smtClean="0"/>
+              <a:rPr lang="en-US" altLang="zh-TW" sz="1600" dirty="0" smtClean="0"/>
               <a:t>Thank you for your time.  </a:t>
             </a:r>
-            <a:endParaRPr lang="en-US" altLang="zh-TW" sz="2000" dirty="0" smtClean="0"/>
           </a:p>
           <a:p>
             <a:pPr algn="just"/>
             <a:r>
-              <a:rPr lang="en-US" altLang="zh-TW" sz="2000" dirty="0" smtClean="0"/>
-              <a:t>(</a:t>
-            </a:r>
-            <a:r>
-              <a:rPr lang="en-US" altLang="zh-TW" sz="2000" dirty="0" smtClean="0"/>
-              <a:t>2:09)</a:t>
-            </a:r>
+              <a:rPr lang="en-US" altLang="zh-TW" sz="1600" dirty="0" smtClean="0"/>
+              <a:t>(2:09)</a:t>
+            </a:r>
+          </a:p>
+        </p:txBody>
+      </p:sp>
+      <p:sp>
+        <p:nvSpPr>
+          <p:cNvPr id="3" name="文字方塊 2"/>
+          <p:cNvSpPr txBox="1"/>
+          <p:nvPr/>
+        </p:nvSpPr>
+        <p:spPr>
+          <a:xfrm>
+            <a:off x="8776893" y="1898468"/>
+            <a:ext cx="2850396" cy="1200329"/>
+          </a:xfrm>
+          <a:prstGeom prst="rect">
+            <a:avLst/>
+          </a:prstGeom>
+          <a:noFill/>
+        </p:spPr>
+        <p:txBody>
+          <a:bodyPr wrap="none" rtlCol="0">
+            <a:spAutoFit/>
+          </a:bodyPr>
+          <a:lstStyle/>
+          <a:p>
+            <a:pPr marL="342900" indent="-342900">
+              <a:buAutoNum type="arabicPeriod"/>
+            </a:pPr>
+            <a:r>
+              <a:rPr lang="en-US" altLang="zh-TW" dirty="0" smtClean="0"/>
+              <a:t>VoIP </a:t>
+            </a:r>
+            <a:r>
+              <a:rPr lang="zh-TW" altLang="en-US" dirty="0" smtClean="0"/>
+              <a:t>網路電話監控系統</a:t>
+            </a:r>
+            <a:endParaRPr lang="en-US" altLang="zh-TW" dirty="0" smtClean="0"/>
+          </a:p>
+          <a:p>
+            <a:pPr marL="342900" indent="-342900">
+              <a:buAutoNum type="arabicPeriod"/>
+            </a:pPr>
+            <a:r>
+              <a:rPr lang="zh-TW" altLang="en-US" dirty="0" smtClean="0"/>
+              <a:t>人臉識別網頁登入</a:t>
+            </a:r>
+            <a:endParaRPr lang="en-US" altLang="zh-TW" dirty="0" smtClean="0"/>
+          </a:p>
+          <a:p>
+            <a:pPr marL="342900" indent="-342900">
+              <a:buAutoNum type="arabicPeriod"/>
+            </a:pPr>
+            <a:r>
+              <a:rPr lang="en-US" altLang="zh-TW" dirty="0" err="1" smtClean="0"/>
+              <a:t>Blockchain</a:t>
+            </a:r>
+            <a:endParaRPr lang="en-US" altLang="zh-TW" dirty="0"/>
+          </a:p>
+          <a:p>
+            <a:pPr marL="342900" indent="-342900">
+              <a:buAutoNum type="arabicPeriod"/>
+            </a:pPr>
+            <a:endParaRPr lang="en-US" altLang="zh-TW" dirty="0" smtClean="0"/>
+          </a:p>
+        </p:txBody>
+      </p:sp>
+      <p:sp>
+        <p:nvSpPr>
+          <p:cNvPr id="5" name="文字方塊 4"/>
+          <p:cNvSpPr txBox="1"/>
+          <p:nvPr/>
+        </p:nvSpPr>
+        <p:spPr>
+          <a:xfrm>
+            <a:off x="8730343" y="714103"/>
+            <a:ext cx="1471748" cy="369332"/>
+          </a:xfrm>
+          <a:prstGeom prst="rect">
+            <a:avLst/>
+          </a:prstGeom>
+          <a:noFill/>
+        </p:spPr>
+        <p:txBody>
+          <a:bodyPr wrap="square" rtlCol="0">
+            <a:spAutoFit/>
+          </a:bodyPr>
+          <a:lstStyle/>
+          <a:p>
+            <a:endParaRPr lang="zh-TW" altLang="en-US" dirty="0"/>
           </a:p>
         </p:txBody>
       </p:sp>
@@ -3137,10 +3235,2519 @@
           <a:chExt cx="0" cy="0"/>
         </a:xfrm>
       </p:grpSpPr>
+      <p:sp>
+        <p:nvSpPr>
+          <p:cNvPr id="2" name="標題 1"/>
+          <p:cNvSpPr txBox="1">
+            <a:spLocks/>
+          </p:cNvSpPr>
+          <p:nvPr/>
+        </p:nvSpPr>
+        <p:spPr>
+          <a:xfrm>
+            <a:off x="1321377" y="1785257"/>
+            <a:ext cx="9144545" cy="773185"/>
+          </a:xfrm>
+          <a:prstGeom prst="rect">
+            <a:avLst/>
+          </a:prstGeom>
+        </p:spPr>
+        <p:txBody>
+          <a:bodyPr vert="horz" lIns="91440" tIns="45720" rIns="91440" bIns="45720" rtlCol="0" anchor="ctr">
+            <a:noAutofit/>
+          </a:bodyPr>
+          <a:lstStyle>
+            <a:lvl1pPr algn="l" defTabSz="914400" rtl="0" eaLnBrk="1" latinLnBrk="0" hangingPunct="1">
+              <a:lnSpc>
+                <a:spcPct val="90000"/>
+              </a:lnSpc>
+              <a:spcBef>
+                <a:spcPct val="0"/>
+              </a:spcBef>
+              <a:buNone/>
+              <a:defRPr sz="4400" kern="1200">
+                <a:solidFill>
+                  <a:schemeClr val="tx1"/>
+                </a:solidFill>
+                <a:latin typeface="+mj-lt"/>
+                <a:ea typeface="+mj-ea"/>
+                <a:cs typeface="+mj-cs"/>
+              </a:defRPr>
+            </a:lvl1pPr>
+          </a:lstStyle>
+          <a:p>
+            <a:pPr algn="ctr"/>
+            <a:r>
+              <a:rPr lang="en-US" altLang="zh-TW" sz="2800" b="1" dirty="0" smtClean="0">
+                <a:latin typeface="Times New Roman" panose="02020603050405020304" pitchFamily="18" charset="0"/>
+                <a:cs typeface="Times New Roman" panose="02020603050405020304" pitchFamily="18" charset="0"/>
+              </a:rPr>
+              <a:t>Applied Materials Interview Presentation</a:t>
+            </a:r>
+            <a:endParaRPr lang="zh-TW" altLang="en-US" sz="2800" b="1" dirty="0">
+              <a:latin typeface="Times New Roman" panose="02020603050405020304" pitchFamily="18" charset="0"/>
+              <a:cs typeface="Times New Roman" panose="02020603050405020304" pitchFamily="18" charset="0"/>
+            </a:endParaRPr>
+          </a:p>
+        </p:txBody>
+      </p:sp>
+      <p:cxnSp>
+        <p:nvCxnSpPr>
+          <p:cNvPr id="3" name="直線接點 2"/>
+          <p:cNvCxnSpPr/>
+          <p:nvPr/>
+        </p:nvCxnSpPr>
+        <p:spPr>
+          <a:xfrm flipV="1">
+            <a:off x="2146911" y="2647406"/>
+            <a:ext cx="7493478" cy="9346"/>
+          </a:xfrm>
+          <a:prstGeom prst="line">
+            <a:avLst/>
+          </a:prstGeom>
+          <a:ln w="25400">
+            <a:solidFill>
+              <a:schemeClr val="tx1">
+                <a:lumMod val="65000"/>
+                <a:lumOff val="35000"/>
+              </a:schemeClr>
+            </a:solidFill>
+          </a:ln>
+        </p:spPr>
+        <p:style>
+          <a:lnRef idx="1">
+            <a:schemeClr val="accent1"/>
+          </a:lnRef>
+          <a:fillRef idx="0">
+            <a:schemeClr val="accent1"/>
+          </a:fillRef>
+          <a:effectRef idx="0">
+            <a:schemeClr val="accent1"/>
+          </a:effectRef>
+          <a:fontRef idx="minor">
+            <a:schemeClr val="tx1"/>
+          </a:fontRef>
+        </p:style>
+      </p:cxnSp>
+      <p:sp>
+        <p:nvSpPr>
+          <p:cNvPr id="6" name="副標題 2"/>
+          <p:cNvSpPr txBox="1">
+            <a:spLocks/>
+          </p:cNvSpPr>
+          <p:nvPr/>
+        </p:nvSpPr>
+        <p:spPr>
+          <a:xfrm>
+            <a:off x="3939096" y="4332515"/>
+            <a:ext cx="6197682" cy="1537063"/>
+          </a:xfrm>
+          <a:prstGeom prst="rect">
+            <a:avLst/>
+          </a:prstGeom>
+        </p:spPr>
+        <p:txBody>
+          <a:bodyPr vert="horz" lIns="91440" tIns="45720" rIns="91440" bIns="45720" rtlCol="0">
+            <a:normAutofit/>
+          </a:bodyPr>
+          <a:lstStyle>
+            <a:lvl1pPr marL="228600" indent="-228600" algn="l" defTabSz="914400" rtl="0" eaLnBrk="1" latinLnBrk="0" hangingPunct="1">
+              <a:lnSpc>
+                <a:spcPct val="90000"/>
+              </a:lnSpc>
+              <a:spcBef>
+                <a:spcPts val="1000"/>
+              </a:spcBef>
+              <a:buFont typeface="Arial" panose="020B0604020202020204" pitchFamily="34" charset="0"/>
+              <a:buChar char="•"/>
+              <a:defRPr sz="2800" kern="1200">
+                <a:solidFill>
+                  <a:schemeClr val="tx1"/>
+                </a:solidFill>
+                <a:latin typeface="+mn-lt"/>
+                <a:ea typeface="+mn-ea"/>
+                <a:cs typeface="+mn-cs"/>
+              </a:defRPr>
+            </a:lvl1pPr>
+            <a:lvl2pPr marL="685800" indent="-228600" algn="l" defTabSz="914400" rtl="0" eaLnBrk="1" latinLnBrk="0" hangingPunct="1">
+              <a:lnSpc>
+                <a:spcPct val="90000"/>
+              </a:lnSpc>
+              <a:spcBef>
+                <a:spcPts val="500"/>
+              </a:spcBef>
+              <a:buFont typeface="Arial" panose="020B0604020202020204" pitchFamily="34" charset="0"/>
+              <a:buChar char="•"/>
+              <a:defRPr sz="2400" kern="1200">
+                <a:solidFill>
+                  <a:schemeClr val="tx1"/>
+                </a:solidFill>
+                <a:latin typeface="+mn-lt"/>
+                <a:ea typeface="+mn-ea"/>
+                <a:cs typeface="+mn-cs"/>
+              </a:defRPr>
+            </a:lvl2pPr>
+            <a:lvl3pPr marL="1143000" indent="-228600" algn="l" defTabSz="914400" rtl="0" eaLnBrk="1" latinLnBrk="0" hangingPunct="1">
+              <a:lnSpc>
+                <a:spcPct val="90000"/>
+              </a:lnSpc>
+              <a:spcBef>
+                <a:spcPts val="500"/>
+              </a:spcBef>
+              <a:buFont typeface="Arial" panose="020B0604020202020204" pitchFamily="34" charset="0"/>
+              <a:buChar char="•"/>
+              <a:defRPr sz="2000" kern="1200">
+                <a:solidFill>
+                  <a:schemeClr val="tx1"/>
+                </a:solidFill>
+                <a:latin typeface="+mn-lt"/>
+                <a:ea typeface="+mn-ea"/>
+                <a:cs typeface="+mn-cs"/>
+              </a:defRPr>
+            </a:lvl3pPr>
+            <a:lvl4pPr marL="1600200" indent="-228600" algn="l" defTabSz="914400" rtl="0" eaLnBrk="1" latinLnBrk="0" hangingPunct="1">
+              <a:lnSpc>
+                <a:spcPct val="90000"/>
+              </a:lnSpc>
+              <a:spcBef>
+                <a:spcPts val="500"/>
+              </a:spcBef>
+              <a:buFont typeface="Arial" panose="020B0604020202020204" pitchFamily="34" charset="0"/>
+              <a:buChar char="•"/>
+              <a:defRPr sz="1800" kern="1200">
+                <a:solidFill>
+                  <a:schemeClr val="tx1"/>
+                </a:solidFill>
+                <a:latin typeface="+mn-lt"/>
+                <a:ea typeface="+mn-ea"/>
+                <a:cs typeface="+mn-cs"/>
+              </a:defRPr>
+            </a:lvl4pPr>
+            <a:lvl5pPr marL="2057400" indent="-228600" algn="l" defTabSz="914400" rtl="0" eaLnBrk="1" latinLnBrk="0" hangingPunct="1">
+              <a:lnSpc>
+                <a:spcPct val="90000"/>
+              </a:lnSpc>
+              <a:spcBef>
+                <a:spcPts val="500"/>
+              </a:spcBef>
+              <a:buFont typeface="Arial" panose="020B0604020202020204" pitchFamily="34" charset="0"/>
+              <a:buChar char="•"/>
+              <a:defRPr sz="1800" kern="1200">
+                <a:solidFill>
+                  <a:schemeClr val="tx1"/>
+                </a:solidFill>
+                <a:latin typeface="+mn-lt"/>
+                <a:ea typeface="+mn-ea"/>
+                <a:cs typeface="+mn-cs"/>
+              </a:defRPr>
+            </a:lvl5pPr>
+            <a:lvl6pPr marL="2514600" indent="-228600" algn="l" defTabSz="914400" rtl="0" eaLnBrk="1" latinLnBrk="0" hangingPunct="1">
+              <a:lnSpc>
+                <a:spcPct val="90000"/>
+              </a:lnSpc>
+              <a:spcBef>
+                <a:spcPts val="500"/>
+              </a:spcBef>
+              <a:buFont typeface="Arial" panose="020B0604020202020204" pitchFamily="34" charset="0"/>
+              <a:buChar char="•"/>
+              <a:defRPr sz="1800" kern="1200">
+                <a:solidFill>
+                  <a:schemeClr val="tx1"/>
+                </a:solidFill>
+                <a:latin typeface="+mn-lt"/>
+                <a:ea typeface="+mn-ea"/>
+                <a:cs typeface="+mn-cs"/>
+              </a:defRPr>
+            </a:lvl6pPr>
+            <a:lvl7pPr marL="2971800" indent="-228600" algn="l" defTabSz="914400" rtl="0" eaLnBrk="1" latinLnBrk="0" hangingPunct="1">
+              <a:lnSpc>
+                <a:spcPct val="90000"/>
+              </a:lnSpc>
+              <a:spcBef>
+                <a:spcPts val="500"/>
+              </a:spcBef>
+              <a:buFont typeface="Arial" panose="020B0604020202020204" pitchFamily="34" charset="0"/>
+              <a:buChar char="•"/>
+              <a:defRPr sz="1800" kern="1200">
+                <a:solidFill>
+                  <a:schemeClr val="tx1"/>
+                </a:solidFill>
+                <a:latin typeface="+mn-lt"/>
+                <a:ea typeface="+mn-ea"/>
+                <a:cs typeface="+mn-cs"/>
+              </a:defRPr>
+            </a:lvl7pPr>
+            <a:lvl8pPr marL="3429000" indent="-228600" algn="l" defTabSz="914400" rtl="0" eaLnBrk="1" latinLnBrk="0" hangingPunct="1">
+              <a:lnSpc>
+                <a:spcPct val="90000"/>
+              </a:lnSpc>
+              <a:spcBef>
+                <a:spcPts val="500"/>
+              </a:spcBef>
+              <a:buFont typeface="Arial" panose="020B0604020202020204" pitchFamily="34" charset="0"/>
+              <a:buChar char="•"/>
+              <a:defRPr sz="1800" kern="1200">
+                <a:solidFill>
+                  <a:schemeClr val="tx1"/>
+                </a:solidFill>
+                <a:latin typeface="+mn-lt"/>
+                <a:ea typeface="+mn-ea"/>
+                <a:cs typeface="+mn-cs"/>
+              </a:defRPr>
+            </a:lvl8pPr>
+            <a:lvl9pPr marL="3886200" indent="-228600" algn="l" defTabSz="914400" rtl="0" eaLnBrk="1" latinLnBrk="0" hangingPunct="1">
+              <a:lnSpc>
+                <a:spcPct val="90000"/>
+              </a:lnSpc>
+              <a:spcBef>
+                <a:spcPts val="500"/>
+              </a:spcBef>
+              <a:buFont typeface="Arial" panose="020B0604020202020204" pitchFamily="34" charset="0"/>
+              <a:buChar char="•"/>
+              <a:defRPr sz="1800" kern="1200">
+                <a:solidFill>
+                  <a:schemeClr val="tx1"/>
+                </a:solidFill>
+                <a:latin typeface="+mn-lt"/>
+                <a:ea typeface="+mn-ea"/>
+                <a:cs typeface="+mn-cs"/>
+              </a:defRPr>
+            </a:lvl9pPr>
+          </a:lstStyle>
+          <a:p>
+            <a:r>
+              <a:rPr lang="en-US" altLang="zh-TW" sz="2000" dirty="0">
+                <a:latin typeface="Times New Roman" panose="02020603050405020304" pitchFamily="18" charset="0"/>
+                <a:cs typeface="Times New Roman" panose="02020603050405020304" pitchFamily="18" charset="0"/>
+              </a:rPr>
+              <a:t>Speaker : </a:t>
+            </a:r>
+            <a:r>
+              <a:rPr lang="en-US" altLang="zh-TW" sz="2000" dirty="0" smtClean="0">
+                <a:latin typeface="Times New Roman" panose="02020603050405020304" pitchFamily="18" charset="0"/>
+                <a:cs typeface="Times New Roman" panose="02020603050405020304" pitchFamily="18" charset="0"/>
+              </a:rPr>
+              <a:t>Wen-Yuan Chen (</a:t>
+            </a:r>
+            <a:r>
+              <a:rPr lang="zh-TW" altLang="en-US" sz="2000" dirty="0" smtClean="0">
+                <a:latin typeface="微軟正黑體" panose="020B0604030504040204" pitchFamily="34" charset="-120"/>
+                <a:ea typeface="微軟正黑體" panose="020B0604030504040204" pitchFamily="34" charset="-120"/>
+                <a:cs typeface="Times New Roman" panose="02020603050405020304" pitchFamily="18" charset="0"/>
+              </a:rPr>
+              <a:t>陳文遠</a:t>
+            </a:r>
+            <a:r>
+              <a:rPr lang="en-US" altLang="zh-TW" sz="2000" dirty="0" smtClean="0">
+                <a:latin typeface="微軟正黑體" panose="020B0604030504040204" pitchFamily="34" charset="-120"/>
+                <a:ea typeface="微軟正黑體" panose="020B0604030504040204" pitchFamily="34" charset="-120"/>
+                <a:cs typeface="Times New Roman" panose="02020603050405020304" pitchFamily="18" charset="0"/>
+              </a:rPr>
+              <a:t>)</a:t>
+            </a:r>
+            <a:endParaRPr lang="en-US" altLang="zh-TW" sz="2000" dirty="0" smtClean="0">
+              <a:latin typeface="Times New Roman" panose="02020603050405020304" pitchFamily="18" charset="0"/>
+              <a:cs typeface="Times New Roman" panose="02020603050405020304" pitchFamily="18" charset="0"/>
+            </a:endParaRPr>
+          </a:p>
+          <a:p>
+            <a:r>
+              <a:rPr lang="en-US" altLang="zh-TW" sz="2000" dirty="0">
+                <a:latin typeface="Times New Roman" panose="02020603050405020304" pitchFamily="18" charset="0"/>
+                <a:cs typeface="Times New Roman" panose="02020603050405020304" pitchFamily="18" charset="0"/>
+              </a:rPr>
+              <a:t>Position : Algorithm </a:t>
+            </a:r>
+            <a:r>
+              <a:rPr lang="en-US" altLang="zh-TW" sz="2000" dirty="0" smtClean="0">
+                <a:latin typeface="Times New Roman" panose="02020603050405020304" pitchFamily="18" charset="0"/>
+                <a:cs typeface="Times New Roman" panose="02020603050405020304" pitchFamily="18" charset="0"/>
+              </a:rPr>
+              <a:t>Developer</a:t>
+            </a:r>
+          </a:p>
+          <a:p>
+            <a:r>
+              <a:rPr lang="en-US" altLang="zh-TW" sz="2000" dirty="0" smtClean="0">
+                <a:latin typeface="Times New Roman" panose="02020603050405020304" pitchFamily="18" charset="0"/>
+                <a:cs typeface="Times New Roman" panose="02020603050405020304" pitchFamily="18" charset="0"/>
+              </a:rPr>
+              <a:t>Date : March 25, 2020</a:t>
+            </a:r>
+          </a:p>
+        </p:txBody>
+      </p:sp>
     </p:spTree>
     <p:extLst>
       <p:ext uri="{BB962C8B-B14F-4D97-AF65-F5344CB8AC3E}">
         <p14:creationId xmlns:p14="http://schemas.microsoft.com/office/powerpoint/2010/main" val="2649720912"/>
+      </p:ext>
+    </p:extLst>
+  </p:cSld>
+  <p:clrMapOvr>
+    <a:masterClrMapping/>
+  </p:clrMapOvr>
+</p:sld>
+</file>
+
+<file path=ppt/slides/slide3.xml><?xml version="1.0" encoding="utf-8"?>
+<p:sld xmlns:a="http://schemas.openxmlformats.org/drawingml/2006/main" xmlns:r="http://schemas.openxmlformats.org/officeDocument/2006/relationships" xmlns:p="http://schemas.openxmlformats.org/presentationml/2006/main">
+  <p:cSld>
+    <p:spTree>
+      <p:nvGrpSpPr>
+        <p:cNvPr id="1" name=""/>
+        <p:cNvGrpSpPr/>
+        <p:nvPr/>
+      </p:nvGrpSpPr>
+      <p:grpSpPr>
+        <a:xfrm>
+          <a:off x="0" y="0"/>
+          <a:ext cx="0" cy="0"/>
+          <a:chOff x="0" y="0"/>
+          <a:chExt cx="0" cy="0"/>
+        </a:xfrm>
+      </p:grpSpPr>
+      <p:grpSp>
+        <p:nvGrpSpPr>
+          <p:cNvPr id="4" name="群組 3"/>
+          <p:cNvGrpSpPr/>
+          <p:nvPr/>
+        </p:nvGrpSpPr>
+        <p:grpSpPr>
+          <a:xfrm>
+            <a:off x="4194355" y="2765260"/>
+            <a:ext cx="3608525" cy="963460"/>
+            <a:chOff x="0" y="2115"/>
+            <a:chExt cx="2787289" cy="575639"/>
+          </a:xfrm>
+        </p:grpSpPr>
+        <p:sp>
+          <p:nvSpPr>
+            <p:cNvPr id="5" name="圓角矩形 4"/>
+            <p:cNvSpPr/>
+            <p:nvPr/>
+          </p:nvSpPr>
+          <p:spPr>
+            <a:xfrm>
+              <a:off x="0" y="2115"/>
+              <a:ext cx="2787289" cy="575639"/>
+            </a:xfrm>
+            <a:prstGeom prst="roundRect">
+              <a:avLst/>
+            </a:prstGeom>
+          </p:spPr>
+          <p:style>
+            <a:lnRef idx="2">
+              <a:schemeClr val="lt1">
+                <a:hueOff val="0"/>
+                <a:satOff val="0"/>
+                <a:lumOff val="0"/>
+                <a:alphaOff val="0"/>
+              </a:schemeClr>
+            </a:lnRef>
+            <a:fillRef idx="1">
+              <a:schemeClr val="accent3">
+                <a:shade val="50000"/>
+                <a:hueOff val="0"/>
+                <a:satOff val="0"/>
+                <a:lumOff val="0"/>
+                <a:alphaOff val="0"/>
+              </a:schemeClr>
+            </a:fillRef>
+            <a:effectRef idx="0">
+              <a:schemeClr val="accent3">
+                <a:shade val="50000"/>
+                <a:hueOff val="0"/>
+                <a:satOff val="0"/>
+                <a:lumOff val="0"/>
+                <a:alphaOff val="0"/>
+              </a:schemeClr>
+            </a:effectRef>
+            <a:fontRef idx="minor">
+              <a:schemeClr val="lt1"/>
+            </a:fontRef>
+          </p:style>
+        </p:sp>
+        <p:sp>
+          <p:nvSpPr>
+            <p:cNvPr id="6" name="圓角矩形 4"/>
+            <p:cNvSpPr txBox="1"/>
+            <p:nvPr/>
+          </p:nvSpPr>
+          <p:spPr>
+            <a:xfrm>
+              <a:off x="28100" y="30215"/>
+              <a:ext cx="2731089" cy="519439"/>
+            </a:xfrm>
+            <a:prstGeom prst="rect">
+              <a:avLst/>
+            </a:prstGeom>
+            <a:solidFill>
+              <a:schemeClr val="tx2">
+                <a:lumMod val="75000"/>
+              </a:schemeClr>
+            </a:solidFill>
+          </p:spPr>
+          <p:style>
+            <a:lnRef idx="0">
+              <a:scrgbClr r="0" g="0" b="0"/>
+            </a:lnRef>
+            <a:fillRef idx="0">
+              <a:scrgbClr r="0" g="0" b="0"/>
+            </a:fillRef>
+            <a:effectRef idx="0">
+              <a:scrgbClr r="0" g="0" b="0"/>
+            </a:effectRef>
+            <a:fontRef idx="minor">
+              <a:schemeClr val="lt1"/>
+            </a:fontRef>
+          </p:style>
+          <p:txBody>
+            <a:bodyPr spcFirstLastPara="0" vert="horz" wrap="square" lIns="91440" tIns="91440" rIns="91440" bIns="91440" numCol="1" spcCol="1270" anchor="ctr" anchorCtr="0">
+              <a:noAutofit/>
+            </a:bodyPr>
+            <a:lstStyle/>
+            <a:p>
+              <a:pPr lvl="0" algn="ctr" defTabSz="1066800" rtl="0">
+                <a:lnSpc>
+                  <a:spcPct val="90000"/>
+                </a:lnSpc>
+                <a:spcBef>
+                  <a:spcPct val="0"/>
+                </a:spcBef>
+                <a:spcAft>
+                  <a:spcPct val="35000"/>
+                </a:spcAft>
+              </a:pPr>
+              <a:r>
+                <a:rPr lang="en-US" altLang="zh-TW" sz="3200" dirty="0" smtClean="0"/>
+                <a:t>INTRODUCTION</a:t>
+              </a:r>
+              <a:endParaRPr lang="zh-TW" sz="3200" kern="1200" dirty="0"/>
+            </a:p>
+          </p:txBody>
+        </p:sp>
+      </p:grpSp>
+    </p:spTree>
+    <p:extLst>
+      <p:ext uri="{BB962C8B-B14F-4D97-AF65-F5344CB8AC3E}">
+        <p14:creationId xmlns:p14="http://schemas.microsoft.com/office/powerpoint/2010/main" val="3204002786"/>
+      </p:ext>
+    </p:extLst>
+  </p:cSld>
+  <p:clrMapOvr>
+    <a:masterClrMapping/>
+  </p:clrMapOvr>
+</p:sld>
+</file>
+
+<file path=ppt/slides/slide4.xml><?xml version="1.0" encoding="utf-8"?>
+<p:sld xmlns:a="http://schemas.openxmlformats.org/drawingml/2006/main" xmlns:r="http://schemas.openxmlformats.org/officeDocument/2006/relationships" xmlns:p="http://schemas.openxmlformats.org/presentationml/2006/main">
+  <p:cSld>
+    <p:spTree>
+      <p:nvGrpSpPr>
+        <p:cNvPr id="1" name=""/>
+        <p:cNvGrpSpPr/>
+        <p:nvPr/>
+      </p:nvGrpSpPr>
+      <p:grpSpPr>
+        <a:xfrm>
+          <a:off x="0" y="0"/>
+          <a:ext cx="0" cy="0"/>
+          <a:chOff x="0" y="0"/>
+          <a:chExt cx="0" cy="0"/>
+        </a:xfrm>
+      </p:grpSpPr>
+      <p:sp>
+        <p:nvSpPr>
+          <p:cNvPr id="4" name="橢圓 3"/>
+          <p:cNvSpPr/>
+          <p:nvPr/>
+        </p:nvSpPr>
+        <p:spPr>
+          <a:xfrm>
+            <a:off x="345688" y="877301"/>
+            <a:ext cx="172720" cy="162560"/>
+          </a:xfrm>
+          <a:prstGeom prst="ellipse">
+            <a:avLst/>
+          </a:prstGeom>
+          <a:solidFill>
+            <a:schemeClr val="tx1">
+              <a:lumMod val="65000"/>
+              <a:lumOff val="35000"/>
+            </a:schemeClr>
+          </a:solidFill>
+          <a:ln>
+            <a:noFill/>
+          </a:ln>
+        </p:spPr>
+        <p:style>
+          <a:lnRef idx="2">
+            <a:schemeClr val="accent1">
+              <a:shade val="50000"/>
+            </a:schemeClr>
+          </a:lnRef>
+          <a:fillRef idx="1">
+            <a:schemeClr val="accent1"/>
+          </a:fillRef>
+          <a:effectRef idx="0">
+            <a:schemeClr val="accent1"/>
+          </a:effectRef>
+          <a:fontRef idx="minor">
+            <a:schemeClr val="lt1"/>
+          </a:fontRef>
+        </p:style>
+        <p:txBody>
+          <a:bodyPr rtlCol="0" anchor="ctr"/>
+          <a:lstStyle/>
+          <a:p>
+            <a:pPr algn="ctr"/>
+            <a:endParaRPr lang="zh-TW" altLang="en-US"/>
+          </a:p>
+        </p:txBody>
+      </p:sp>
+      <p:cxnSp>
+        <p:nvCxnSpPr>
+          <p:cNvPr id="5" name="直線接點 4"/>
+          <p:cNvCxnSpPr>
+            <a:stCxn id="4" idx="6"/>
+          </p:cNvCxnSpPr>
+          <p:nvPr/>
+        </p:nvCxnSpPr>
+        <p:spPr>
+          <a:xfrm>
+            <a:off x="518408" y="958581"/>
+            <a:ext cx="6953546" cy="0"/>
+          </a:xfrm>
+          <a:prstGeom prst="line">
+            <a:avLst/>
+          </a:prstGeom>
+          <a:ln w="25400">
+            <a:solidFill>
+              <a:schemeClr val="tx1">
+                <a:lumMod val="65000"/>
+                <a:lumOff val="35000"/>
+              </a:schemeClr>
+            </a:solidFill>
+          </a:ln>
+        </p:spPr>
+        <p:style>
+          <a:lnRef idx="1">
+            <a:schemeClr val="accent1"/>
+          </a:lnRef>
+          <a:fillRef idx="0">
+            <a:schemeClr val="accent1"/>
+          </a:fillRef>
+          <a:effectRef idx="0">
+            <a:schemeClr val="accent1"/>
+          </a:effectRef>
+          <a:fontRef idx="minor">
+            <a:schemeClr val="tx1"/>
+          </a:fontRef>
+        </p:style>
+      </p:cxnSp>
+      <p:sp>
+        <p:nvSpPr>
+          <p:cNvPr id="6" name="矩形 5"/>
+          <p:cNvSpPr/>
+          <p:nvPr/>
+        </p:nvSpPr>
+        <p:spPr>
+          <a:xfrm>
+            <a:off x="518408" y="373806"/>
+            <a:ext cx="1645002" cy="584775"/>
+          </a:xfrm>
+          <a:prstGeom prst="rect">
+            <a:avLst/>
+          </a:prstGeom>
+          <a:noFill/>
+        </p:spPr>
+        <p:txBody>
+          <a:bodyPr wrap="none" lIns="91440" tIns="45720" rIns="91440" bIns="45720">
+            <a:spAutoFit/>
+          </a:bodyPr>
+          <a:lstStyle/>
+          <a:p>
+            <a:pPr algn="ctr"/>
+            <a:r>
+              <a:rPr lang="en-US" altLang="zh-TW" sz="3200" b="1" cap="none" spc="0" dirty="0" smtClean="0">
+                <a:ln w="0"/>
+                <a:solidFill>
+                  <a:schemeClr val="accent1"/>
+                </a:solidFill>
+                <a:effectLst>
+                  <a:outerShdw blurRad="38100" dist="25400" dir="5400000" algn="ctr" rotWithShape="0">
+                    <a:srgbClr val="6E747A">
+                      <a:alpha val="43000"/>
+                    </a:srgbClr>
+                  </a:outerShdw>
+                </a:effectLst>
+                <a:latin typeface="Times New Roman" panose="02020603050405020304" pitchFamily="18" charset="0"/>
+                <a:cs typeface="Times New Roman" panose="02020603050405020304" pitchFamily="18" charset="0"/>
+              </a:rPr>
+              <a:t>ABOUT</a:t>
+            </a:r>
+            <a:endParaRPr lang="zh-TW" altLang="en-US" sz="3200" b="1" cap="none" spc="0" dirty="0">
+              <a:ln w="0"/>
+              <a:solidFill>
+                <a:schemeClr val="accent1"/>
+              </a:solidFill>
+              <a:effectLst>
+                <a:outerShdw blurRad="38100" dist="25400" dir="5400000" algn="ctr" rotWithShape="0">
+                  <a:srgbClr val="6E747A">
+                    <a:alpha val="43000"/>
+                  </a:srgbClr>
+                </a:outerShdw>
+              </a:effectLst>
+              <a:latin typeface="Times New Roman" panose="02020603050405020304" pitchFamily="18" charset="0"/>
+              <a:cs typeface="Times New Roman" panose="02020603050405020304" pitchFamily="18" charset="0"/>
+            </a:endParaRPr>
+          </a:p>
+        </p:txBody>
+      </p:sp>
+      <p:graphicFrame>
+        <p:nvGraphicFramePr>
+          <p:cNvPr id="12" name="表格 11"/>
+          <p:cNvGraphicFramePr>
+            <a:graphicFrameLocks noGrp="1"/>
+          </p:cNvGraphicFramePr>
+          <p:nvPr>
+            <p:extLst>
+              <p:ext uri="{D42A27DB-BD31-4B8C-83A1-F6EECF244321}">
+                <p14:modId xmlns:p14="http://schemas.microsoft.com/office/powerpoint/2010/main" val="216054267"/>
+              </p:ext>
+            </p:extLst>
+          </p:nvPr>
+        </p:nvGraphicFramePr>
+        <p:xfrm>
+          <a:off x="711610" y="1884290"/>
+          <a:ext cx="8324490" cy="579120"/>
+        </p:xfrm>
+        <a:graphic>
+          <a:graphicData uri="http://schemas.openxmlformats.org/drawingml/2006/table">
+            <a:tbl>
+              <a:tblPr bandRow="1">
+                <a:tableStyleId>{5C22544A-7EE6-4342-B048-85BDC9FD1C3A}</a:tableStyleId>
+              </a:tblPr>
+              <a:tblGrid>
+                <a:gridCol w="402257">
+                  <a:extLst>
+                    <a:ext uri="{9D8B030D-6E8A-4147-A177-3AD203B41FA5}">
+                      <a16:colId xmlns:a16="http://schemas.microsoft.com/office/drawing/2014/main" val="1407436018"/>
+                    </a:ext>
+                  </a:extLst>
+                </a:gridCol>
+                <a:gridCol w="5508511">
+                  <a:extLst>
+                    <a:ext uri="{9D8B030D-6E8A-4147-A177-3AD203B41FA5}">
+                      <a16:colId xmlns:a16="http://schemas.microsoft.com/office/drawing/2014/main" val="129994254"/>
+                    </a:ext>
+                  </a:extLst>
+                </a:gridCol>
+                <a:gridCol w="2413722">
+                  <a:extLst>
+                    <a:ext uri="{9D8B030D-6E8A-4147-A177-3AD203B41FA5}">
+                      <a16:colId xmlns:a16="http://schemas.microsoft.com/office/drawing/2014/main" val="361543388"/>
+                    </a:ext>
+                  </a:extLst>
+                </a:gridCol>
+              </a:tblGrid>
+              <a:tr h="370840">
+                <a:tc>
+                  <a:txBody>
+                    <a:bodyPr/>
+                    <a:lstStyle/>
+                    <a:p>
+                      <a:pPr marL="285750" indent="-285750">
+                        <a:lnSpc>
+                          <a:spcPct val="100000"/>
+                        </a:lnSpc>
+                        <a:buFont typeface="Wingdings" panose="05000000000000000000" pitchFamily="2" charset="2"/>
+                        <a:buChar char="p"/>
+                      </a:pPr>
+                      <a:r>
+                        <a:rPr lang="en-US" altLang="zh-TW" sz="1400" dirty="0" smtClean="0"/>
+                        <a:t> </a:t>
+                      </a:r>
+                      <a:endParaRPr lang="zh-TW" altLang="en-US" sz="1400" dirty="0"/>
+                    </a:p>
+                  </a:txBody>
+                  <a:tcPr anchor="ctr">
+                    <a:lnL w="12700" cmpd="sng">
+                      <a:noFill/>
+                    </a:lnL>
+                    <a:lnR w="12700" cmpd="sng">
+                      <a:noFill/>
+                    </a:lnR>
+                    <a:lnT w="12700" cmpd="sng">
+                      <a:noFill/>
+                    </a:lnT>
+                    <a:lnB w="12700" cmpd="sng">
+                      <a:noFill/>
+                    </a:lnB>
+                    <a:lnTlToBr w="12700" cmpd="sng">
+                      <a:noFill/>
+                      <a:prstDash val="solid"/>
+                    </a:lnTlToBr>
+                    <a:lnBlToTr w="12700" cmpd="sng">
+                      <a:noFill/>
+                      <a:prstDash val="solid"/>
+                    </a:lnBlToTr>
+                    <a:noFill/>
+                  </a:tcPr>
+                </a:tc>
+                <a:tc>
+                  <a:txBody>
+                    <a:bodyPr/>
+                    <a:lstStyle/>
+                    <a:p>
+                      <a:pPr>
+                        <a:lnSpc>
+                          <a:spcPct val="100000"/>
+                        </a:lnSpc>
+                      </a:pPr>
+                      <a:r>
+                        <a:rPr lang="en-US" altLang="zh-TW" sz="1600" b="1" dirty="0" smtClean="0">
+                          <a:latin typeface="Georgia" panose="02040502050405020303" pitchFamily="18" charset="0"/>
+                        </a:rPr>
+                        <a:t>National</a:t>
+                      </a:r>
+                      <a:r>
+                        <a:rPr lang="en-US" altLang="zh-TW" sz="1600" b="1" baseline="0" dirty="0" smtClean="0">
+                          <a:latin typeface="Georgia" panose="02040502050405020303" pitchFamily="18" charset="0"/>
+                        </a:rPr>
+                        <a:t> Tsing Hua University (</a:t>
+                      </a:r>
+                      <a:r>
+                        <a:rPr lang="en-US" altLang="zh-TW" sz="1600" b="1" baseline="0" dirty="0" smtClean="0">
+                          <a:latin typeface="Times New Roman" panose="02020603050405020304" pitchFamily="18" charset="0"/>
+                          <a:cs typeface="Times New Roman" panose="02020603050405020304" pitchFamily="18" charset="0"/>
+                        </a:rPr>
+                        <a:t>GPA 4.08</a:t>
+                      </a:r>
+                      <a:r>
+                        <a:rPr lang="en-US" altLang="zh-TW" sz="1600" b="1" baseline="0" dirty="0" smtClean="0">
+                          <a:latin typeface="Georgia" panose="02040502050405020303" pitchFamily="18" charset="0"/>
+                        </a:rPr>
+                        <a:t>)</a:t>
+                      </a:r>
+                    </a:p>
+                    <a:p>
+                      <a:pPr>
+                        <a:lnSpc>
+                          <a:spcPct val="100000"/>
+                        </a:lnSpc>
+                      </a:pPr>
+                      <a:r>
+                        <a:rPr lang="en-US" altLang="zh-TW" sz="1600" baseline="0" dirty="0" smtClean="0">
+                          <a:latin typeface="Georgia" panose="02040502050405020303" pitchFamily="18" charset="0"/>
+                        </a:rPr>
+                        <a:t>Institute of Communications Engineering (MS)</a:t>
+                      </a:r>
+                      <a:endParaRPr lang="zh-TW" altLang="en-US" sz="1600" dirty="0">
+                        <a:latin typeface="Georgia" panose="02040502050405020303" pitchFamily="18" charset="0"/>
+                      </a:endParaRPr>
+                    </a:p>
+                  </a:txBody>
+                  <a:tcPr anchor="ctr">
+                    <a:lnL w="12700" cmpd="sng">
+                      <a:noFill/>
+                    </a:lnL>
+                    <a:lnR w="12700" cmpd="sng">
+                      <a:noFill/>
+                    </a:lnR>
+                    <a:lnT w="12700" cmpd="sng">
+                      <a:noFill/>
+                    </a:lnT>
+                    <a:lnB w="12700" cmpd="sng">
+                      <a:noFill/>
+                    </a:lnB>
+                    <a:lnTlToBr w="12700" cmpd="sng">
+                      <a:noFill/>
+                      <a:prstDash val="solid"/>
+                    </a:lnTlToBr>
+                    <a:lnBlToTr w="12700" cmpd="sng">
+                      <a:noFill/>
+                      <a:prstDash val="solid"/>
+                    </a:lnBlToTr>
+                    <a:noFill/>
+                  </a:tcPr>
+                </a:tc>
+                <a:tc>
+                  <a:txBody>
+                    <a:bodyPr/>
+                    <a:lstStyle/>
+                    <a:p>
+                      <a:pPr algn="r">
+                        <a:lnSpc>
+                          <a:spcPct val="100000"/>
+                        </a:lnSpc>
+                      </a:pPr>
+                      <a:r>
+                        <a:rPr lang="en-US" altLang="zh-TW" sz="1600" dirty="0" smtClean="0"/>
+                        <a:t>Hsinchu,</a:t>
+                      </a:r>
+                      <a:r>
+                        <a:rPr lang="en-US" altLang="zh-TW" sz="1600" baseline="0" dirty="0" smtClean="0"/>
+                        <a:t> Taiwan</a:t>
+                      </a:r>
+                    </a:p>
+                    <a:p>
+                      <a:pPr algn="r">
+                        <a:lnSpc>
+                          <a:spcPct val="100000"/>
+                        </a:lnSpc>
+                      </a:pPr>
+                      <a:r>
+                        <a:rPr lang="en-US" altLang="zh-TW" sz="1600" baseline="0" dirty="0" smtClean="0"/>
+                        <a:t>Sep. 2019 – Present</a:t>
+                      </a:r>
+                      <a:endParaRPr lang="zh-TW" altLang="en-US" sz="1600" dirty="0"/>
+                    </a:p>
+                  </a:txBody>
+                  <a:tcPr anchor="ctr">
+                    <a:lnL w="12700" cmpd="sng">
+                      <a:noFill/>
+                    </a:lnL>
+                    <a:lnR w="12700" cmpd="sng">
+                      <a:noFill/>
+                    </a:lnR>
+                    <a:lnT w="12700" cmpd="sng">
+                      <a:noFill/>
+                    </a:lnT>
+                    <a:lnB w="12700" cmpd="sng">
+                      <a:noFill/>
+                    </a:lnB>
+                    <a:lnTlToBr w="12700" cmpd="sng">
+                      <a:noFill/>
+                      <a:prstDash val="solid"/>
+                    </a:lnTlToBr>
+                    <a:lnBlToTr w="12700" cmpd="sng">
+                      <a:noFill/>
+                      <a:prstDash val="solid"/>
+                    </a:lnBlToTr>
+                    <a:noFill/>
+                  </a:tcPr>
+                </a:tc>
+                <a:extLst>
+                  <a:ext uri="{0D108BD9-81ED-4DB2-BD59-A6C34878D82A}">
+                    <a16:rowId xmlns:a16="http://schemas.microsoft.com/office/drawing/2014/main" val="3166497756"/>
+                  </a:ext>
+                </a:extLst>
+              </a:tr>
+            </a:tbl>
+          </a:graphicData>
+        </a:graphic>
+      </p:graphicFrame>
+      <p:sp>
+        <p:nvSpPr>
+          <p:cNvPr id="14" name="矩形 13"/>
+          <p:cNvSpPr/>
+          <p:nvPr/>
+        </p:nvSpPr>
+        <p:spPr>
+          <a:xfrm>
+            <a:off x="518408" y="1274009"/>
+            <a:ext cx="1767840" cy="376133"/>
+          </a:xfrm>
+          <a:prstGeom prst="rect">
+            <a:avLst/>
+          </a:prstGeom>
+          <a:solidFill>
+            <a:srgbClr val="98C2B2"/>
+          </a:solidFill>
+          <a:ln>
+            <a:noFill/>
+          </a:ln>
+        </p:spPr>
+        <p:style>
+          <a:lnRef idx="2">
+            <a:schemeClr val="accent1">
+              <a:shade val="50000"/>
+            </a:schemeClr>
+          </a:lnRef>
+          <a:fillRef idx="1">
+            <a:schemeClr val="accent1"/>
+          </a:fillRef>
+          <a:effectRef idx="0">
+            <a:schemeClr val="accent1"/>
+          </a:effectRef>
+          <a:fontRef idx="minor">
+            <a:schemeClr val="lt1"/>
+          </a:fontRef>
+        </p:style>
+        <p:txBody>
+          <a:bodyPr rtlCol="0" anchor="ctr"/>
+          <a:lstStyle/>
+          <a:p>
+            <a:pPr algn="ctr"/>
+            <a:r>
+              <a:rPr lang="en-US" altLang="zh-TW" b="1" dirty="0" smtClean="0">
+                <a:latin typeface="Georgia" panose="02040502050405020303" pitchFamily="18" charset="0"/>
+              </a:rPr>
+              <a:t>EDUCATION</a:t>
+            </a:r>
+            <a:endParaRPr lang="zh-TW" altLang="en-US" b="1" dirty="0">
+              <a:latin typeface="Georgia" panose="02040502050405020303" pitchFamily="18" charset="0"/>
+            </a:endParaRPr>
+          </a:p>
+        </p:txBody>
+      </p:sp>
+      <p:sp>
+        <p:nvSpPr>
+          <p:cNvPr id="15" name="矩形 14"/>
+          <p:cNvSpPr/>
+          <p:nvPr/>
+        </p:nvSpPr>
+        <p:spPr>
+          <a:xfrm>
+            <a:off x="518408" y="3853362"/>
+            <a:ext cx="3322073" cy="376133"/>
+          </a:xfrm>
+          <a:prstGeom prst="rect">
+            <a:avLst/>
+          </a:prstGeom>
+          <a:solidFill>
+            <a:srgbClr val="98C2B2"/>
+          </a:solidFill>
+          <a:ln>
+            <a:noFill/>
+          </a:ln>
+        </p:spPr>
+        <p:style>
+          <a:lnRef idx="2">
+            <a:schemeClr val="accent1">
+              <a:shade val="50000"/>
+            </a:schemeClr>
+          </a:lnRef>
+          <a:fillRef idx="1">
+            <a:schemeClr val="accent1"/>
+          </a:fillRef>
+          <a:effectRef idx="0">
+            <a:schemeClr val="accent1"/>
+          </a:effectRef>
+          <a:fontRef idx="minor">
+            <a:schemeClr val="lt1"/>
+          </a:fontRef>
+        </p:style>
+        <p:txBody>
+          <a:bodyPr rtlCol="0" anchor="ctr"/>
+          <a:lstStyle/>
+          <a:p>
+            <a:pPr algn="ctr"/>
+            <a:r>
+              <a:rPr lang="en-US" altLang="zh-TW" b="1" dirty="0" smtClean="0">
+                <a:latin typeface="Georgia" panose="02040502050405020303" pitchFamily="18" charset="0"/>
+              </a:rPr>
+              <a:t>ACADEMIC  EXPERIENCE</a:t>
+            </a:r>
+            <a:endParaRPr lang="zh-TW" altLang="en-US" b="1" dirty="0">
+              <a:latin typeface="Georgia" panose="02040502050405020303" pitchFamily="18" charset="0"/>
+            </a:endParaRPr>
+          </a:p>
+        </p:txBody>
+      </p:sp>
+      <p:sp>
+        <p:nvSpPr>
+          <p:cNvPr id="16" name="文字方塊 15"/>
+          <p:cNvSpPr txBox="1"/>
+          <p:nvPr/>
+        </p:nvSpPr>
+        <p:spPr>
+          <a:xfrm>
+            <a:off x="711610" y="4438290"/>
+            <a:ext cx="6147041" cy="1181157"/>
+          </a:xfrm>
+          <a:prstGeom prst="rect">
+            <a:avLst/>
+          </a:prstGeom>
+          <a:noFill/>
+        </p:spPr>
+        <p:txBody>
+          <a:bodyPr wrap="square" rtlCol="0">
+            <a:spAutoFit/>
+          </a:bodyPr>
+          <a:lstStyle/>
+          <a:p>
+            <a:pPr marL="228600" indent="-228600">
+              <a:lnSpc>
+                <a:spcPct val="150000"/>
+              </a:lnSpc>
+              <a:spcAft>
+                <a:spcPts val="70"/>
+              </a:spcAft>
+              <a:buAutoNum type="arabicPeriod"/>
+            </a:pPr>
+            <a:r>
+              <a:rPr lang="en-US" altLang="zh-TW" sz="1600" b="1" dirty="0" smtClean="0">
+                <a:latin typeface="Georgia" panose="02040502050405020303" pitchFamily="18" charset="0"/>
+              </a:rPr>
+              <a:t>  2018    National </a:t>
+            </a:r>
+            <a:r>
+              <a:rPr lang="en-US" altLang="zh-TW" sz="1600" b="1" dirty="0">
+                <a:latin typeface="Georgia" panose="02040502050405020303" pitchFamily="18" charset="0"/>
+              </a:rPr>
+              <a:t>University Competition of Python</a:t>
+            </a:r>
+            <a:r>
+              <a:rPr lang="en-US" altLang="zh-TW" sz="1600" b="1" dirty="0" smtClean="0">
+                <a:latin typeface="Georgia" panose="02040502050405020303" pitchFamily="18" charset="0"/>
+              </a:rPr>
+              <a:t> </a:t>
+            </a:r>
+          </a:p>
+          <a:p>
+            <a:pPr marL="228600" indent="-228600">
+              <a:lnSpc>
+                <a:spcPct val="150000"/>
+              </a:lnSpc>
+              <a:spcAft>
+                <a:spcPts val="70"/>
+              </a:spcAft>
+              <a:buAutoNum type="arabicPeriod"/>
+            </a:pPr>
+            <a:r>
+              <a:rPr lang="en-US" altLang="zh-TW" sz="1600" b="1" dirty="0" smtClean="0">
+                <a:latin typeface="Georgia" panose="02040502050405020303" pitchFamily="18" charset="0"/>
+              </a:rPr>
+              <a:t>  2017     IMP 2017 Conference</a:t>
+            </a:r>
+          </a:p>
+          <a:p>
+            <a:pPr marL="228600" indent="-228600">
+              <a:lnSpc>
+                <a:spcPct val="150000"/>
+              </a:lnSpc>
+              <a:spcAft>
+                <a:spcPts val="70"/>
+              </a:spcAft>
+              <a:buAutoNum type="arabicPeriod"/>
+            </a:pPr>
+            <a:r>
+              <a:rPr lang="en-US" altLang="zh-TW" sz="1600" b="1" dirty="0" smtClean="0">
+                <a:latin typeface="Georgia" panose="02040502050405020303" pitchFamily="18" charset="0"/>
+              </a:rPr>
+              <a:t>  2017     Independent Study Competition</a:t>
+            </a:r>
+          </a:p>
+        </p:txBody>
+      </p:sp>
+      <p:graphicFrame>
+        <p:nvGraphicFramePr>
+          <p:cNvPr id="17" name="表格 16"/>
+          <p:cNvGraphicFramePr>
+            <a:graphicFrameLocks noGrp="1"/>
+          </p:cNvGraphicFramePr>
+          <p:nvPr>
+            <p:extLst>
+              <p:ext uri="{D42A27DB-BD31-4B8C-83A1-F6EECF244321}">
+                <p14:modId xmlns:p14="http://schemas.microsoft.com/office/powerpoint/2010/main" val="186612717"/>
+              </p:ext>
+            </p:extLst>
+          </p:nvPr>
+        </p:nvGraphicFramePr>
+        <p:xfrm>
+          <a:off x="711610" y="2697558"/>
+          <a:ext cx="8324490" cy="579120"/>
+        </p:xfrm>
+        <a:graphic>
+          <a:graphicData uri="http://schemas.openxmlformats.org/drawingml/2006/table">
+            <a:tbl>
+              <a:tblPr bandRow="1">
+                <a:tableStyleId>{5C22544A-7EE6-4342-B048-85BDC9FD1C3A}</a:tableStyleId>
+              </a:tblPr>
+              <a:tblGrid>
+                <a:gridCol w="402257">
+                  <a:extLst>
+                    <a:ext uri="{9D8B030D-6E8A-4147-A177-3AD203B41FA5}">
+                      <a16:colId xmlns:a16="http://schemas.microsoft.com/office/drawing/2014/main" val="980139734"/>
+                    </a:ext>
+                  </a:extLst>
+                </a:gridCol>
+                <a:gridCol w="5508511">
+                  <a:extLst>
+                    <a:ext uri="{9D8B030D-6E8A-4147-A177-3AD203B41FA5}">
+                      <a16:colId xmlns:a16="http://schemas.microsoft.com/office/drawing/2014/main" val="2319859668"/>
+                    </a:ext>
+                  </a:extLst>
+                </a:gridCol>
+                <a:gridCol w="2413722">
+                  <a:extLst>
+                    <a:ext uri="{9D8B030D-6E8A-4147-A177-3AD203B41FA5}">
+                      <a16:colId xmlns:a16="http://schemas.microsoft.com/office/drawing/2014/main" val="824807123"/>
+                    </a:ext>
+                  </a:extLst>
+                </a:gridCol>
+              </a:tblGrid>
+              <a:tr h="370840">
+                <a:tc>
+                  <a:txBody>
+                    <a:bodyPr/>
+                    <a:lstStyle/>
+                    <a:p>
+                      <a:pPr marL="285750" indent="-285750">
+                        <a:lnSpc>
+                          <a:spcPct val="100000"/>
+                        </a:lnSpc>
+                        <a:buFont typeface="Wingdings" panose="05000000000000000000" pitchFamily="2" charset="2"/>
+                        <a:buChar char="p"/>
+                      </a:pPr>
+                      <a:r>
+                        <a:rPr lang="en-US" altLang="zh-TW" sz="1400" dirty="0" smtClean="0"/>
+                        <a:t> </a:t>
+                      </a:r>
+                      <a:endParaRPr lang="zh-TW" altLang="en-US" sz="1400" dirty="0"/>
+                    </a:p>
+                  </a:txBody>
+                  <a:tcPr anchor="ctr">
+                    <a:lnL w="12700" cmpd="sng">
+                      <a:noFill/>
+                    </a:lnL>
+                    <a:lnR w="12700" cmpd="sng">
+                      <a:noFill/>
+                    </a:lnR>
+                    <a:lnT w="12700" cmpd="sng">
+                      <a:noFill/>
+                    </a:lnT>
+                    <a:lnB w="12700" cmpd="sng">
+                      <a:noFill/>
+                    </a:lnB>
+                    <a:lnTlToBr w="12700" cmpd="sng">
+                      <a:noFill/>
+                      <a:prstDash val="solid"/>
+                    </a:lnTlToBr>
+                    <a:lnBlToTr w="12700" cmpd="sng">
+                      <a:noFill/>
+                      <a:prstDash val="solid"/>
+                    </a:lnBlToTr>
+                    <a:noFill/>
+                  </a:tcPr>
+                </a:tc>
+                <a:tc>
+                  <a:txBody>
+                    <a:bodyPr/>
+                    <a:lstStyle/>
+                    <a:p>
+                      <a:pPr>
+                        <a:lnSpc>
+                          <a:spcPct val="100000"/>
+                        </a:lnSpc>
+                      </a:pPr>
+                      <a:r>
+                        <a:rPr lang="en-US" altLang="zh-TW" sz="1600" b="1" dirty="0" smtClean="0">
+                          <a:latin typeface="Georgia" panose="02040502050405020303" pitchFamily="18" charset="0"/>
+                        </a:rPr>
+                        <a:t>Feng</a:t>
+                      </a:r>
+                      <a:r>
+                        <a:rPr lang="en-US" altLang="zh-TW" sz="1600" b="1" baseline="0" dirty="0" smtClean="0">
+                          <a:latin typeface="Georgia" panose="02040502050405020303" pitchFamily="18" charset="0"/>
+                        </a:rPr>
+                        <a:t> Chia University</a:t>
+                      </a:r>
+                    </a:p>
+                    <a:p>
+                      <a:pPr>
+                        <a:lnSpc>
+                          <a:spcPct val="100000"/>
+                        </a:lnSpc>
+                      </a:pPr>
+                      <a:r>
+                        <a:rPr lang="en-US" altLang="zh-TW" sz="1600" baseline="0" dirty="0" smtClean="0">
+                          <a:latin typeface="Georgia" panose="02040502050405020303" pitchFamily="18" charset="0"/>
+                        </a:rPr>
+                        <a:t>Department of Communications Engineering (BS)</a:t>
+                      </a:r>
+                      <a:endParaRPr lang="zh-TW" altLang="en-US" sz="1600" dirty="0">
+                        <a:latin typeface="Georgia" panose="02040502050405020303" pitchFamily="18" charset="0"/>
+                      </a:endParaRPr>
+                    </a:p>
+                  </a:txBody>
+                  <a:tcPr anchor="ctr">
+                    <a:lnL w="12700" cmpd="sng">
+                      <a:noFill/>
+                    </a:lnL>
+                    <a:lnR w="12700" cmpd="sng">
+                      <a:noFill/>
+                    </a:lnR>
+                    <a:lnT w="12700" cmpd="sng">
+                      <a:noFill/>
+                    </a:lnT>
+                    <a:lnB w="12700" cmpd="sng">
+                      <a:noFill/>
+                    </a:lnB>
+                    <a:lnTlToBr w="12700" cmpd="sng">
+                      <a:noFill/>
+                      <a:prstDash val="solid"/>
+                    </a:lnTlToBr>
+                    <a:lnBlToTr w="12700" cmpd="sng">
+                      <a:noFill/>
+                      <a:prstDash val="solid"/>
+                    </a:lnBlToTr>
+                    <a:noFill/>
+                  </a:tcPr>
+                </a:tc>
+                <a:tc>
+                  <a:txBody>
+                    <a:bodyPr/>
+                    <a:lstStyle/>
+                    <a:p>
+                      <a:pPr algn="r">
+                        <a:lnSpc>
+                          <a:spcPct val="100000"/>
+                        </a:lnSpc>
+                      </a:pPr>
+                      <a:r>
+                        <a:rPr lang="en-US" altLang="zh-TW" sz="1600" dirty="0" smtClean="0"/>
+                        <a:t>Taichung, Taiwan</a:t>
+                      </a:r>
+                    </a:p>
+                    <a:p>
+                      <a:pPr algn="r">
+                        <a:lnSpc>
+                          <a:spcPct val="100000"/>
+                        </a:lnSpc>
+                      </a:pPr>
+                      <a:r>
+                        <a:rPr lang="en-US" altLang="zh-TW" sz="1600" dirty="0" smtClean="0"/>
+                        <a:t>Sep. 2014</a:t>
+                      </a:r>
+                      <a:r>
+                        <a:rPr lang="en-US" altLang="zh-TW" sz="1600" baseline="0" dirty="0" smtClean="0"/>
+                        <a:t> – Jan. 2019</a:t>
+                      </a:r>
+                      <a:endParaRPr lang="zh-TW" altLang="en-US" sz="1600" dirty="0"/>
+                    </a:p>
+                  </a:txBody>
+                  <a:tcPr anchor="ctr">
+                    <a:lnL w="12700" cmpd="sng">
+                      <a:noFill/>
+                    </a:lnL>
+                    <a:lnR w="12700" cmpd="sng">
+                      <a:noFill/>
+                    </a:lnR>
+                    <a:lnT w="12700" cmpd="sng">
+                      <a:noFill/>
+                    </a:lnT>
+                    <a:lnB w="12700" cmpd="sng">
+                      <a:noFill/>
+                    </a:lnB>
+                    <a:lnTlToBr w="12700" cmpd="sng">
+                      <a:noFill/>
+                      <a:prstDash val="solid"/>
+                    </a:lnTlToBr>
+                    <a:lnBlToTr w="12700" cmpd="sng">
+                      <a:noFill/>
+                      <a:prstDash val="solid"/>
+                    </a:lnBlToTr>
+                    <a:noFill/>
+                  </a:tcPr>
+                </a:tc>
+                <a:extLst>
+                  <a:ext uri="{0D108BD9-81ED-4DB2-BD59-A6C34878D82A}">
+                    <a16:rowId xmlns:a16="http://schemas.microsoft.com/office/drawing/2014/main" val="2928094742"/>
+                  </a:ext>
+                </a:extLst>
+              </a:tr>
+            </a:tbl>
+          </a:graphicData>
+        </a:graphic>
+      </p:graphicFrame>
+      <p:sp>
+        <p:nvSpPr>
+          <p:cNvPr id="18" name="文字方塊 17"/>
+          <p:cNvSpPr txBox="1"/>
+          <p:nvPr/>
+        </p:nvSpPr>
+        <p:spPr>
+          <a:xfrm>
+            <a:off x="5907808" y="4438290"/>
+            <a:ext cx="3128292" cy="1181157"/>
+          </a:xfrm>
+          <a:prstGeom prst="rect">
+            <a:avLst/>
+          </a:prstGeom>
+          <a:noFill/>
+        </p:spPr>
+        <p:txBody>
+          <a:bodyPr wrap="square" rtlCol="0">
+            <a:spAutoFit/>
+          </a:bodyPr>
+          <a:lstStyle/>
+          <a:p>
+            <a:pPr algn="r">
+              <a:lnSpc>
+                <a:spcPct val="150000"/>
+              </a:lnSpc>
+              <a:spcAft>
+                <a:spcPts val="70"/>
+              </a:spcAft>
+            </a:pPr>
+            <a:r>
+              <a:rPr lang="en-US" altLang="zh-TW" sz="1600" dirty="0" smtClean="0">
+                <a:latin typeface="Georgia" panose="02040502050405020303" pitchFamily="18" charset="0"/>
+              </a:rPr>
+              <a:t>Certified</a:t>
+            </a:r>
+          </a:p>
+          <a:p>
+            <a:pPr algn="r">
+              <a:lnSpc>
+                <a:spcPct val="150000"/>
+              </a:lnSpc>
+              <a:spcAft>
+                <a:spcPts val="70"/>
+              </a:spcAft>
+            </a:pPr>
+            <a:r>
+              <a:rPr lang="en-US" altLang="zh-TW" sz="1600" dirty="0" smtClean="0">
+                <a:latin typeface="Georgia" panose="02040502050405020303" pitchFamily="18" charset="0"/>
+              </a:rPr>
+              <a:t>Publish</a:t>
+            </a:r>
+          </a:p>
+          <a:p>
+            <a:pPr algn="r">
+              <a:lnSpc>
+                <a:spcPct val="150000"/>
+              </a:lnSpc>
+              <a:spcAft>
+                <a:spcPts val="70"/>
+              </a:spcAft>
+            </a:pPr>
+            <a:r>
+              <a:rPr lang="en-US" altLang="zh-TW" sz="1600" dirty="0" smtClean="0">
+                <a:latin typeface="Georgia" panose="02040502050405020303" pitchFamily="18" charset="0"/>
+              </a:rPr>
+              <a:t>Honorable Mention Award</a:t>
+            </a:r>
+          </a:p>
+        </p:txBody>
+      </p:sp>
+    </p:spTree>
+    <p:extLst>
+      <p:ext uri="{BB962C8B-B14F-4D97-AF65-F5344CB8AC3E}">
+        <p14:creationId xmlns:p14="http://schemas.microsoft.com/office/powerpoint/2010/main" val="86399874"/>
+      </p:ext>
+    </p:extLst>
+  </p:cSld>
+  <p:clrMapOvr>
+    <a:masterClrMapping/>
+  </p:clrMapOvr>
+</p:sld>
+</file>
+
+<file path=ppt/slides/slide5.xml><?xml version="1.0" encoding="utf-8"?>
+<p:sld xmlns:a="http://schemas.openxmlformats.org/drawingml/2006/main" xmlns:r="http://schemas.openxmlformats.org/officeDocument/2006/relationships" xmlns:p="http://schemas.openxmlformats.org/presentationml/2006/main">
+  <p:cSld>
+    <p:spTree>
+      <p:nvGrpSpPr>
+        <p:cNvPr id="1" name=""/>
+        <p:cNvGrpSpPr/>
+        <p:nvPr/>
+      </p:nvGrpSpPr>
+      <p:grpSpPr>
+        <a:xfrm>
+          <a:off x="0" y="0"/>
+          <a:ext cx="0" cy="0"/>
+          <a:chOff x="0" y="0"/>
+          <a:chExt cx="0" cy="0"/>
+        </a:xfrm>
+      </p:grpSpPr>
+      <p:sp>
+        <p:nvSpPr>
+          <p:cNvPr id="4" name="橢圓 3"/>
+          <p:cNvSpPr/>
+          <p:nvPr/>
+        </p:nvSpPr>
+        <p:spPr>
+          <a:xfrm>
+            <a:off x="345688" y="877301"/>
+            <a:ext cx="172720" cy="162560"/>
+          </a:xfrm>
+          <a:prstGeom prst="ellipse">
+            <a:avLst/>
+          </a:prstGeom>
+          <a:solidFill>
+            <a:schemeClr val="tx1">
+              <a:lumMod val="65000"/>
+              <a:lumOff val="35000"/>
+            </a:schemeClr>
+          </a:solidFill>
+          <a:ln>
+            <a:noFill/>
+          </a:ln>
+        </p:spPr>
+        <p:style>
+          <a:lnRef idx="2">
+            <a:schemeClr val="accent1">
+              <a:shade val="50000"/>
+            </a:schemeClr>
+          </a:lnRef>
+          <a:fillRef idx="1">
+            <a:schemeClr val="accent1"/>
+          </a:fillRef>
+          <a:effectRef idx="0">
+            <a:schemeClr val="accent1"/>
+          </a:effectRef>
+          <a:fontRef idx="minor">
+            <a:schemeClr val="lt1"/>
+          </a:fontRef>
+        </p:style>
+        <p:txBody>
+          <a:bodyPr rtlCol="0" anchor="ctr"/>
+          <a:lstStyle/>
+          <a:p>
+            <a:pPr algn="ctr"/>
+            <a:endParaRPr lang="zh-TW" altLang="en-US"/>
+          </a:p>
+        </p:txBody>
+      </p:sp>
+      <p:cxnSp>
+        <p:nvCxnSpPr>
+          <p:cNvPr id="5" name="直線接點 4"/>
+          <p:cNvCxnSpPr>
+            <a:stCxn id="4" idx="6"/>
+          </p:cNvCxnSpPr>
+          <p:nvPr/>
+        </p:nvCxnSpPr>
+        <p:spPr>
+          <a:xfrm>
+            <a:off x="518408" y="958581"/>
+            <a:ext cx="6953546" cy="0"/>
+          </a:xfrm>
+          <a:prstGeom prst="line">
+            <a:avLst/>
+          </a:prstGeom>
+          <a:ln w="25400">
+            <a:solidFill>
+              <a:schemeClr val="tx1">
+                <a:lumMod val="65000"/>
+                <a:lumOff val="35000"/>
+              </a:schemeClr>
+            </a:solidFill>
+          </a:ln>
+        </p:spPr>
+        <p:style>
+          <a:lnRef idx="1">
+            <a:schemeClr val="accent1"/>
+          </a:lnRef>
+          <a:fillRef idx="0">
+            <a:schemeClr val="accent1"/>
+          </a:fillRef>
+          <a:effectRef idx="0">
+            <a:schemeClr val="accent1"/>
+          </a:effectRef>
+          <a:fontRef idx="minor">
+            <a:schemeClr val="tx1"/>
+          </a:fontRef>
+        </p:style>
+      </p:cxnSp>
+      <p:sp>
+        <p:nvSpPr>
+          <p:cNvPr id="6" name="矩形 5"/>
+          <p:cNvSpPr/>
+          <p:nvPr/>
+        </p:nvSpPr>
+        <p:spPr>
+          <a:xfrm>
+            <a:off x="518408" y="373806"/>
+            <a:ext cx="1667444" cy="584775"/>
+          </a:xfrm>
+          <a:prstGeom prst="rect">
+            <a:avLst/>
+          </a:prstGeom>
+          <a:noFill/>
+        </p:spPr>
+        <p:txBody>
+          <a:bodyPr wrap="none" lIns="91440" tIns="45720" rIns="91440" bIns="45720">
+            <a:spAutoFit/>
+          </a:bodyPr>
+          <a:lstStyle/>
+          <a:p>
+            <a:pPr algn="ctr"/>
+            <a:r>
+              <a:rPr lang="en-US" altLang="zh-TW" sz="3200" b="1" cap="none" spc="0" dirty="0" smtClean="0">
+                <a:ln w="0"/>
+                <a:solidFill>
+                  <a:schemeClr val="accent1"/>
+                </a:solidFill>
+                <a:effectLst>
+                  <a:outerShdw blurRad="38100" dist="25400" dir="5400000" algn="ctr" rotWithShape="0">
+                    <a:srgbClr val="6E747A">
+                      <a:alpha val="43000"/>
+                    </a:srgbClr>
+                  </a:outerShdw>
+                </a:effectLst>
+                <a:latin typeface="Times New Roman" panose="02020603050405020304" pitchFamily="18" charset="0"/>
+                <a:cs typeface="Times New Roman" panose="02020603050405020304" pitchFamily="18" charset="0"/>
+              </a:rPr>
+              <a:t>SKILLS</a:t>
+            </a:r>
+            <a:endParaRPr lang="zh-TW" altLang="en-US" sz="3200" b="1" cap="none" spc="0" dirty="0">
+              <a:ln w="0"/>
+              <a:solidFill>
+                <a:schemeClr val="accent1"/>
+              </a:solidFill>
+              <a:effectLst>
+                <a:outerShdw blurRad="38100" dist="25400" dir="5400000" algn="ctr" rotWithShape="0">
+                  <a:srgbClr val="6E747A">
+                    <a:alpha val="43000"/>
+                  </a:srgbClr>
+                </a:outerShdw>
+              </a:effectLst>
+              <a:latin typeface="Times New Roman" panose="02020603050405020304" pitchFamily="18" charset="0"/>
+              <a:cs typeface="Times New Roman" panose="02020603050405020304" pitchFamily="18" charset="0"/>
+            </a:endParaRPr>
+          </a:p>
+        </p:txBody>
+      </p:sp>
+      <p:graphicFrame>
+        <p:nvGraphicFramePr>
+          <p:cNvPr id="8" name="表格 7"/>
+          <p:cNvGraphicFramePr>
+            <a:graphicFrameLocks noGrp="1"/>
+          </p:cNvGraphicFramePr>
+          <p:nvPr>
+            <p:extLst>
+              <p:ext uri="{D42A27DB-BD31-4B8C-83A1-F6EECF244321}">
+                <p14:modId xmlns:p14="http://schemas.microsoft.com/office/powerpoint/2010/main" val="3963965825"/>
+              </p:ext>
+            </p:extLst>
+          </p:nvPr>
+        </p:nvGraphicFramePr>
+        <p:xfrm>
+          <a:off x="1352130" y="1956283"/>
+          <a:ext cx="8792756" cy="3541462"/>
+        </p:xfrm>
+        <a:graphic>
+          <a:graphicData uri="http://schemas.openxmlformats.org/drawingml/2006/table">
+            <a:tbl>
+              <a:tblPr firstRow="1" bandRow="1">
+                <a:tableStyleId>{8EC20E35-A176-4012-BC5E-935CFFF8708E}</a:tableStyleId>
+              </a:tblPr>
+              <a:tblGrid>
+                <a:gridCol w="4132625">
+                  <a:extLst>
+                    <a:ext uri="{9D8B030D-6E8A-4147-A177-3AD203B41FA5}">
+                      <a16:colId xmlns:a16="http://schemas.microsoft.com/office/drawing/2014/main" val="846821314"/>
+                    </a:ext>
+                  </a:extLst>
+                </a:gridCol>
+                <a:gridCol w="4660131">
+                  <a:extLst>
+                    <a:ext uri="{9D8B030D-6E8A-4147-A177-3AD203B41FA5}">
+                      <a16:colId xmlns:a16="http://schemas.microsoft.com/office/drawing/2014/main" val="3669824537"/>
+                    </a:ext>
+                  </a:extLst>
+                </a:gridCol>
+              </a:tblGrid>
+              <a:tr h="370840">
+                <a:tc gridSpan="2">
+                  <a:txBody>
+                    <a:bodyPr/>
+                    <a:lstStyle/>
+                    <a:p>
+                      <a:pPr algn="ctr"/>
+                      <a:r>
+                        <a:rPr lang="en-US" altLang="zh-TW" dirty="0" smtClean="0"/>
+                        <a:t>WHAT</a:t>
+                      </a:r>
+                      <a:r>
+                        <a:rPr lang="en-US" altLang="zh-TW" baseline="0" dirty="0" smtClean="0"/>
+                        <a:t> I HAVE DONE</a:t>
+                      </a:r>
+                      <a:endParaRPr lang="zh-TW" altLang="en-US" dirty="0">
+                        <a:latin typeface="Georgia" panose="02040502050405020303" pitchFamily="18" charset="0"/>
+                      </a:endParaRPr>
+                    </a:p>
+                  </a:txBody>
+                  <a:tcPr anchor="ctr"/>
+                </a:tc>
+                <a:tc hMerge="1">
+                  <a:txBody>
+                    <a:bodyPr/>
+                    <a:lstStyle/>
+                    <a:p>
+                      <a:endParaRPr lang="zh-TW" altLang="en-US" dirty="0"/>
+                    </a:p>
+                  </a:txBody>
+                  <a:tcPr/>
+                </a:tc>
+                <a:extLst>
+                  <a:ext uri="{0D108BD9-81ED-4DB2-BD59-A6C34878D82A}">
+                    <a16:rowId xmlns:a16="http://schemas.microsoft.com/office/drawing/2014/main" val="1758150866"/>
+                  </a:ext>
+                </a:extLst>
+              </a:tr>
+              <a:tr h="370840">
+                <a:tc>
+                  <a:txBody>
+                    <a:bodyPr/>
+                    <a:lstStyle/>
+                    <a:p>
+                      <a:pPr>
+                        <a:lnSpc>
+                          <a:spcPct val="150000"/>
+                        </a:lnSpc>
+                      </a:pPr>
+                      <a:r>
+                        <a:rPr lang="en-US" altLang="zh-TW" b="1" dirty="0" smtClean="0">
+                          <a:latin typeface="Georgia" panose="02040502050405020303" pitchFamily="18" charset="0"/>
+                        </a:rPr>
+                        <a:t>Website and Server</a:t>
+                      </a:r>
+                      <a:r>
+                        <a:rPr lang="en-US" altLang="zh-TW" b="1" baseline="0" dirty="0" smtClean="0">
+                          <a:latin typeface="Georgia" panose="02040502050405020303" pitchFamily="18" charset="0"/>
+                        </a:rPr>
+                        <a:t> Develop</a:t>
+                      </a:r>
+                      <a:endParaRPr lang="zh-TW" altLang="en-US" b="1" dirty="0">
+                        <a:latin typeface="Georgia" panose="02040502050405020303" pitchFamily="18" charset="0"/>
+                      </a:endParaRPr>
+                    </a:p>
+                  </a:txBody>
+                  <a:tcPr anchor="ctr"/>
+                </a:tc>
+                <a:tc>
+                  <a:txBody>
+                    <a:bodyPr/>
+                    <a:lstStyle/>
+                    <a:p>
+                      <a:pPr algn="r">
+                        <a:lnSpc>
+                          <a:spcPct val="150000"/>
+                        </a:lnSpc>
+                      </a:pPr>
+                      <a:r>
+                        <a:rPr lang="en-US" altLang="zh-TW" dirty="0" smtClean="0">
+                          <a:latin typeface="Georgia" panose="02040502050405020303" pitchFamily="18" charset="0"/>
+                        </a:rPr>
+                        <a:t>Node.js(Server), HTML</a:t>
+                      </a:r>
+                      <a:r>
+                        <a:rPr lang="en-US" altLang="zh-TW" baseline="0" dirty="0" smtClean="0">
+                          <a:latin typeface="Georgia" panose="02040502050405020303" pitchFamily="18" charset="0"/>
+                        </a:rPr>
+                        <a:t>, </a:t>
+                      </a:r>
+                      <a:r>
+                        <a:rPr lang="en-US" altLang="zh-TW" baseline="0" dirty="0" err="1" smtClean="0">
+                          <a:latin typeface="Georgia" panose="02040502050405020303" pitchFamily="18" charset="0"/>
+                        </a:rPr>
+                        <a:t>Javascript</a:t>
+                      </a:r>
+                      <a:r>
+                        <a:rPr lang="en-US" altLang="zh-TW" baseline="0" dirty="0" smtClean="0">
+                          <a:latin typeface="Georgia" panose="02040502050405020303" pitchFamily="18" charset="0"/>
+                        </a:rPr>
+                        <a:t>, CSS</a:t>
+                      </a:r>
+                      <a:endParaRPr lang="zh-TW" altLang="en-US" dirty="0">
+                        <a:latin typeface="Georgia" panose="02040502050405020303" pitchFamily="18" charset="0"/>
+                      </a:endParaRPr>
+                    </a:p>
+                  </a:txBody>
+                  <a:tcPr anchor="ctr"/>
+                </a:tc>
+                <a:extLst>
+                  <a:ext uri="{0D108BD9-81ED-4DB2-BD59-A6C34878D82A}">
+                    <a16:rowId xmlns:a16="http://schemas.microsoft.com/office/drawing/2014/main" val="1753272545"/>
+                  </a:ext>
+                </a:extLst>
+              </a:tr>
+              <a:tr h="370840">
+                <a:tc>
+                  <a:txBody>
+                    <a:bodyPr/>
+                    <a:lstStyle/>
+                    <a:p>
+                      <a:pPr>
+                        <a:lnSpc>
+                          <a:spcPct val="150000"/>
+                        </a:lnSpc>
+                      </a:pPr>
+                      <a:r>
+                        <a:rPr lang="en-US" altLang="zh-TW" b="1" dirty="0" smtClean="0">
+                          <a:latin typeface="Georgia" panose="02040502050405020303" pitchFamily="18" charset="0"/>
+                        </a:rPr>
+                        <a:t>Computer</a:t>
+                      </a:r>
+                      <a:r>
+                        <a:rPr lang="en-US" altLang="zh-TW" b="1" baseline="0" dirty="0" smtClean="0">
+                          <a:latin typeface="Georgia" panose="02040502050405020303" pitchFamily="18" charset="0"/>
+                        </a:rPr>
+                        <a:t> Vision</a:t>
+                      </a:r>
+                      <a:endParaRPr lang="zh-TW" altLang="en-US" b="1" dirty="0">
+                        <a:latin typeface="Georgia" panose="02040502050405020303" pitchFamily="18" charset="0"/>
+                      </a:endParaRPr>
+                    </a:p>
+                  </a:txBody>
+                  <a:tcPr anchor="ctr"/>
+                </a:tc>
+                <a:tc>
+                  <a:txBody>
+                    <a:bodyPr/>
+                    <a:lstStyle/>
+                    <a:p>
+                      <a:pPr algn="r">
+                        <a:lnSpc>
+                          <a:spcPct val="150000"/>
+                        </a:lnSpc>
+                      </a:pPr>
+                      <a:r>
+                        <a:rPr lang="en-US" altLang="zh-TW" dirty="0" smtClean="0">
+                          <a:latin typeface="Georgia" panose="02040502050405020303" pitchFamily="18" charset="0"/>
+                        </a:rPr>
+                        <a:t>C++(or Python) with </a:t>
+                      </a:r>
+                      <a:r>
+                        <a:rPr lang="en-US" altLang="zh-TW" dirty="0" err="1" smtClean="0">
+                          <a:latin typeface="Georgia" panose="02040502050405020303" pitchFamily="18" charset="0"/>
+                        </a:rPr>
+                        <a:t>OpenCV</a:t>
+                      </a:r>
+                      <a:endParaRPr lang="zh-TW" altLang="en-US" dirty="0">
+                        <a:latin typeface="Georgia" panose="02040502050405020303" pitchFamily="18" charset="0"/>
+                      </a:endParaRPr>
+                    </a:p>
+                  </a:txBody>
+                  <a:tcPr anchor="ctr"/>
+                </a:tc>
+                <a:extLst>
+                  <a:ext uri="{0D108BD9-81ED-4DB2-BD59-A6C34878D82A}">
+                    <a16:rowId xmlns:a16="http://schemas.microsoft.com/office/drawing/2014/main" val="3900308365"/>
+                  </a:ext>
+                </a:extLst>
+              </a:tr>
+              <a:tr h="370840">
+                <a:tc>
+                  <a:txBody>
+                    <a:bodyPr/>
+                    <a:lstStyle/>
+                    <a:p>
+                      <a:pPr>
+                        <a:lnSpc>
+                          <a:spcPct val="150000"/>
+                        </a:lnSpc>
+                      </a:pPr>
+                      <a:r>
+                        <a:rPr lang="en-US" altLang="zh-TW" b="1" dirty="0" smtClean="0">
+                          <a:latin typeface="Georgia" panose="02040502050405020303" pitchFamily="18" charset="0"/>
+                        </a:rPr>
+                        <a:t>Network Programming</a:t>
+                      </a:r>
+                      <a:endParaRPr lang="zh-TW" altLang="en-US" b="1" dirty="0">
+                        <a:latin typeface="Georgia" panose="02040502050405020303" pitchFamily="18" charset="0"/>
+                      </a:endParaRPr>
+                    </a:p>
+                  </a:txBody>
+                  <a:tcPr anchor="ctr"/>
+                </a:tc>
+                <a:tc>
+                  <a:txBody>
+                    <a:bodyPr/>
+                    <a:lstStyle/>
+                    <a:p>
+                      <a:pPr algn="r">
+                        <a:lnSpc>
+                          <a:spcPct val="150000"/>
+                        </a:lnSpc>
+                      </a:pPr>
+                      <a:r>
+                        <a:rPr lang="en-US" altLang="zh-TW" dirty="0" smtClean="0">
+                          <a:latin typeface="Georgia" panose="02040502050405020303" pitchFamily="18" charset="0"/>
+                        </a:rPr>
+                        <a:t>C language</a:t>
+                      </a:r>
+                      <a:endParaRPr lang="zh-TW" altLang="en-US" dirty="0">
+                        <a:latin typeface="Georgia" panose="02040502050405020303" pitchFamily="18" charset="0"/>
+                      </a:endParaRPr>
+                    </a:p>
+                  </a:txBody>
+                  <a:tcPr anchor="ctr"/>
+                </a:tc>
+                <a:extLst>
+                  <a:ext uri="{0D108BD9-81ED-4DB2-BD59-A6C34878D82A}">
+                    <a16:rowId xmlns:a16="http://schemas.microsoft.com/office/drawing/2014/main" val="1773955968"/>
+                  </a:ext>
+                </a:extLst>
+              </a:tr>
+              <a:tr h="370840">
+                <a:tc>
+                  <a:txBody>
+                    <a:bodyPr/>
+                    <a:lstStyle/>
+                    <a:p>
+                      <a:pPr>
+                        <a:lnSpc>
+                          <a:spcPct val="150000"/>
+                        </a:lnSpc>
+                      </a:pPr>
+                      <a:r>
+                        <a:rPr lang="en-US" altLang="zh-TW" b="1" dirty="0" smtClean="0">
+                          <a:latin typeface="Georgia" panose="02040502050405020303" pitchFamily="18" charset="0"/>
+                        </a:rPr>
+                        <a:t>Embedded System Development</a:t>
+                      </a:r>
+                      <a:endParaRPr lang="zh-TW" altLang="en-US" b="1" dirty="0">
+                        <a:latin typeface="Georgia" panose="02040502050405020303" pitchFamily="18" charset="0"/>
+                      </a:endParaRPr>
+                    </a:p>
+                  </a:txBody>
+                  <a:tcPr anchor="ctr"/>
+                </a:tc>
+                <a:tc>
+                  <a:txBody>
+                    <a:bodyPr/>
+                    <a:lstStyle/>
+                    <a:p>
+                      <a:pPr algn="r">
+                        <a:lnSpc>
+                          <a:spcPct val="150000"/>
+                        </a:lnSpc>
+                      </a:pPr>
+                      <a:r>
+                        <a:rPr lang="en-US" altLang="zh-TW" dirty="0" smtClean="0">
+                          <a:latin typeface="Georgia" panose="02040502050405020303" pitchFamily="18" charset="0"/>
+                        </a:rPr>
+                        <a:t>C(or Python) with Raspberry PI</a:t>
+                      </a:r>
+                      <a:endParaRPr lang="zh-TW" altLang="en-US" dirty="0">
+                        <a:latin typeface="Georgia" panose="02040502050405020303" pitchFamily="18" charset="0"/>
+                      </a:endParaRPr>
+                    </a:p>
+                  </a:txBody>
+                  <a:tcPr anchor="ctr"/>
+                </a:tc>
+                <a:extLst>
+                  <a:ext uri="{0D108BD9-81ED-4DB2-BD59-A6C34878D82A}">
+                    <a16:rowId xmlns:a16="http://schemas.microsoft.com/office/drawing/2014/main" val="3299055003"/>
+                  </a:ext>
+                </a:extLst>
+              </a:tr>
+              <a:tr h="370840">
+                <a:tc>
+                  <a:txBody>
+                    <a:bodyPr/>
+                    <a:lstStyle/>
+                    <a:p>
+                      <a:pPr>
+                        <a:lnSpc>
+                          <a:spcPct val="150000"/>
+                        </a:lnSpc>
+                      </a:pPr>
+                      <a:r>
+                        <a:rPr lang="en-US" altLang="zh-TW" b="1" dirty="0" smtClean="0">
+                          <a:latin typeface="Georgia" panose="02040502050405020303" pitchFamily="18" charset="0"/>
+                        </a:rPr>
+                        <a:t>Communication Simulation</a:t>
+                      </a:r>
+                      <a:endParaRPr lang="zh-TW" altLang="en-US" b="1" dirty="0">
+                        <a:latin typeface="Georgia" panose="02040502050405020303" pitchFamily="18" charset="0"/>
+                      </a:endParaRPr>
+                    </a:p>
+                  </a:txBody>
+                  <a:tcPr anchor="ctr"/>
+                </a:tc>
+                <a:tc>
+                  <a:txBody>
+                    <a:bodyPr/>
+                    <a:lstStyle/>
+                    <a:p>
+                      <a:pPr algn="r">
+                        <a:lnSpc>
+                          <a:spcPct val="150000"/>
+                        </a:lnSpc>
+                      </a:pPr>
+                      <a:r>
+                        <a:rPr lang="en-US" altLang="zh-TW" dirty="0" err="1" smtClean="0">
+                          <a:latin typeface="Georgia" panose="02040502050405020303" pitchFamily="18" charset="0"/>
+                        </a:rPr>
+                        <a:t>Matlab</a:t>
+                      </a:r>
+                      <a:endParaRPr lang="zh-TW" altLang="en-US" dirty="0">
+                        <a:latin typeface="Georgia" panose="02040502050405020303" pitchFamily="18" charset="0"/>
+                      </a:endParaRPr>
+                    </a:p>
+                  </a:txBody>
+                  <a:tcPr anchor="ctr"/>
+                </a:tc>
+                <a:extLst>
+                  <a:ext uri="{0D108BD9-81ED-4DB2-BD59-A6C34878D82A}">
+                    <a16:rowId xmlns:a16="http://schemas.microsoft.com/office/drawing/2014/main" val="1262357740"/>
+                  </a:ext>
+                </a:extLst>
+              </a:tr>
+              <a:tr h="370840">
+                <a:tc>
+                  <a:txBody>
+                    <a:bodyPr/>
+                    <a:lstStyle/>
+                    <a:p>
+                      <a:pPr>
+                        <a:lnSpc>
+                          <a:spcPct val="150000"/>
+                        </a:lnSpc>
+                      </a:pPr>
+                      <a:r>
+                        <a:rPr lang="en-US" altLang="zh-TW" b="1" dirty="0" err="1" smtClean="0">
+                          <a:latin typeface="Georgia" panose="02040502050405020303" pitchFamily="18" charset="0"/>
+                        </a:rPr>
+                        <a:t>Blockchain</a:t>
+                      </a:r>
+                      <a:r>
+                        <a:rPr lang="en-US" altLang="zh-TW" b="1" baseline="0" dirty="0" smtClean="0">
+                          <a:latin typeface="Georgia" panose="02040502050405020303" pitchFamily="18" charset="0"/>
+                        </a:rPr>
+                        <a:t> Technology</a:t>
+                      </a:r>
+                      <a:endParaRPr lang="zh-TW" altLang="en-US" b="1" dirty="0">
+                        <a:latin typeface="Georgia" panose="02040502050405020303" pitchFamily="18" charset="0"/>
+                      </a:endParaRPr>
+                    </a:p>
+                  </a:txBody>
+                  <a:tcPr anchor="ctr"/>
+                </a:tc>
+                <a:tc>
+                  <a:txBody>
+                    <a:bodyPr/>
+                    <a:lstStyle/>
+                    <a:p>
+                      <a:pPr algn="r">
+                        <a:lnSpc>
+                          <a:spcPct val="150000"/>
+                        </a:lnSpc>
+                      </a:pPr>
+                      <a:r>
+                        <a:rPr lang="en-US" altLang="zh-TW" dirty="0" smtClean="0">
+                          <a:latin typeface="Georgia" panose="02040502050405020303" pitchFamily="18" charset="0"/>
+                        </a:rPr>
+                        <a:t>Go</a:t>
+                      </a:r>
+                      <a:r>
+                        <a:rPr lang="en-US" altLang="zh-TW" baseline="0" dirty="0" smtClean="0">
+                          <a:latin typeface="Georgia" panose="02040502050405020303" pitchFamily="18" charset="0"/>
+                        </a:rPr>
+                        <a:t> </a:t>
+                      </a:r>
+                      <a:r>
+                        <a:rPr lang="en-US" altLang="zh-TW" baseline="0" dirty="0" err="1" smtClean="0">
+                          <a:latin typeface="Georgia" panose="02040502050405020303" pitchFamily="18" charset="0"/>
+                        </a:rPr>
+                        <a:t>lang</a:t>
+                      </a:r>
+                      <a:r>
+                        <a:rPr lang="en-US" altLang="zh-TW" baseline="0" dirty="0" smtClean="0">
+                          <a:latin typeface="Georgia" panose="02040502050405020303" pitchFamily="18" charset="0"/>
+                        </a:rPr>
+                        <a:t> with </a:t>
+                      </a:r>
+                      <a:r>
+                        <a:rPr lang="en-US" altLang="zh-TW" baseline="0" dirty="0" err="1" smtClean="0">
+                          <a:latin typeface="Georgia" panose="02040502050405020303" pitchFamily="18" charset="0"/>
+                        </a:rPr>
+                        <a:t>Hyperledger</a:t>
+                      </a:r>
+                      <a:endParaRPr lang="zh-TW" altLang="en-US" dirty="0">
+                        <a:latin typeface="Georgia" panose="02040502050405020303" pitchFamily="18" charset="0"/>
+                      </a:endParaRPr>
+                    </a:p>
+                  </a:txBody>
+                  <a:tcPr anchor="ctr"/>
+                </a:tc>
+                <a:extLst>
+                  <a:ext uri="{0D108BD9-81ED-4DB2-BD59-A6C34878D82A}">
+                    <a16:rowId xmlns:a16="http://schemas.microsoft.com/office/drawing/2014/main" val="3541560821"/>
+                  </a:ext>
+                </a:extLst>
+              </a:tr>
+              <a:tr h="370840">
+                <a:tc>
+                  <a:txBody>
+                    <a:bodyPr/>
+                    <a:lstStyle/>
+                    <a:p>
+                      <a:pPr>
+                        <a:lnSpc>
+                          <a:spcPct val="150000"/>
+                        </a:lnSpc>
+                      </a:pPr>
+                      <a:r>
+                        <a:rPr lang="en-US" altLang="zh-TW" b="1" dirty="0" smtClean="0">
+                          <a:latin typeface="Georgia" panose="02040502050405020303" pitchFamily="18" charset="0"/>
+                        </a:rPr>
+                        <a:t>Linux</a:t>
+                      </a:r>
+                      <a:r>
+                        <a:rPr lang="en-US" altLang="zh-TW" b="1" baseline="0" dirty="0" smtClean="0">
+                          <a:latin typeface="Georgia" panose="02040502050405020303" pitchFamily="18" charset="0"/>
+                        </a:rPr>
+                        <a:t> (UNIX) Operation</a:t>
+                      </a:r>
+                      <a:endParaRPr lang="zh-TW" altLang="en-US" b="1" dirty="0">
+                        <a:latin typeface="Georgia" panose="02040502050405020303" pitchFamily="18" charset="0"/>
+                      </a:endParaRPr>
+                    </a:p>
+                  </a:txBody>
+                  <a:tcPr anchor="ctr"/>
+                </a:tc>
+                <a:tc>
+                  <a:txBody>
+                    <a:bodyPr/>
+                    <a:lstStyle/>
+                    <a:p>
+                      <a:pPr algn="r">
+                        <a:lnSpc>
+                          <a:spcPct val="150000"/>
+                        </a:lnSpc>
+                      </a:pPr>
+                      <a:r>
+                        <a:rPr lang="en-US" altLang="zh-TW" dirty="0" smtClean="0">
+                          <a:latin typeface="Georgia" panose="02040502050405020303" pitchFamily="18" charset="0"/>
+                        </a:rPr>
+                        <a:t>Basic operation</a:t>
+                      </a:r>
+                      <a:endParaRPr lang="zh-TW" altLang="en-US" dirty="0">
+                        <a:latin typeface="Georgia" panose="02040502050405020303" pitchFamily="18" charset="0"/>
+                      </a:endParaRPr>
+                    </a:p>
+                  </a:txBody>
+                  <a:tcPr anchor="ctr"/>
+                </a:tc>
+                <a:extLst>
+                  <a:ext uri="{0D108BD9-81ED-4DB2-BD59-A6C34878D82A}">
+                    <a16:rowId xmlns:a16="http://schemas.microsoft.com/office/drawing/2014/main" val="3198818244"/>
+                  </a:ext>
+                </a:extLst>
+              </a:tr>
+            </a:tbl>
+          </a:graphicData>
+        </a:graphic>
+      </p:graphicFrame>
+    </p:spTree>
+    <p:extLst>
+      <p:ext uri="{BB962C8B-B14F-4D97-AF65-F5344CB8AC3E}">
+        <p14:creationId xmlns:p14="http://schemas.microsoft.com/office/powerpoint/2010/main" val="1166696126"/>
+      </p:ext>
+    </p:extLst>
+  </p:cSld>
+  <p:clrMapOvr>
+    <a:masterClrMapping/>
+  </p:clrMapOvr>
+</p:sld>
+</file>
+
+<file path=ppt/slides/slide6.xml><?xml version="1.0" encoding="utf-8"?>
+<p:sld xmlns:a="http://schemas.openxmlformats.org/drawingml/2006/main" xmlns:r="http://schemas.openxmlformats.org/officeDocument/2006/relationships" xmlns:p="http://schemas.openxmlformats.org/presentationml/2006/main">
+  <p:cSld>
+    <p:spTree>
+      <p:nvGrpSpPr>
+        <p:cNvPr id="1" name=""/>
+        <p:cNvGrpSpPr/>
+        <p:nvPr/>
+      </p:nvGrpSpPr>
+      <p:grpSpPr>
+        <a:xfrm>
+          <a:off x="0" y="0"/>
+          <a:ext cx="0" cy="0"/>
+          <a:chOff x="0" y="0"/>
+          <a:chExt cx="0" cy="0"/>
+        </a:xfrm>
+      </p:grpSpPr>
+      <p:grpSp>
+        <p:nvGrpSpPr>
+          <p:cNvPr id="4" name="群組 3"/>
+          <p:cNvGrpSpPr/>
+          <p:nvPr/>
+        </p:nvGrpSpPr>
+        <p:grpSpPr>
+          <a:xfrm>
+            <a:off x="4194355" y="2765260"/>
+            <a:ext cx="3608525" cy="963460"/>
+            <a:chOff x="0" y="2115"/>
+            <a:chExt cx="2787289" cy="575639"/>
+          </a:xfrm>
+        </p:grpSpPr>
+        <p:sp>
+          <p:nvSpPr>
+            <p:cNvPr id="5" name="圓角矩形 4"/>
+            <p:cNvSpPr/>
+            <p:nvPr/>
+          </p:nvSpPr>
+          <p:spPr>
+            <a:xfrm>
+              <a:off x="0" y="2115"/>
+              <a:ext cx="2787289" cy="575639"/>
+            </a:xfrm>
+            <a:prstGeom prst="roundRect">
+              <a:avLst/>
+            </a:prstGeom>
+          </p:spPr>
+          <p:style>
+            <a:lnRef idx="2">
+              <a:schemeClr val="lt1">
+                <a:hueOff val="0"/>
+                <a:satOff val="0"/>
+                <a:lumOff val="0"/>
+                <a:alphaOff val="0"/>
+              </a:schemeClr>
+            </a:lnRef>
+            <a:fillRef idx="1">
+              <a:schemeClr val="accent3">
+                <a:shade val="50000"/>
+                <a:hueOff val="0"/>
+                <a:satOff val="0"/>
+                <a:lumOff val="0"/>
+                <a:alphaOff val="0"/>
+              </a:schemeClr>
+            </a:fillRef>
+            <a:effectRef idx="0">
+              <a:schemeClr val="accent3">
+                <a:shade val="50000"/>
+                <a:hueOff val="0"/>
+                <a:satOff val="0"/>
+                <a:lumOff val="0"/>
+                <a:alphaOff val="0"/>
+              </a:schemeClr>
+            </a:effectRef>
+            <a:fontRef idx="minor">
+              <a:schemeClr val="lt1"/>
+            </a:fontRef>
+          </p:style>
+        </p:sp>
+        <p:sp>
+          <p:nvSpPr>
+            <p:cNvPr id="6" name="圓角矩形 4"/>
+            <p:cNvSpPr txBox="1"/>
+            <p:nvPr/>
+          </p:nvSpPr>
+          <p:spPr>
+            <a:xfrm>
+              <a:off x="28100" y="30215"/>
+              <a:ext cx="2731089" cy="519439"/>
+            </a:xfrm>
+            <a:prstGeom prst="rect">
+              <a:avLst/>
+            </a:prstGeom>
+            <a:solidFill>
+              <a:schemeClr val="tx2">
+                <a:lumMod val="75000"/>
+              </a:schemeClr>
+            </a:solidFill>
+          </p:spPr>
+          <p:style>
+            <a:lnRef idx="0">
+              <a:scrgbClr r="0" g="0" b="0"/>
+            </a:lnRef>
+            <a:fillRef idx="0">
+              <a:scrgbClr r="0" g="0" b="0"/>
+            </a:fillRef>
+            <a:effectRef idx="0">
+              <a:scrgbClr r="0" g="0" b="0"/>
+            </a:effectRef>
+            <a:fontRef idx="minor">
+              <a:schemeClr val="lt1"/>
+            </a:fontRef>
+          </p:style>
+          <p:txBody>
+            <a:bodyPr spcFirstLastPara="0" vert="horz" wrap="square" lIns="91440" tIns="91440" rIns="91440" bIns="91440" numCol="1" spcCol="1270" anchor="ctr" anchorCtr="0">
+              <a:noAutofit/>
+            </a:bodyPr>
+            <a:lstStyle/>
+            <a:p>
+              <a:pPr lvl="0" algn="ctr" defTabSz="1066800" rtl="0">
+                <a:lnSpc>
+                  <a:spcPct val="90000"/>
+                </a:lnSpc>
+                <a:spcBef>
+                  <a:spcPct val="0"/>
+                </a:spcBef>
+                <a:spcAft>
+                  <a:spcPct val="35000"/>
+                </a:spcAft>
+              </a:pPr>
+              <a:r>
+                <a:rPr lang="en-US" altLang="zh-TW" sz="3200" dirty="0" smtClean="0"/>
+                <a:t>PROJECT</a:t>
+              </a:r>
+              <a:endParaRPr lang="zh-TW" sz="3200" kern="1200" dirty="0"/>
+            </a:p>
+          </p:txBody>
+        </p:sp>
+      </p:grpSp>
+    </p:spTree>
+    <p:extLst>
+      <p:ext uri="{BB962C8B-B14F-4D97-AF65-F5344CB8AC3E}">
+        <p14:creationId xmlns:p14="http://schemas.microsoft.com/office/powerpoint/2010/main" val="3278108355"/>
+      </p:ext>
+    </p:extLst>
+  </p:cSld>
+  <p:clrMapOvr>
+    <a:masterClrMapping/>
+  </p:clrMapOvr>
+</p:sld>
+</file>
+
+<file path=ppt/slides/slide7.xml><?xml version="1.0" encoding="utf-8"?>
+<p:sld xmlns:a="http://schemas.openxmlformats.org/drawingml/2006/main" xmlns:r="http://schemas.openxmlformats.org/officeDocument/2006/relationships" xmlns:p="http://schemas.openxmlformats.org/presentationml/2006/main">
+  <p:cSld>
+    <p:spTree>
+      <p:nvGrpSpPr>
+        <p:cNvPr id="1" name=""/>
+        <p:cNvGrpSpPr/>
+        <p:nvPr/>
+      </p:nvGrpSpPr>
+      <p:grpSpPr>
+        <a:xfrm>
+          <a:off x="0" y="0"/>
+          <a:ext cx="0" cy="0"/>
+          <a:chOff x="0" y="0"/>
+          <a:chExt cx="0" cy="0"/>
+        </a:xfrm>
+      </p:grpSpPr>
+      <p:sp>
+        <p:nvSpPr>
+          <p:cNvPr id="4" name="橢圓 3"/>
+          <p:cNvSpPr/>
+          <p:nvPr/>
+        </p:nvSpPr>
+        <p:spPr>
+          <a:xfrm>
+            <a:off x="345688" y="877301"/>
+            <a:ext cx="172720" cy="162560"/>
+          </a:xfrm>
+          <a:prstGeom prst="ellipse">
+            <a:avLst/>
+          </a:prstGeom>
+          <a:solidFill>
+            <a:schemeClr val="tx1">
+              <a:lumMod val="65000"/>
+              <a:lumOff val="35000"/>
+            </a:schemeClr>
+          </a:solidFill>
+          <a:ln>
+            <a:noFill/>
+          </a:ln>
+        </p:spPr>
+        <p:style>
+          <a:lnRef idx="2">
+            <a:schemeClr val="accent1">
+              <a:shade val="50000"/>
+            </a:schemeClr>
+          </a:lnRef>
+          <a:fillRef idx="1">
+            <a:schemeClr val="accent1"/>
+          </a:fillRef>
+          <a:effectRef idx="0">
+            <a:schemeClr val="accent1"/>
+          </a:effectRef>
+          <a:fontRef idx="minor">
+            <a:schemeClr val="lt1"/>
+          </a:fontRef>
+        </p:style>
+        <p:txBody>
+          <a:bodyPr rtlCol="0" anchor="ctr"/>
+          <a:lstStyle/>
+          <a:p>
+            <a:pPr algn="ctr"/>
+            <a:endParaRPr lang="zh-TW" altLang="en-US"/>
+          </a:p>
+        </p:txBody>
+      </p:sp>
+      <p:cxnSp>
+        <p:nvCxnSpPr>
+          <p:cNvPr id="5" name="直線接點 4"/>
+          <p:cNvCxnSpPr>
+            <a:stCxn id="4" idx="6"/>
+          </p:cNvCxnSpPr>
+          <p:nvPr/>
+        </p:nvCxnSpPr>
+        <p:spPr>
+          <a:xfrm>
+            <a:off x="518408" y="958581"/>
+            <a:ext cx="6953546" cy="0"/>
+          </a:xfrm>
+          <a:prstGeom prst="line">
+            <a:avLst/>
+          </a:prstGeom>
+          <a:ln w="25400">
+            <a:solidFill>
+              <a:schemeClr val="tx1">
+                <a:lumMod val="65000"/>
+                <a:lumOff val="35000"/>
+              </a:schemeClr>
+            </a:solidFill>
+          </a:ln>
+        </p:spPr>
+        <p:style>
+          <a:lnRef idx="1">
+            <a:schemeClr val="accent1"/>
+          </a:lnRef>
+          <a:fillRef idx="0">
+            <a:schemeClr val="accent1"/>
+          </a:fillRef>
+          <a:effectRef idx="0">
+            <a:schemeClr val="accent1"/>
+          </a:effectRef>
+          <a:fontRef idx="minor">
+            <a:schemeClr val="tx1"/>
+          </a:fontRef>
+        </p:style>
+      </p:cxnSp>
+      <p:sp>
+        <p:nvSpPr>
+          <p:cNvPr id="6" name="矩形 5"/>
+          <p:cNvSpPr/>
+          <p:nvPr/>
+        </p:nvSpPr>
+        <p:spPr>
+          <a:xfrm>
+            <a:off x="432048" y="373806"/>
+            <a:ext cx="7418569" cy="584775"/>
+          </a:xfrm>
+          <a:prstGeom prst="rect">
+            <a:avLst/>
+          </a:prstGeom>
+          <a:noFill/>
+        </p:spPr>
+        <p:txBody>
+          <a:bodyPr wrap="none" lIns="91440" tIns="45720" rIns="91440" bIns="45720">
+            <a:spAutoFit/>
+          </a:bodyPr>
+          <a:lstStyle/>
+          <a:p>
+            <a:pPr algn="ctr"/>
+            <a:r>
+              <a:rPr lang="en-US" altLang="zh-TW" sz="3200" b="1" cap="none" spc="0" dirty="0" smtClean="0">
+                <a:ln w="0"/>
+                <a:solidFill>
+                  <a:schemeClr val="accent1"/>
+                </a:solidFill>
+                <a:effectLst>
+                  <a:outerShdw blurRad="38100" dist="25400" dir="5400000" algn="ctr" rotWithShape="0">
+                    <a:srgbClr val="6E747A">
+                      <a:alpha val="43000"/>
+                    </a:srgbClr>
+                  </a:outerShdw>
+                </a:effectLst>
+                <a:latin typeface="Times New Roman" panose="02020603050405020304" pitchFamily="18" charset="0"/>
+                <a:cs typeface="Times New Roman" panose="02020603050405020304" pitchFamily="18" charset="0"/>
+              </a:rPr>
+              <a:t>(1) VoIP Phone Call Monitoring Platform</a:t>
+            </a:r>
+            <a:endParaRPr lang="zh-TW" altLang="en-US" sz="3200" b="1" cap="none" spc="0" dirty="0">
+              <a:ln w="0"/>
+              <a:solidFill>
+                <a:schemeClr val="accent1"/>
+              </a:solidFill>
+              <a:effectLst>
+                <a:outerShdw blurRad="38100" dist="25400" dir="5400000" algn="ctr" rotWithShape="0">
+                  <a:srgbClr val="6E747A">
+                    <a:alpha val="43000"/>
+                  </a:srgbClr>
+                </a:outerShdw>
+              </a:effectLst>
+              <a:latin typeface="Times New Roman" panose="02020603050405020304" pitchFamily="18" charset="0"/>
+              <a:cs typeface="Times New Roman" panose="02020603050405020304" pitchFamily="18" charset="0"/>
+            </a:endParaRPr>
+          </a:p>
+        </p:txBody>
+      </p:sp>
+    </p:spTree>
+    <p:extLst>
+      <p:ext uri="{BB962C8B-B14F-4D97-AF65-F5344CB8AC3E}">
+        <p14:creationId xmlns:p14="http://schemas.microsoft.com/office/powerpoint/2010/main" val="3201770280"/>
+      </p:ext>
+    </p:extLst>
+  </p:cSld>
+  <p:clrMapOvr>
+    <a:masterClrMapping/>
+  </p:clrMapOvr>
+</p:sld>
+</file>
+
+<file path=ppt/slides/slide8.xml><?xml version="1.0" encoding="utf-8"?>
+<p:sld xmlns:a="http://schemas.openxmlformats.org/drawingml/2006/main" xmlns:r="http://schemas.openxmlformats.org/officeDocument/2006/relationships" xmlns:p="http://schemas.openxmlformats.org/presentationml/2006/main">
+  <p:cSld>
+    <p:spTree>
+      <p:nvGrpSpPr>
+        <p:cNvPr id="1" name=""/>
+        <p:cNvGrpSpPr/>
+        <p:nvPr/>
+      </p:nvGrpSpPr>
+      <p:grpSpPr>
+        <a:xfrm>
+          <a:off x="0" y="0"/>
+          <a:ext cx="0" cy="0"/>
+          <a:chOff x="0" y="0"/>
+          <a:chExt cx="0" cy="0"/>
+        </a:xfrm>
+      </p:grpSpPr>
+      <p:sp>
+        <p:nvSpPr>
+          <p:cNvPr id="4" name="標題 1"/>
+          <p:cNvSpPr txBox="1">
+            <a:spLocks/>
+          </p:cNvSpPr>
+          <p:nvPr/>
+        </p:nvSpPr>
+        <p:spPr>
+          <a:xfrm>
+            <a:off x="1382337" y="2821577"/>
+            <a:ext cx="9144545" cy="773185"/>
+          </a:xfrm>
+          <a:prstGeom prst="rect">
+            <a:avLst/>
+          </a:prstGeom>
+        </p:spPr>
+        <p:txBody>
+          <a:bodyPr vert="horz" lIns="91440" tIns="45720" rIns="91440" bIns="45720" rtlCol="0" anchor="ctr">
+            <a:noAutofit/>
+          </a:bodyPr>
+          <a:lstStyle>
+            <a:lvl1pPr algn="l" defTabSz="914400" rtl="0" eaLnBrk="1" latinLnBrk="0" hangingPunct="1">
+              <a:lnSpc>
+                <a:spcPct val="90000"/>
+              </a:lnSpc>
+              <a:spcBef>
+                <a:spcPct val="0"/>
+              </a:spcBef>
+              <a:buNone/>
+              <a:defRPr sz="4400" kern="1200">
+                <a:solidFill>
+                  <a:schemeClr val="tx1"/>
+                </a:solidFill>
+                <a:latin typeface="+mj-lt"/>
+                <a:ea typeface="+mj-ea"/>
+                <a:cs typeface="+mj-cs"/>
+              </a:defRPr>
+            </a:lvl1pPr>
+          </a:lstStyle>
+          <a:p>
+            <a:pPr algn="ctr"/>
+            <a:r>
+              <a:rPr lang="en-US" altLang="zh-TW" sz="2800" b="1" dirty="0" smtClean="0">
+                <a:latin typeface="Times New Roman" panose="02020603050405020304" pitchFamily="18" charset="0"/>
+                <a:cs typeface="Times New Roman" panose="02020603050405020304" pitchFamily="18" charset="0"/>
+              </a:rPr>
+              <a:t>Thank you for your time</a:t>
+            </a:r>
+            <a:endParaRPr lang="zh-TW" altLang="en-US" sz="2800" b="1" dirty="0">
+              <a:latin typeface="Times New Roman" panose="02020603050405020304" pitchFamily="18" charset="0"/>
+              <a:cs typeface="Times New Roman" panose="02020603050405020304" pitchFamily="18" charset="0"/>
+            </a:endParaRPr>
+          </a:p>
+        </p:txBody>
+      </p:sp>
+    </p:spTree>
+    <p:extLst>
+      <p:ext uri="{BB962C8B-B14F-4D97-AF65-F5344CB8AC3E}">
+        <p14:creationId xmlns:p14="http://schemas.microsoft.com/office/powerpoint/2010/main" val="3758837929"/>
       </p:ext>
     </p:extLst>
   </p:cSld>

--- a/File/AMAT 履歷/Interview.pptx
+++ b/File/AMAT 履歷/Interview.pptx
@@ -12,7 +12,17 @@
     <p:sldId id="259" r:id="rId6"/>
     <p:sldId id="262" r:id="rId7"/>
     <p:sldId id="263" r:id="rId8"/>
-    <p:sldId id="264" r:id="rId9"/>
+    <p:sldId id="265" r:id="rId9"/>
+    <p:sldId id="266" r:id="rId10"/>
+    <p:sldId id="267" r:id="rId11"/>
+    <p:sldId id="268" r:id="rId12"/>
+    <p:sldId id="269" r:id="rId13"/>
+    <p:sldId id="270" r:id="rId14"/>
+    <p:sldId id="271" r:id="rId15"/>
+    <p:sldId id="272" r:id="rId16"/>
+    <p:sldId id="273" r:id="rId17"/>
+    <p:sldId id="274" r:id="rId18"/>
+    <p:sldId id="264" r:id="rId19"/>
   </p:sldIdLst>
   <p:sldSz cx="12192000" cy="6858000"/>
   <p:notesSz cx="6858000" cy="9144000"/>
@@ -250,7 +260,7 @@
           <a:p>
             <a:fld id="{90230A86-1BAB-4B13-8858-CAB3AF3C24CD}" type="datetimeFigureOut">
               <a:rPr lang="zh-TW" altLang="en-US" smtClean="0"/>
-              <a:t>2020/3/23</a:t>
+              <a:t>2020/3/24</a:t>
             </a:fld>
             <a:endParaRPr lang="zh-TW" altLang="en-US"/>
           </a:p>
@@ -420,7 +430,7 @@
           <a:p>
             <a:fld id="{90230A86-1BAB-4B13-8858-CAB3AF3C24CD}" type="datetimeFigureOut">
               <a:rPr lang="zh-TW" altLang="en-US" smtClean="0"/>
-              <a:t>2020/3/23</a:t>
+              <a:t>2020/3/24</a:t>
             </a:fld>
             <a:endParaRPr lang="zh-TW" altLang="en-US"/>
           </a:p>
@@ -600,7 +610,7 @@
           <a:p>
             <a:fld id="{90230A86-1BAB-4B13-8858-CAB3AF3C24CD}" type="datetimeFigureOut">
               <a:rPr lang="zh-TW" altLang="en-US" smtClean="0"/>
-              <a:t>2020/3/23</a:t>
+              <a:t>2020/3/24</a:t>
             </a:fld>
             <a:endParaRPr lang="zh-TW" altLang="en-US"/>
           </a:p>
@@ -770,7 +780,7 @@
           <a:p>
             <a:fld id="{90230A86-1BAB-4B13-8858-CAB3AF3C24CD}" type="datetimeFigureOut">
               <a:rPr lang="zh-TW" altLang="en-US" smtClean="0"/>
-              <a:t>2020/3/23</a:t>
+              <a:t>2020/3/24</a:t>
             </a:fld>
             <a:endParaRPr lang="zh-TW" altLang="en-US"/>
           </a:p>
@@ -1016,7 +1026,7 @@
           <a:p>
             <a:fld id="{90230A86-1BAB-4B13-8858-CAB3AF3C24CD}" type="datetimeFigureOut">
               <a:rPr lang="zh-TW" altLang="en-US" smtClean="0"/>
-              <a:t>2020/3/23</a:t>
+              <a:t>2020/3/24</a:t>
             </a:fld>
             <a:endParaRPr lang="zh-TW" altLang="en-US"/>
           </a:p>
@@ -1248,7 +1258,7 @@
           <a:p>
             <a:fld id="{90230A86-1BAB-4B13-8858-CAB3AF3C24CD}" type="datetimeFigureOut">
               <a:rPr lang="zh-TW" altLang="en-US" smtClean="0"/>
-              <a:t>2020/3/23</a:t>
+              <a:t>2020/3/24</a:t>
             </a:fld>
             <a:endParaRPr lang="zh-TW" altLang="en-US"/>
           </a:p>
@@ -1615,7 +1625,7 @@
           <a:p>
             <a:fld id="{90230A86-1BAB-4B13-8858-CAB3AF3C24CD}" type="datetimeFigureOut">
               <a:rPr lang="zh-TW" altLang="en-US" smtClean="0"/>
-              <a:t>2020/3/23</a:t>
+              <a:t>2020/3/24</a:t>
             </a:fld>
             <a:endParaRPr lang="zh-TW" altLang="en-US"/>
           </a:p>
@@ -1733,7 +1743,7 @@
           <a:p>
             <a:fld id="{90230A86-1BAB-4B13-8858-CAB3AF3C24CD}" type="datetimeFigureOut">
               <a:rPr lang="zh-TW" altLang="en-US" smtClean="0"/>
-              <a:t>2020/3/23</a:t>
+              <a:t>2020/3/24</a:t>
             </a:fld>
             <a:endParaRPr lang="zh-TW" altLang="en-US"/>
           </a:p>
@@ -1828,7 +1838,7 @@
           <a:p>
             <a:fld id="{90230A86-1BAB-4B13-8858-CAB3AF3C24CD}" type="datetimeFigureOut">
               <a:rPr lang="zh-TW" altLang="en-US" smtClean="0"/>
-              <a:t>2020/3/23</a:t>
+              <a:t>2020/3/24</a:t>
             </a:fld>
             <a:endParaRPr lang="zh-TW" altLang="en-US"/>
           </a:p>
@@ -2105,7 +2115,7 @@
           <a:p>
             <a:fld id="{90230A86-1BAB-4B13-8858-CAB3AF3C24CD}" type="datetimeFigureOut">
               <a:rPr lang="zh-TW" altLang="en-US" smtClean="0"/>
-              <a:t>2020/3/23</a:t>
+              <a:t>2020/3/24</a:t>
             </a:fld>
             <a:endParaRPr lang="zh-TW" altLang="en-US"/>
           </a:p>
@@ -2358,7 +2368,7 @@
           <a:p>
             <a:fld id="{90230A86-1BAB-4B13-8858-CAB3AF3C24CD}" type="datetimeFigureOut">
               <a:rPr lang="zh-TW" altLang="en-US" smtClean="0"/>
-              <a:t>2020/3/23</a:t>
+              <a:t>2020/3/24</a:t>
             </a:fld>
             <a:endParaRPr lang="zh-TW" altLang="en-US"/>
           </a:p>
@@ -2571,7 +2581,7 @@
           <a:p>
             <a:fld id="{90230A86-1BAB-4B13-8858-CAB3AF3C24CD}" type="datetimeFigureOut">
               <a:rPr lang="zh-TW" altLang="en-US" smtClean="0"/>
-              <a:t>2020/3/23</a:t>
+              <a:t>2020/3/24</a:t>
             </a:fld>
             <a:endParaRPr lang="zh-TW" altLang="en-US"/>
           </a:p>
@@ -3020,19 +3030,7 @@
             <a:pPr algn="just"/>
             <a:r>
               <a:rPr lang="en-US" altLang="zh-TW" sz="1600" dirty="0" smtClean="0"/>
-              <a:t>My topic of independent study in </a:t>
-            </a:r>
-            <a:r>
-              <a:rPr lang="en-US" altLang="zh-TW" sz="1600" dirty="0" smtClean="0"/>
-              <a:t>university</a:t>
-            </a:r>
-            <a:r>
-              <a:rPr lang="en-US" altLang="zh-TW" sz="1600" dirty="0" smtClean="0"/>
-              <a:t> </a:t>
-            </a:r>
-            <a:r>
-              <a:rPr lang="en-US" altLang="zh-TW" sz="1600" dirty="0" smtClean="0"/>
-              <a:t>is VoIP phone call monitoring platform which is to build a web application to provide VoIP phone call monitoring and management service. I use this topic to publish on domestic conference, IMP2017 and got honorable mention award from independent study competition. By the way, I also obtained a national python certificate. </a:t>
+              <a:t>My topic of independent study in university is VoIP phone call monitoring platform which is to build a web application to provide VoIP phone call monitoring and management service. I use this topic to publish on domestic conference, IMP2017 and got honorable mention award from independent study competition. By the way, I also obtained a national python certificate. </a:t>
             </a:r>
           </a:p>
           <a:p>
@@ -3081,11 +3079,7 @@
             <a:pPr algn="just"/>
             <a:r>
               <a:rPr lang="en-US" altLang="zh-TW" sz="1600" dirty="0" smtClean="0"/>
-              <a:t>I’m competitive and also have strong commitment to get any opportunity </a:t>
-            </a:r>
-            <a:r>
-              <a:rPr lang="en-US" altLang="zh-TW" sz="1600" dirty="0" smtClean="0"/>
-              <a:t>to fully play my ability.</a:t>
+              <a:t>I’m competitive and also have strong commitment to get any opportunity to fully play my ability.</a:t>
             </a:r>
             <a:r>
               <a:rPr lang="zh-TW" altLang="en-US" sz="1600" dirty="0" smtClean="0"/>
@@ -3215,6 +3209,2542 @@
   <p:clrMapOvr>
     <a:masterClrMapping/>
   </p:clrMapOvr>
+  <p:timing>
+    <p:tnLst>
+      <p:par>
+        <p:cTn id="1" dur="indefinite" restart="never" nodeType="tmRoot"/>
+      </p:par>
+    </p:tnLst>
+  </p:timing>
+</p:sld>
+</file>
+
+<file path=ppt/slides/slide10.xml><?xml version="1.0" encoding="utf-8"?>
+<p:sld xmlns:a="http://schemas.openxmlformats.org/drawingml/2006/main" xmlns:r="http://schemas.openxmlformats.org/officeDocument/2006/relationships" xmlns:p="http://schemas.openxmlformats.org/presentationml/2006/main">
+  <p:cSld>
+    <p:spTree>
+      <p:nvGrpSpPr>
+        <p:cNvPr id="1" name=""/>
+        <p:cNvGrpSpPr/>
+        <p:nvPr/>
+      </p:nvGrpSpPr>
+      <p:grpSpPr>
+        <a:xfrm>
+          <a:off x="0" y="0"/>
+          <a:ext cx="0" cy="0"/>
+          <a:chOff x="0" y="0"/>
+          <a:chExt cx="0" cy="0"/>
+        </a:xfrm>
+      </p:grpSpPr>
+      <p:sp>
+        <p:nvSpPr>
+          <p:cNvPr id="4" name="橢圓 3"/>
+          <p:cNvSpPr/>
+          <p:nvPr/>
+        </p:nvSpPr>
+        <p:spPr>
+          <a:xfrm>
+            <a:off x="345688" y="877301"/>
+            <a:ext cx="172720" cy="162560"/>
+          </a:xfrm>
+          <a:prstGeom prst="ellipse">
+            <a:avLst/>
+          </a:prstGeom>
+          <a:solidFill>
+            <a:schemeClr val="tx1">
+              <a:lumMod val="65000"/>
+              <a:lumOff val="35000"/>
+            </a:schemeClr>
+          </a:solidFill>
+          <a:ln>
+            <a:noFill/>
+          </a:ln>
+        </p:spPr>
+        <p:style>
+          <a:lnRef idx="2">
+            <a:schemeClr val="accent1">
+              <a:shade val="50000"/>
+            </a:schemeClr>
+          </a:lnRef>
+          <a:fillRef idx="1">
+            <a:schemeClr val="accent1"/>
+          </a:fillRef>
+          <a:effectRef idx="0">
+            <a:schemeClr val="accent1"/>
+          </a:effectRef>
+          <a:fontRef idx="minor">
+            <a:schemeClr val="lt1"/>
+          </a:fontRef>
+        </p:style>
+        <p:txBody>
+          <a:bodyPr rtlCol="0" anchor="ctr"/>
+          <a:lstStyle/>
+          <a:p>
+            <a:pPr algn="ctr"/>
+            <a:endParaRPr lang="zh-TW" altLang="en-US"/>
+          </a:p>
+        </p:txBody>
+      </p:sp>
+      <p:cxnSp>
+        <p:nvCxnSpPr>
+          <p:cNvPr id="5" name="直線接點 4"/>
+          <p:cNvCxnSpPr>
+            <a:stCxn id="4" idx="6"/>
+          </p:cNvCxnSpPr>
+          <p:nvPr/>
+        </p:nvCxnSpPr>
+        <p:spPr>
+          <a:xfrm>
+            <a:off x="518408" y="958581"/>
+            <a:ext cx="6953546" cy="0"/>
+          </a:xfrm>
+          <a:prstGeom prst="line">
+            <a:avLst/>
+          </a:prstGeom>
+          <a:ln w="25400">
+            <a:solidFill>
+              <a:schemeClr val="tx1">
+                <a:lumMod val="65000"/>
+                <a:lumOff val="35000"/>
+              </a:schemeClr>
+            </a:solidFill>
+          </a:ln>
+        </p:spPr>
+        <p:style>
+          <a:lnRef idx="1">
+            <a:schemeClr val="accent1"/>
+          </a:lnRef>
+          <a:fillRef idx="0">
+            <a:schemeClr val="accent1"/>
+          </a:fillRef>
+          <a:effectRef idx="0">
+            <a:schemeClr val="accent1"/>
+          </a:effectRef>
+          <a:fontRef idx="minor">
+            <a:schemeClr val="tx1"/>
+          </a:fontRef>
+        </p:style>
+      </p:cxnSp>
+      <p:sp>
+        <p:nvSpPr>
+          <p:cNvPr id="6" name="矩形 5"/>
+          <p:cNvSpPr/>
+          <p:nvPr/>
+        </p:nvSpPr>
+        <p:spPr>
+          <a:xfrm>
+            <a:off x="432048" y="373806"/>
+            <a:ext cx="8761886" cy="584775"/>
+          </a:xfrm>
+          <a:prstGeom prst="rect">
+            <a:avLst/>
+          </a:prstGeom>
+          <a:noFill/>
+        </p:spPr>
+        <p:txBody>
+          <a:bodyPr wrap="none" lIns="91440" tIns="45720" rIns="91440" bIns="45720">
+            <a:spAutoFit/>
+          </a:bodyPr>
+          <a:lstStyle/>
+          <a:p>
+            <a:pPr algn="ctr"/>
+            <a:r>
+              <a:rPr lang="en-US" altLang="zh-TW" sz="3200" b="1" cap="none" spc="0" dirty="0" smtClean="0">
+                <a:ln w="0"/>
+                <a:solidFill>
+                  <a:schemeClr val="accent1"/>
+                </a:solidFill>
+                <a:effectLst>
+                  <a:outerShdw blurRad="38100" dist="25400" dir="5400000" algn="ctr" rotWithShape="0">
+                    <a:srgbClr val="6E747A">
+                      <a:alpha val="43000"/>
+                    </a:srgbClr>
+                  </a:outerShdw>
+                </a:effectLst>
+                <a:latin typeface="Times New Roman" panose="02020603050405020304" pitchFamily="18" charset="0"/>
+                <a:cs typeface="Times New Roman" panose="02020603050405020304" pitchFamily="18" charset="0"/>
+              </a:rPr>
+              <a:t>(1) VoIP Phone Call Monitoring Platform (Cont.)</a:t>
+            </a:r>
+            <a:endParaRPr lang="zh-TW" altLang="en-US" sz="3200" b="1" cap="none" spc="0" dirty="0">
+              <a:ln w="0"/>
+              <a:solidFill>
+                <a:schemeClr val="accent1"/>
+              </a:solidFill>
+              <a:effectLst>
+                <a:outerShdw blurRad="38100" dist="25400" dir="5400000" algn="ctr" rotWithShape="0">
+                  <a:srgbClr val="6E747A">
+                    <a:alpha val="43000"/>
+                  </a:srgbClr>
+                </a:outerShdw>
+              </a:effectLst>
+              <a:latin typeface="Times New Roman" panose="02020603050405020304" pitchFamily="18" charset="0"/>
+              <a:cs typeface="Times New Roman" panose="02020603050405020304" pitchFamily="18" charset="0"/>
+            </a:endParaRPr>
+          </a:p>
+        </p:txBody>
+      </p:sp>
+      <p:sp>
+        <p:nvSpPr>
+          <p:cNvPr id="7" name="矩形 6"/>
+          <p:cNvSpPr/>
+          <p:nvPr/>
+        </p:nvSpPr>
+        <p:spPr>
+          <a:xfrm>
+            <a:off x="518408" y="1274009"/>
+            <a:ext cx="1666528" cy="439288"/>
+          </a:xfrm>
+          <a:prstGeom prst="rect">
+            <a:avLst/>
+          </a:prstGeom>
+          <a:solidFill>
+            <a:srgbClr val="98C2B2"/>
+          </a:solidFill>
+          <a:ln>
+            <a:noFill/>
+          </a:ln>
+        </p:spPr>
+        <p:style>
+          <a:lnRef idx="2">
+            <a:schemeClr val="accent1">
+              <a:shade val="50000"/>
+            </a:schemeClr>
+          </a:lnRef>
+          <a:fillRef idx="1">
+            <a:schemeClr val="accent1"/>
+          </a:fillRef>
+          <a:effectRef idx="0">
+            <a:schemeClr val="accent1"/>
+          </a:effectRef>
+          <a:fontRef idx="minor">
+            <a:schemeClr val="lt1"/>
+          </a:fontRef>
+        </p:style>
+        <p:txBody>
+          <a:bodyPr rtlCol="0" anchor="ctr"/>
+          <a:lstStyle/>
+          <a:p>
+            <a:pPr algn="ctr"/>
+            <a:r>
+              <a:rPr lang="en-US" altLang="zh-TW" b="1" dirty="0" smtClean="0">
+                <a:latin typeface="Georgia" panose="02040502050405020303" pitchFamily="18" charset="0"/>
+              </a:rPr>
+              <a:t>RESULTS</a:t>
+            </a:r>
+            <a:endParaRPr lang="zh-TW" altLang="en-US" b="1" dirty="0">
+              <a:latin typeface="Georgia" panose="02040502050405020303" pitchFamily="18" charset="0"/>
+            </a:endParaRPr>
+          </a:p>
+        </p:txBody>
+      </p:sp>
+      <p:pic>
+        <p:nvPicPr>
+          <p:cNvPr id="8" name="圖片 7"/>
+          <p:cNvPicPr>
+            <a:picLocks noChangeAspect="1"/>
+          </p:cNvPicPr>
+          <p:nvPr/>
+        </p:nvPicPr>
+        <p:blipFill>
+          <a:blip r:embed="rId2"/>
+          <a:stretch>
+            <a:fillRect/>
+          </a:stretch>
+        </p:blipFill>
+        <p:spPr>
+          <a:xfrm>
+            <a:off x="2760996" y="1274009"/>
+            <a:ext cx="6190498" cy="4930542"/>
+          </a:xfrm>
+          <a:prstGeom prst="rect">
+            <a:avLst/>
+          </a:prstGeom>
+        </p:spPr>
+      </p:pic>
+      <p:sp>
+        <p:nvSpPr>
+          <p:cNvPr id="9" name="文字方塊 8"/>
+          <p:cNvSpPr txBox="1"/>
+          <p:nvPr/>
+        </p:nvSpPr>
+        <p:spPr>
+          <a:xfrm>
+            <a:off x="4645016" y="6204551"/>
+            <a:ext cx="2422458" cy="307777"/>
+          </a:xfrm>
+          <a:prstGeom prst="rect">
+            <a:avLst/>
+          </a:prstGeom>
+          <a:noFill/>
+        </p:spPr>
+        <p:txBody>
+          <a:bodyPr wrap="none" rtlCol="0">
+            <a:spAutoFit/>
+          </a:bodyPr>
+          <a:lstStyle/>
+          <a:p>
+            <a:r>
+              <a:rPr lang="en-US" altLang="zh-TW" sz="1400" b="1" dirty="0" smtClean="0">
+                <a:latin typeface="Georgia" panose="02040502050405020303" pitchFamily="18" charset="0"/>
+              </a:rPr>
+              <a:t>Fig 3. Management page</a:t>
+            </a:r>
+            <a:endParaRPr lang="zh-TW" altLang="en-US" sz="1400" b="1" dirty="0">
+              <a:latin typeface="Georgia" panose="02040502050405020303" pitchFamily="18" charset="0"/>
+            </a:endParaRPr>
+          </a:p>
+        </p:txBody>
+      </p:sp>
+    </p:spTree>
+    <p:extLst>
+      <p:ext uri="{BB962C8B-B14F-4D97-AF65-F5344CB8AC3E}">
+        <p14:creationId xmlns:p14="http://schemas.microsoft.com/office/powerpoint/2010/main" val="2227364055"/>
+      </p:ext>
+    </p:extLst>
+  </p:cSld>
+  <p:clrMapOvr>
+    <a:masterClrMapping/>
+  </p:clrMapOvr>
+</p:sld>
+</file>
+
+<file path=ppt/slides/slide11.xml><?xml version="1.0" encoding="utf-8"?>
+<p:sld xmlns:a="http://schemas.openxmlformats.org/drawingml/2006/main" xmlns:r="http://schemas.openxmlformats.org/officeDocument/2006/relationships" xmlns:p="http://schemas.openxmlformats.org/presentationml/2006/main">
+  <p:cSld>
+    <p:spTree>
+      <p:nvGrpSpPr>
+        <p:cNvPr id="1" name=""/>
+        <p:cNvGrpSpPr/>
+        <p:nvPr/>
+      </p:nvGrpSpPr>
+      <p:grpSpPr>
+        <a:xfrm>
+          <a:off x="0" y="0"/>
+          <a:ext cx="0" cy="0"/>
+          <a:chOff x="0" y="0"/>
+          <a:chExt cx="0" cy="0"/>
+        </a:xfrm>
+      </p:grpSpPr>
+      <p:sp>
+        <p:nvSpPr>
+          <p:cNvPr id="6" name="橢圓 5"/>
+          <p:cNvSpPr/>
+          <p:nvPr/>
+        </p:nvSpPr>
+        <p:spPr>
+          <a:xfrm>
+            <a:off x="345688" y="877301"/>
+            <a:ext cx="172720" cy="162560"/>
+          </a:xfrm>
+          <a:prstGeom prst="ellipse">
+            <a:avLst/>
+          </a:prstGeom>
+          <a:solidFill>
+            <a:schemeClr val="tx1">
+              <a:lumMod val="65000"/>
+              <a:lumOff val="35000"/>
+            </a:schemeClr>
+          </a:solidFill>
+          <a:ln>
+            <a:noFill/>
+          </a:ln>
+        </p:spPr>
+        <p:style>
+          <a:lnRef idx="2">
+            <a:schemeClr val="accent1">
+              <a:shade val="50000"/>
+            </a:schemeClr>
+          </a:lnRef>
+          <a:fillRef idx="1">
+            <a:schemeClr val="accent1"/>
+          </a:fillRef>
+          <a:effectRef idx="0">
+            <a:schemeClr val="accent1"/>
+          </a:effectRef>
+          <a:fontRef idx="minor">
+            <a:schemeClr val="lt1"/>
+          </a:fontRef>
+        </p:style>
+        <p:txBody>
+          <a:bodyPr rtlCol="0" anchor="ctr"/>
+          <a:lstStyle/>
+          <a:p>
+            <a:pPr algn="ctr"/>
+            <a:endParaRPr lang="zh-TW" altLang="en-US"/>
+          </a:p>
+        </p:txBody>
+      </p:sp>
+      <p:cxnSp>
+        <p:nvCxnSpPr>
+          <p:cNvPr id="7" name="直線接點 6"/>
+          <p:cNvCxnSpPr>
+            <a:stCxn id="6" idx="6"/>
+          </p:cNvCxnSpPr>
+          <p:nvPr/>
+        </p:nvCxnSpPr>
+        <p:spPr>
+          <a:xfrm>
+            <a:off x="518408" y="958581"/>
+            <a:ext cx="6953546" cy="0"/>
+          </a:xfrm>
+          <a:prstGeom prst="line">
+            <a:avLst/>
+          </a:prstGeom>
+          <a:ln w="25400">
+            <a:solidFill>
+              <a:schemeClr val="tx1">
+                <a:lumMod val="65000"/>
+                <a:lumOff val="35000"/>
+              </a:schemeClr>
+            </a:solidFill>
+          </a:ln>
+        </p:spPr>
+        <p:style>
+          <a:lnRef idx="1">
+            <a:schemeClr val="accent1"/>
+          </a:lnRef>
+          <a:fillRef idx="0">
+            <a:schemeClr val="accent1"/>
+          </a:fillRef>
+          <a:effectRef idx="0">
+            <a:schemeClr val="accent1"/>
+          </a:effectRef>
+          <a:fontRef idx="minor">
+            <a:schemeClr val="tx1"/>
+          </a:fontRef>
+        </p:style>
+      </p:cxnSp>
+      <p:sp>
+        <p:nvSpPr>
+          <p:cNvPr id="8" name="矩形 7"/>
+          <p:cNvSpPr/>
+          <p:nvPr/>
+        </p:nvSpPr>
+        <p:spPr>
+          <a:xfrm>
+            <a:off x="432048" y="373806"/>
+            <a:ext cx="8979318" cy="584775"/>
+          </a:xfrm>
+          <a:prstGeom prst="rect">
+            <a:avLst/>
+          </a:prstGeom>
+          <a:noFill/>
+        </p:spPr>
+        <p:txBody>
+          <a:bodyPr wrap="none" lIns="91440" tIns="45720" rIns="91440" bIns="45720">
+            <a:spAutoFit/>
+          </a:bodyPr>
+          <a:lstStyle/>
+          <a:p>
+            <a:pPr algn="ctr"/>
+            <a:r>
+              <a:rPr lang="en-US" altLang="zh-TW" sz="3200" b="1" cap="none" spc="0" dirty="0" smtClean="0">
+                <a:ln w="0"/>
+                <a:solidFill>
+                  <a:schemeClr val="accent1"/>
+                </a:solidFill>
+                <a:effectLst>
+                  <a:outerShdw blurRad="38100" dist="25400" dir="5400000" algn="ctr" rotWithShape="0">
+                    <a:srgbClr val="6E747A">
+                      <a:alpha val="43000"/>
+                    </a:srgbClr>
+                  </a:outerShdw>
+                </a:effectLst>
+                <a:latin typeface="Times New Roman" panose="02020603050405020304" pitchFamily="18" charset="0"/>
+                <a:cs typeface="Times New Roman" panose="02020603050405020304" pitchFamily="18" charset="0"/>
+              </a:rPr>
+              <a:t>(2</a:t>
+            </a:r>
+            <a:r>
+              <a:rPr lang="en-US" altLang="zh-TW" sz="3200" b="1" cap="none" spc="0" dirty="0" smtClean="0">
+                <a:ln w="0"/>
+                <a:solidFill>
+                  <a:schemeClr val="accent1"/>
+                </a:solidFill>
+                <a:effectLst>
+                  <a:outerShdw blurRad="38100" dist="25400" dir="5400000" algn="ctr" rotWithShape="0">
+                    <a:srgbClr val="6E747A">
+                      <a:alpha val="43000"/>
+                    </a:srgbClr>
+                  </a:outerShdw>
+                </a:effectLst>
+                <a:latin typeface="Times New Roman" panose="02020603050405020304" pitchFamily="18" charset="0"/>
+                <a:cs typeface="Times New Roman" panose="02020603050405020304" pitchFamily="18" charset="0"/>
+              </a:rPr>
+              <a:t>)</a:t>
+            </a:r>
+            <a:r>
+              <a:rPr lang="zh-TW" altLang="en-US" sz="3200" b="1" cap="none" spc="0" dirty="0" smtClean="0">
+                <a:ln w="0"/>
+                <a:solidFill>
+                  <a:schemeClr val="accent1"/>
+                </a:solidFill>
+                <a:effectLst>
+                  <a:outerShdw blurRad="38100" dist="25400" dir="5400000" algn="ctr" rotWithShape="0">
+                    <a:srgbClr val="6E747A">
+                      <a:alpha val="43000"/>
+                    </a:srgbClr>
+                  </a:outerShdw>
+                </a:effectLst>
+                <a:latin typeface="Times New Roman" panose="02020603050405020304" pitchFamily="18" charset="0"/>
+                <a:cs typeface="Times New Roman" panose="02020603050405020304" pitchFamily="18" charset="0"/>
+              </a:rPr>
+              <a:t> </a:t>
+            </a:r>
+            <a:r>
+              <a:rPr lang="en-US" altLang="zh-TW" sz="3200" b="1" dirty="0" err="1">
+                <a:ln w="0"/>
+                <a:solidFill>
+                  <a:schemeClr val="accent1"/>
+                </a:solidFill>
+                <a:effectLst>
+                  <a:outerShdw blurRad="38100" dist="25400" dir="5400000" algn="ctr" rotWithShape="0">
+                    <a:srgbClr val="6E747A">
+                      <a:alpha val="43000"/>
+                    </a:srgbClr>
+                  </a:outerShdw>
+                </a:effectLst>
+                <a:latin typeface="Times New Roman" panose="02020603050405020304" pitchFamily="18" charset="0"/>
+                <a:cs typeface="Times New Roman" panose="02020603050405020304" pitchFamily="18" charset="0"/>
+              </a:rPr>
+              <a:t>Blockchain</a:t>
+            </a:r>
+            <a:r>
+              <a:rPr lang="en-US" altLang="zh-TW" sz="3200" b="1" dirty="0">
+                <a:ln w="0"/>
+                <a:solidFill>
+                  <a:schemeClr val="accent1"/>
+                </a:solidFill>
+                <a:effectLst>
+                  <a:outerShdw blurRad="38100" dist="25400" dir="5400000" algn="ctr" rotWithShape="0">
+                    <a:srgbClr val="6E747A">
+                      <a:alpha val="43000"/>
+                    </a:srgbClr>
+                  </a:outerShdw>
+                </a:effectLst>
+                <a:latin typeface="Times New Roman" panose="02020603050405020304" pitchFamily="18" charset="0"/>
+                <a:cs typeface="Times New Roman" panose="02020603050405020304" pitchFamily="18" charset="0"/>
+              </a:rPr>
+              <a:t> Traceability System with </a:t>
+            </a:r>
+            <a:r>
+              <a:rPr lang="en-US" altLang="zh-TW" sz="3200" b="1" dirty="0" err="1" smtClean="0">
+                <a:ln w="0"/>
+                <a:solidFill>
+                  <a:schemeClr val="accent1"/>
+                </a:solidFill>
+                <a:effectLst>
+                  <a:outerShdw blurRad="38100" dist="25400" dir="5400000" algn="ctr" rotWithShape="0">
+                    <a:srgbClr val="6E747A">
+                      <a:alpha val="43000"/>
+                    </a:srgbClr>
+                  </a:outerShdw>
+                </a:effectLst>
+                <a:latin typeface="Times New Roman" panose="02020603050405020304" pitchFamily="18" charset="0"/>
+                <a:cs typeface="Times New Roman" panose="02020603050405020304" pitchFamily="18" charset="0"/>
+              </a:rPr>
+              <a:t>HyperQL</a:t>
+            </a:r>
+            <a:endParaRPr lang="zh-TW" altLang="en-US" sz="3200" b="1" cap="none" spc="0" dirty="0">
+              <a:ln w="0"/>
+              <a:solidFill>
+                <a:schemeClr val="accent1"/>
+              </a:solidFill>
+              <a:effectLst>
+                <a:outerShdw blurRad="38100" dist="25400" dir="5400000" algn="ctr" rotWithShape="0">
+                  <a:srgbClr val="6E747A">
+                    <a:alpha val="43000"/>
+                  </a:srgbClr>
+                </a:outerShdw>
+              </a:effectLst>
+              <a:latin typeface="Times New Roman" panose="02020603050405020304" pitchFamily="18" charset="0"/>
+              <a:cs typeface="Times New Roman" panose="02020603050405020304" pitchFamily="18" charset="0"/>
+            </a:endParaRPr>
+          </a:p>
+        </p:txBody>
+      </p:sp>
+      <p:sp>
+        <p:nvSpPr>
+          <p:cNvPr id="5" name="矩形 4"/>
+          <p:cNvSpPr/>
+          <p:nvPr/>
+        </p:nvSpPr>
+        <p:spPr>
+          <a:xfrm>
+            <a:off x="518408" y="1274009"/>
+            <a:ext cx="1522148" cy="439288"/>
+          </a:xfrm>
+          <a:prstGeom prst="rect">
+            <a:avLst/>
+          </a:prstGeom>
+          <a:solidFill>
+            <a:srgbClr val="98C2B2"/>
+          </a:solidFill>
+          <a:ln>
+            <a:noFill/>
+          </a:ln>
+        </p:spPr>
+        <p:style>
+          <a:lnRef idx="2">
+            <a:schemeClr val="accent1">
+              <a:shade val="50000"/>
+            </a:schemeClr>
+          </a:lnRef>
+          <a:fillRef idx="1">
+            <a:schemeClr val="accent1"/>
+          </a:fillRef>
+          <a:effectRef idx="0">
+            <a:schemeClr val="accent1"/>
+          </a:effectRef>
+          <a:fontRef idx="minor">
+            <a:schemeClr val="lt1"/>
+          </a:fontRef>
+        </p:style>
+        <p:txBody>
+          <a:bodyPr rtlCol="0" anchor="ctr"/>
+          <a:lstStyle/>
+          <a:p>
+            <a:pPr algn="ctr"/>
+            <a:r>
+              <a:rPr lang="en-US" altLang="zh-TW" b="1" dirty="0" smtClean="0">
+                <a:latin typeface="Georgia" panose="02040502050405020303" pitchFamily="18" charset="0"/>
+              </a:rPr>
+              <a:t>PURPOSE</a:t>
+            </a:r>
+            <a:endParaRPr lang="zh-TW" altLang="en-US" b="1" dirty="0">
+              <a:latin typeface="Georgia" panose="02040502050405020303" pitchFamily="18" charset="0"/>
+            </a:endParaRPr>
+          </a:p>
+        </p:txBody>
+      </p:sp>
+      <p:sp>
+        <p:nvSpPr>
+          <p:cNvPr id="9" name="文字方塊 8"/>
+          <p:cNvSpPr txBox="1"/>
+          <p:nvPr/>
+        </p:nvSpPr>
+        <p:spPr>
+          <a:xfrm>
+            <a:off x="875898" y="1825667"/>
+            <a:ext cx="9615639" cy="646331"/>
+          </a:xfrm>
+          <a:prstGeom prst="rect">
+            <a:avLst/>
+          </a:prstGeom>
+          <a:noFill/>
+        </p:spPr>
+        <p:txBody>
+          <a:bodyPr wrap="square" rtlCol="0">
+            <a:spAutoFit/>
+          </a:bodyPr>
+          <a:lstStyle/>
+          <a:p>
+            <a:pPr marL="285750" indent="-285750">
+              <a:buFont typeface="Wingdings" panose="05000000000000000000" pitchFamily="2" charset="2"/>
+              <a:buChar char="p"/>
+            </a:pPr>
+            <a:r>
+              <a:rPr lang="en-US" altLang="zh-TW" dirty="0" smtClean="0">
+                <a:latin typeface="Georgia" panose="02040502050405020303" pitchFamily="18" charset="0"/>
+              </a:rPr>
+              <a:t>Create a </a:t>
+            </a:r>
+            <a:r>
+              <a:rPr lang="en-US" altLang="zh-TW" dirty="0" err="1" smtClean="0">
+                <a:latin typeface="Georgia" panose="02040502050405020303" pitchFamily="18" charset="0"/>
+              </a:rPr>
+              <a:t>blockchain</a:t>
+            </a:r>
+            <a:r>
+              <a:rPr lang="en-US" altLang="zh-TW" dirty="0" smtClean="0">
+                <a:latin typeface="Georgia" panose="02040502050405020303" pitchFamily="18" charset="0"/>
+              </a:rPr>
+              <a:t>-based </a:t>
+            </a:r>
+            <a:r>
+              <a:rPr lang="en-US" altLang="zh-TW" dirty="0" err="1" smtClean="0">
+                <a:latin typeface="Georgia" panose="02040502050405020303" pitchFamily="18" charset="0"/>
+              </a:rPr>
+              <a:t>IoT</a:t>
+            </a:r>
+            <a:r>
+              <a:rPr lang="en-US" altLang="zh-TW" dirty="0" smtClean="0">
+                <a:latin typeface="Georgia" panose="02040502050405020303" pitchFamily="18" charset="0"/>
+              </a:rPr>
+              <a:t> system and propose an architecture, named “</a:t>
+            </a:r>
+            <a:r>
+              <a:rPr lang="en-US" altLang="zh-TW" dirty="0" err="1" smtClean="0">
+                <a:latin typeface="Georgia" panose="02040502050405020303" pitchFamily="18" charset="0"/>
+              </a:rPr>
+              <a:t>HyperQL</a:t>
+            </a:r>
+            <a:r>
+              <a:rPr lang="en-US" altLang="zh-TW" dirty="0" smtClean="0">
+                <a:latin typeface="Georgia" panose="02040502050405020303" pitchFamily="18" charset="0"/>
+              </a:rPr>
+              <a:t>”, to speed up the query speed.</a:t>
+            </a:r>
+            <a:endParaRPr lang="zh-TW" altLang="en-US" dirty="0">
+              <a:latin typeface="Georgia" panose="02040502050405020303" pitchFamily="18" charset="0"/>
+            </a:endParaRPr>
+          </a:p>
+        </p:txBody>
+      </p:sp>
+      <p:sp>
+        <p:nvSpPr>
+          <p:cNvPr id="10" name="矩形 9"/>
+          <p:cNvSpPr/>
+          <p:nvPr/>
+        </p:nvSpPr>
+        <p:spPr>
+          <a:xfrm>
+            <a:off x="518408" y="2814911"/>
+            <a:ext cx="2224792" cy="464878"/>
+          </a:xfrm>
+          <a:prstGeom prst="rect">
+            <a:avLst/>
+          </a:prstGeom>
+          <a:solidFill>
+            <a:srgbClr val="98C2B2"/>
+          </a:solidFill>
+          <a:ln>
+            <a:noFill/>
+          </a:ln>
+        </p:spPr>
+        <p:style>
+          <a:lnRef idx="2">
+            <a:schemeClr val="accent1">
+              <a:shade val="50000"/>
+            </a:schemeClr>
+          </a:lnRef>
+          <a:fillRef idx="1">
+            <a:schemeClr val="accent1"/>
+          </a:fillRef>
+          <a:effectRef idx="0">
+            <a:schemeClr val="accent1"/>
+          </a:effectRef>
+          <a:fontRef idx="minor">
+            <a:schemeClr val="lt1"/>
+          </a:fontRef>
+        </p:style>
+        <p:txBody>
+          <a:bodyPr rtlCol="0" anchor="ctr"/>
+          <a:lstStyle/>
+          <a:p>
+            <a:pPr algn="ctr"/>
+            <a:r>
+              <a:rPr lang="en-US" altLang="zh-TW" b="1" dirty="0" smtClean="0">
+                <a:latin typeface="Georgia" panose="02040502050405020303" pitchFamily="18" charset="0"/>
+              </a:rPr>
+              <a:t>ARCHITECTURE</a:t>
+            </a:r>
+            <a:endParaRPr lang="zh-TW" altLang="en-US" b="1" dirty="0">
+              <a:latin typeface="Georgia" panose="02040502050405020303" pitchFamily="18" charset="0"/>
+            </a:endParaRPr>
+          </a:p>
+        </p:txBody>
+      </p:sp>
+    </p:spTree>
+    <p:extLst>
+      <p:ext uri="{BB962C8B-B14F-4D97-AF65-F5344CB8AC3E}">
+        <p14:creationId xmlns:p14="http://schemas.microsoft.com/office/powerpoint/2010/main" val="372449477"/>
+      </p:ext>
+    </p:extLst>
+  </p:cSld>
+  <p:clrMapOvr>
+    <a:masterClrMapping/>
+  </p:clrMapOvr>
+</p:sld>
+</file>
+
+<file path=ppt/slides/slide12.xml><?xml version="1.0" encoding="utf-8"?>
+<p:sld xmlns:a="http://schemas.openxmlformats.org/drawingml/2006/main" xmlns:r="http://schemas.openxmlformats.org/officeDocument/2006/relationships" xmlns:p="http://schemas.openxmlformats.org/presentationml/2006/main">
+  <p:cSld>
+    <p:spTree>
+      <p:nvGrpSpPr>
+        <p:cNvPr id="1" name=""/>
+        <p:cNvGrpSpPr/>
+        <p:nvPr/>
+      </p:nvGrpSpPr>
+      <p:grpSpPr>
+        <a:xfrm>
+          <a:off x="0" y="0"/>
+          <a:ext cx="0" cy="0"/>
+          <a:chOff x="0" y="0"/>
+          <a:chExt cx="0" cy="0"/>
+        </a:xfrm>
+      </p:grpSpPr>
+      <p:sp>
+        <p:nvSpPr>
+          <p:cNvPr id="5" name="橢圓 4"/>
+          <p:cNvSpPr/>
+          <p:nvPr/>
+        </p:nvSpPr>
+        <p:spPr>
+          <a:xfrm>
+            <a:off x="345688" y="877301"/>
+            <a:ext cx="172720" cy="162560"/>
+          </a:xfrm>
+          <a:prstGeom prst="ellipse">
+            <a:avLst/>
+          </a:prstGeom>
+          <a:solidFill>
+            <a:schemeClr val="tx1">
+              <a:lumMod val="65000"/>
+              <a:lumOff val="35000"/>
+            </a:schemeClr>
+          </a:solidFill>
+          <a:ln>
+            <a:noFill/>
+          </a:ln>
+        </p:spPr>
+        <p:style>
+          <a:lnRef idx="2">
+            <a:schemeClr val="accent1">
+              <a:shade val="50000"/>
+            </a:schemeClr>
+          </a:lnRef>
+          <a:fillRef idx="1">
+            <a:schemeClr val="accent1"/>
+          </a:fillRef>
+          <a:effectRef idx="0">
+            <a:schemeClr val="accent1"/>
+          </a:effectRef>
+          <a:fontRef idx="minor">
+            <a:schemeClr val="lt1"/>
+          </a:fontRef>
+        </p:style>
+        <p:txBody>
+          <a:bodyPr rtlCol="0" anchor="ctr"/>
+          <a:lstStyle/>
+          <a:p>
+            <a:pPr algn="ctr"/>
+            <a:endParaRPr lang="zh-TW" altLang="en-US"/>
+          </a:p>
+        </p:txBody>
+      </p:sp>
+      <p:cxnSp>
+        <p:nvCxnSpPr>
+          <p:cNvPr id="6" name="直線接點 5"/>
+          <p:cNvCxnSpPr>
+            <a:stCxn id="5" idx="6"/>
+          </p:cNvCxnSpPr>
+          <p:nvPr/>
+        </p:nvCxnSpPr>
+        <p:spPr>
+          <a:xfrm>
+            <a:off x="518408" y="958581"/>
+            <a:ext cx="6953546" cy="0"/>
+          </a:xfrm>
+          <a:prstGeom prst="line">
+            <a:avLst/>
+          </a:prstGeom>
+          <a:ln w="25400">
+            <a:solidFill>
+              <a:schemeClr val="tx1">
+                <a:lumMod val="65000"/>
+                <a:lumOff val="35000"/>
+              </a:schemeClr>
+            </a:solidFill>
+          </a:ln>
+        </p:spPr>
+        <p:style>
+          <a:lnRef idx="1">
+            <a:schemeClr val="accent1"/>
+          </a:lnRef>
+          <a:fillRef idx="0">
+            <a:schemeClr val="accent1"/>
+          </a:fillRef>
+          <a:effectRef idx="0">
+            <a:schemeClr val="accent1"/>
+          </a:effectRef>
+          <a:fontRef idx="minor">
+            <a:schemeClr val="tx1"/>
+          </a:fontRef>
+        </p:style>
+      </p:cxnSp>
+      <p:sp>
+        <p:nvSpPr>
+          <p:cNvPr id="7" name="矩形 6"/>
+          <p:cNvSpPr/>
+          <p:nvPr/>
+        </p:nvSpPr>
+        <p:spPr>
+          <a:xfrm>
+            <a:off x="432048" y="373806"/>
+            <a:ext cx="10299999" cy="584775"/>
+          </a:xfrm>
+          <a:prstGeom prst="rect">
+            <a:avLst/>
+          </a:prstGeom>
+          <a:noFill/>
+        </p:spPr>
+        <p:txBody>
+          <a:bodyPr wrap="none" lIns="91440" tIns="45720" rIns="91440" bIns="45720">
+            <a:spAutoFit/>
+          </a:bodyPr>
+          <a:lstStyle/>
+          <a:p>
+            <a:pPr algn="ctr"/>
+            <a:r>
+              <a:rPr lang="en-US" altLang="zh-TW" sz="3200" b="1" cap="none" spc="0" dirty="0" smtClean="0">
+                <a:ln w="0"/>
+                <a:solidFill>
+                  <a:schemeClr val="accent1"/>
+                </a:solidFill>
+                <a:effectLst>
+                  <a:outerShdw blurRad="38100" dist="25400" dir="5400000" algn="ctr" rotWithShape="0">
+                    <a:srgbClr val="6E747A">
+                      <a:alpha val="43000"/>
+                    </a:srgbClr>
+                  </a:outerShdw>
+                </a:effectLst>
+                <a:latin typeface="Times New Roman" panose="02020603050405020304" pitchFamily="18" charset="0"/>
+                <a:cs typeface="Times New Roman" panose="02020603050405020304" pitchFamily="18" charset="0"/>
+              </a:rPr>
+              <a:t>(2</a:t>
+            </a:r>
+            <a:r>
+              <a:rPr lang="en-US" altLang="zh-TW" sz="3200" b="1" cap="none" spc="0" dirty="0" smtClean="0">
+                <a:ln w="0"/>
+                <a:solidFill>
+                  <a:schemeClr val="accent1"/>
+                </a:solidFill>
+                <a:effectLst>
+                  <a:outerShdw blurRad="38100" dist="25400" dir="5400000" algn="ctr" rotWithShape="0">
+                    <a:srgbClr val="6E747A">
+                      <a:alpha val="43000"/>
+                    </a:srgbClr>
+                  </a:outerShdw>
+                </a:effectLst>
+                <a:latin typeface="Times New Roman" panose="02020603050405020304" pitchFamily="18" charset="0"/>
+                <a:cs typeface="Times New Roman" panose="02020603050405020304" pitchFamily="18" charset="0"/>
+              </a:rPr>
+              <a:t>)</a:t>
+            </a:r>
+            <a:r>
+              <a:rPr lang="zh-TW" altLang="en-US" sz="3200" b="1" cap="none" spc="0" dirty="0" smtClean="0">
+                <a:ln w="0"/>
+                <a:solidFill>
+                  <a:schemeClr val="accent1"/>
+                </a:solidFill>
+                <a:effectLst>
+                  <a:outerShdw blurRad="38100" dist="25400" dir="5400000" algn="ctr" rotWithShape="0">
+                    <a:srgbClr val="6E747A">
+                      <a:alpha val="43000"/>
+                    </a:srgbClr>
+                  </a:outerShdw>
+                </a:effectLst>
+                <a:latin typeface="Times New Roman" panose="02020603050405020304" pitchFamily="18" charset="0"/>
+                <a:cs typeface="Times New Roman" panose="02020603050405020304" pitchFamily="18" charset="0"/>
+              </a:rPr>
+              <a:t> </a:t>
+            </a:r>
+            <a:r>
+              <a:rPr lang="en-US" altLang="zh-TW" sz="3200" b="1" dirty="0" err="1">
+                <a:ln w="0"/>
+                <a:solidFill>
+                  <a:schemeClr val="accent1"/>
+                </a:solidFill>
+                <a:effectLst>
+                  <a:outerShdw blurRad="38100" dist="25400" dir="5400000" algn="ctr" rotWithShape="0">
+                    <a:srgbClr val="6E747A">
+                      <a:alpha val="43000"/>
+                    </a:srgbClr>
+                  </a:outerShdw>
+                </a:effectLst>
+                <a:latin typeface="Times New Roman" panose="02020603050405020304" pitchFamily="18" charset="0"/>
+                <a:cs typeface="Times New Roman" panose="02020603050405020304" pitchFamily="18" charset="0"/>
+              </a:rPr>
+              <a:t>Blockchain</a:t>
+            </a:r>
+            <a:r>
+              <a:rPr lang="en-US" altLang="zh-TW" sz="3200" b="1" dirty="0">
+                <a:ln w="0"/>
+                <a:solidFill>
+                  <a:schemeClr val="accent1"/>
+                </a:solidFill>
+                <a:effectLst>
+                  <a:outerShdw blurRad="38100" dist="25400" dir="5400000" algn="ctr" rotWithShape="0">
+                    <a:srgbClr val="6E747A">
+                      <a:alpha val="43000"/>
+                    </a:srgbClr>
+                  </a:outerShdw>
+                </a:effectLst>
+                <a:latin typeface="Times New Roman" panose="02020603050405020304" pitchFamily="18" charset="0"/>
+                <a:cs typeface="Times New Roman" panose="02020603050405020304" pitchFamily="18" charset="0"/>
+              </a:rPr>
+              <a:t> Traceability System with </a:t>
+            </a:r>
+            <a:r>
+              <a:rPr lang="en-US" altLang="zh-TW" sz="3200" b="1" dirty="0" err="1" smtClean="0">
+                <a:ln w="0"/>
+                <a:solidFill>
+                  <a:schemeClr val="accent1"/>
+                </a:solidFill>
+                <a:effectLst>
+                  <a:outerShdw blurRad="38100" dist="25400" dir="5400000" algn="ctr" rotWithShape="0">
+                    <a:srgbClr val="6E747A">
+                      <a:alpha val="43000"/>
+                    </a:srgbClr>
+                  </a:outerShdw>
+                </a:effectLst>
+                <a:latin typeface="Times New Roman" panose="02020603050405020304" pitchFamily="18" charset="0"/>
+                <a:cs typeface="Times New Roman" panose="02020603050405020304" pitchFamily="18" charset="0"/>
+              </a:rPr>
+              <a:t>HyperQL</a:t>
+            </a:r>
+            <a:r>
+              <a:rPr lang="en-US" altLang="zh-TW" sz="3200" b="1" dirty="0" smtClean="0">
+                <a:ln w="0"/>
+                <a:solidFill>
+                  <a:schemeClr val="accent1"/>
+                </a:solidFill>
+                <a:effectLst>
+                  <a:outerShdw blurRad="38100" dist="25400" dir="5400000" algn="ctr" rotWithShape="0">
+                    <a:srgbClr val="6E747A">
+                      <a:alpha val="43000"/>
+                    </a:srgbClr>
+                  </a:outerShdw>
+                </a:effectLst>
+                <a:latin typeface="Times New Roman" panose="02020603050405020304" pitchFamily="18" charset="0"/>
+                <a:cs typeface="Times New Roman" panose="02020603050405020304" pitchFamily="18" charset="0"/>
+              </a:rPr>
+              <a:t> (Cont.)</a:t>
+            </a:r>
+            <a:endParaRPr lang="zh-TW" altLang="en-US" sz="3200" b="1" cap="none" spc="0" dirty="0">
+              <a:ln w="0"/>
+              <a:solidFill>
+                <a:schemeClr val="accent1"/>
+              </a:solidFill>
+              <a:effectLst>
+                <a:outerShdw blurRad="38100" dist="25400" dir="5400000" algn="ctr" rotWithShape="0">
+                  <a:srgbClr val="6E747A">
+                    <a:alpha val="43000"/>
+                  </a:srgbClr>
+                </a:outerShdw>
+              </a:effectLst>
+              <a:latin typeface="Times New Roman" panose="02020603050405020304" pitchFamily="18" charset="0"/>
+              <a:cs typeface="Times New Roman" panose="02020603050405020304" pitchFamily="18" charset="0"/>
+            </a:endParaRPr>
+          </a:p>
+        </p:txBody>
+      </p:sp>
+    </p:spTree>
+    <p:extLst>
+      <p:ext uri="{BB962C8B-B14F-4D97-AF65-F5344CB8AC3E}">
+        <p14:creationId xmlns:p14="http://schemas.microsoft.com/office/powerpoint/2010/main" val="4181142066"/>
+      </p:ext>
+    </p:extLst>
+  </p:cSld>
+  <p:clrMapOvr>
+    <a:masterClrMapping/>
+  </p:clrMapOvr>
+</p:sld>
+</file>
+
+<file path=ppt/slides/slide13.xml><?xml version="1.0" encoding="utf-8"?>
+<p:sld xmlns:a="http://schemas.openxmlformats.org/drawingml/2006/main" xmlns:r="http://schemas.openxmlformats.org/officeDocument/2006/relationships" xmlns:p="http://schemas.openxmlformats.org/presentationml/2006/main">
+  <p:cSld>
+    <p:spTree>
+      <p:nvGrpSpPr>
+        <p:cNvPr id="1" name=""/>
+        <p:cNvGrpSpPr/>
+        <p:nvPr/>
+      </p:nvGrpSpPr>
+      <p:grpSpPr>
+        <a:xfrm>
+          <a:off x="0" y="0"/>
+          <a:ext cx="0" cy="0"/>
+          <a:chOff x="0" y="0"/>
+          <a:chExt cx="0" cy="0"/>
+        </a:xfrm>
+      </p:grpSpPr>
+      <p:sp>
+        <p:nvSpPr>
+          <p:cNvPr id="7" name="橢圓 6"/>
+          <p:cNvSpPr/>
+          <p:nvPr/>
+        </p:nvSpPr>
+        <p:spPr>
+          <a:xfrm>
+            <a:off x="345688" y="877301"/>
+            <a:ext cx="172720" cy="162560"/>
+          </a:xfrm>
+          <a:prstGeom prst="ellipse">
+            <a:avLst/>
+          </a:prstGeom>
+          <a:solidFill>
+            <a:schemeClr val="tx1">
+              <a:lumMod val="65000"/>
+              <a:lumOff val="35000"/>
+            </a:schemeClr>
+          </a:solidFill>
+          <a:ln>
+            <a:noFill/>
+          </a:ln>
+        </p:spPr>
+        <p:style>
+          <a:lnRef idx="2">
+            <a:schemeClr val="accent1">
+              <a:shade val="50000"/>
+            </a:schemeClr>
+          </a:lnRef>
+          <a:fillRef idx="1">
+            <a:schemeClr val="accent1"/>
+          </a:fillRef>
+          <a:effectRef idx="0">
+            <a:schemeClr val="accent1"/>
+          </a:effectRef>
+          <a:fontRef idx="minor">
+            <a:schemeClr val="lt1"/>
+          </a:fontRef>
+        </p:style>
+        <p:txBody>
+          <a:bodyPr rtlCol="0" anchor="ctr"/>
+          <a:lstStyle/>
+          <a:p>
+            <a:pPr algn="ctr"/>
+            <a:endParaRPr lang="zh-TW" altLang="en-US"/>
+          </a:p>
+        </p:txBody>
+      </p:sp>
+      <p:cxnSp>
+        <p:nvCxnSpPr>
+          <p:cNvPr id="8" name="直線接點 7"/>
+          <p:cNvCxnSpPr>
+            <a:stCxn id="7" idx="6"/>
+          </p:cNvCxnSpPr>
+          <p:nvPr/>
+        </p:nvCxnSpPr>
+        <p:spPr>
+          <a:xfrm>
+            <a:off x="518408" y="958581"/>
+            <a:ext cx="6953546" cy="0"/>
+          </a:xfrm>
+          <a:prstGeom prst="line">
+            <a:avLst/>
+          </a:prstGeom>
+          <a:ln w="25400">
+            <a:solidFill>
+              <a:schemeClr val="tx1">
+                <a:lumMod val="65000"/>
+                <a:lumOff val="35000"/>
+              </a:schemeClr>
+            </a:solidFill>
+          </a:ln>
+        </p:spPr>
+        <p:style>
+          <a:lnRef idx="1">
+            <a:schemeClr val="accent1"/>
+          </a:lnRef>
+          <a:fillRef idx="0">
+            <a:schemeClr val="accent1"/>
+          </a:fillRef>
+          <a:effectRef idx="0">
+            <a:schemeClr val="accent1"/>
+          </a:effectRef>
+          <a:fontRef idx="minor">
+            <a:schemeClr val="tx1"/>
+          </a:fontRef>
+        </p:style>
+      </p:cxnSp>
+      <p:sp>
+        <p:nvSpPr>
+          <p:cNvPr id="9" name="矩形 8"/>
+          <p:cNvSpPr/>
+          <p:nvPr/>
+        </p:nvSpPr>
+        <p:spPr>
+          <a:xfrm>
+            <a:off x="432048" y="373806"/>
+            <a:ext cx="10299999" cy="584775"/>
+          </a:xfrm>
+          <a:prstGeom prst="rect">
+            <a:avLst/>
+          </a:prstGeom>
+          <a:noFill/>
+        </p:spPr>
+        <p:txBody>
+          <a:bodyPr wrap="none" lIns="91440" tIns="45720" rIns="91440" bIns="45720">
+            <a:spAutoFit/>
+          </a:bodyPr>
+          <a:lstStyle/>
+          <a:p>
+            <a:pPr algn="ctr"/>
+            <a:r>
+              <a:rPr lang="en-US" altLang="zh-TW" sz="3200" b="1" cap="none" spc="0" dirty="0" smtClean="0">
+                <a:ln w="0"/>
+                <a:solidFill>
+                  <a:schemeClr val="accent1"/>
+                </a:solidFill>
+                <a:effectLst>
+                  <a:outerShdw blurRad="38100" dist="25400" dir="5400000" algn="ctr" rotWithShape="0">
+                    <a:srgbClr val="6E747A">
+                      <a:alpha val="43000"/>
+                    </a:srgbClr>
+                  </a:outerShdw>
+                </a:effectLst>
+                <a:latin typeface="Times New Roman" panose="02020603050405020304" pitchFamily="18" charset="0"/>
+                <a:cs typeface="Times New Roman" panose="02020603050405020304" pitchFamily="18" charset="0"/>
+              </a:rPr>
+              <a:t>(2</a:t>
+            </a:r>
+            <a:r>
+              <a:rPr lang="en-US" altLang="zh-TW" sz="3200" b="1" cap="none" spc="0" dirty="0" smtClean="0">
+                <a:ln w="0"/>
+                <a:solidFill>
+                  <a:schemeClr val="accent1"/>
+                </a:solidFill>
+                <a:effectLst>
+                  <a:outerShdw blurRad="38100" dist="25400" dir="5400000" algn="ctr" rotWithShape="0">
+                    <a:srgbClr val="6E747A">
+                      <a:alpha val="43000"/>
+                    </a:srgbClr>
+                  </a:outerShdw>
+                </a:effectLst>
+                <a:latin typeface="Times New Roman" panose="02020603050405020304" pitchFamily="18" charset="0"/>
+                <a:cs typeface="Times New Roman" panose="02020603050405020304" pitchFamily="18" charset="0"/>
+              </a:rPr>
+              <a:t>)</a:t>
+            </a:r>
+            <a:r>
+              <a:rPr lang="zh-TW" altLang="en-US" sz="3200" b="1" cap="none" spc="0" dirty="0" smtClean="0">
+                <a:ln w="0"/>
+                <a:solidFill>
+                  <a:schemeClr val="accent1"/>
+                </a:solidFill>
+                <a:effectLst>
+                  <a:outerShdw blurRad="38100" dist="25400" dir="5400000" algn="ctr" rotWithShape="0">
+                    <a:srgbClr val="6E747A">
+                      <a:alpha val="43000"/>
+                    </a:srgbClr>
+                  </a:outerShdw>
+                </a:effectLst>
+                <a:latin typeface="Times New Roman" panose="02020603050405020304" pitchFamily="18" charset="0"/>
+                <a:cs typeface="Times New Roman" panose="02020603050405020304" pitchFamily="18" charset="0"/>
+              </a:rPr>
+              <a:t> </a:t>
+            </a:r>
+            <a:r>
+              <a:rPr lang="en-US" altLang="zh-TW" sz="3200" b="1" dirty="0" err="1">
+                <a:ln w="0"/>
+                <a:solidFill>
+                  <a:schemeClr val="accent1"/>
+                </a:solidFill>
+                <a:effectLst>
+                  <a:outerShdw blurRad="38100" dist="25400" dir="5400000" algn="ctr" rotWithShape="0">
+                    <a:srgbClr val="6E747A">
+                      <a:alpha val="43000"/>
+                    </a:srgbClr>
+                  </a:outerShdw>
+                </a:effectLst>
+                <a:latin typeface="Times New Roman" panose="02020603050405020304" pitchFamily="18" charset="0"/>
+                <a:cs typeface="Times New Roman" panose="02020603050405020304" pitchFamily="18" charset="0"/>
+              </a:rPr>
+              <a:t>Blockchain</a:t>
+            </a:r>
+            <a:r>
+              <a:rPr lang="en-US" altLang="zh-TW" sz="3200" b="1" dirty="0">
+                <a:ln w="0"/>
+                <a:solidFill>
+                  <a:schemeClr val="accent1"/>
+                </a:solidFill>
+                <a:effectLst>
+                  <a:outerShdw blurRad="38100" dist="25400" dir="5400000" algn="ctr" rotWithShape="0">
+                    <a:srgbClr val="6E747A">
+                      <a:alpha val="43000"/>
+                    </a:srgbClr>
+                  </a:outerShdw>
+                </a:effectLst>
+                <a:latin typeface="Times New Roman" panose="02020603050405020304" pitchFamily="18" charset="0"/>
+                <a:cs typeface="Times New Roman" panose="02020603050405020304" pitchFamily="18" charset="0"/>
+              </a:rPr>
+              <a:t> Traceability System with </a:t>
+            </a:r>
+            <a:r>
+              <a:rPr lang="en-US" altLang="zh-TW" sz="3200" b="1" dirty="0" err="1" smtClean="0">
+                <a:ln w="0"/>
+                <a:solidFill>
+                  <a:schemeClr val="accent1"/>
+                </a:solidFill>
+                <a:effectLst>
+                  <a:outerShdw blurRad="38100" dist="25400" dir="5400000" algn="ctr" rotWithShape="0">
+                    <a:srgbClr val="6E747A">
+                      <a:alpha val="43000"/>
+                    </a:srgbClr>
+                  </a:outerShdw>
+                </a:effectLst>
+                <a:latin typeface="Times New Roman" panose="02020603050405020304" pitchFamily="18" charset="0"/>
+                <a:cs typeface="Times New Roman" panose="02020603050405020304" pitchFamily="18" charset="0"/>
+              </a:rPr>
+              <a:t>HyperQL</a:t>
+            </a:r>
+            <a:r>
+              <a:rPr lang="en-US" altLang="zh-TW" sz="3200" b="1" dirty="0" smtClean="0">
+                <a:ln w="0"/>
+                <a:solidFill>
+                  <a:schemeClr val="accent1"/>
+                </a:solidFill>
+                <a:effectLst>
+                  <a:outerShdw blurRad="38100" dist="25400" dir="5400000" algn="ctr" rotWithShape="0">
+                    <a:srgbClr val="6E747A">
+                      <a:alpha val="43000"/>
+                    </a:srgbClr>
+                  </a:outerShdw>
+                </a:effectLst>
+                <a:latin typeface="Times New Roman" panose="02020603050405020304" pitchFamily="18" charset="0"/>
+                <a:cs typeface="Times New Roman" panose="02020603050405020304" pitchFamily="18" charset="0"/>
+              </a:rPr>
+              <a:t> (Cont.)</a:t>
+            </a:r>
+            <a:endParaRPr lang="zh-TW" altLang="en-US" sz="3200" b="1" cap="none" spc="0" dirty="0">
+              <a:ln w="0"/>
+              <a:solidFill>
+                <a:schemeClr val="accent1"/>
+              </a:solidFill>
+              <a:effectLst>
+                <a:outerShdw blurRad="38100" dist="25400" dir="5400000" algn="ctr" rotWithShape="0">
+                  <a:srgbClr val="6E747A">
+                    <a:alpha val="43000"/>
+                  </a:srgbClr>
+                </a:outerShdw>
+              </a:effectLst>
+              <a:latin typeface="Times New Roman" panose="02020603050405020304" pitchFamily="18" charset="0"/>
+              <a:cs typeface="Times New Roman" panose="02020603050405020304" pitchFamily="18" charset="0"/>
+            </a:endParaRPr>
+          </a:p>
+        </p:txBody>
+      </p:sp>
+    </p:spTree>
+    <p:extLst>
+      <p:ext uri="{BB962C8B-B14F-4D97-AF65-F5344CB8AC3E}">
+        <p14:creationId xmlns:p14="http://schemas.microsoft.com/office/powerpoint/2010/main" val="2554733725"/>
+      </p:ext>
+    </p:extLst>
+  </p:cSld>
+  <p:clrMapOvr>
+    <a:masterClrMapping/>
+  </p:clrMapOvr>
+</p:sld>
+</file>
+
+<file path=ppt/slides/slide14.xml><?xml version="1.0" encoding="utf-8"?>
+<p:sld xmlns:a="http://schemas.openxmlformats.org/drawingml/2006/main" xmlns:r="http://schemas.openxmlformats.org/officeDocument/2006/relationships" xmlns:p="http://schemas.openxmlformats.org/presentationml/2006/main">
+  <p:cSld>
+    <p:spTree>
+      <p:nvGrpSpPr>
+        <p:cNvPr id="1" name=""/>
+        <p:cNvGrpSpPr/>
+        <p:nvPr/>
+      </p:nvGrpSpPr>
+      <p:grpSpPr>
+        <a:xfrm>
+          <a:off x="0" y="0"/>
+          <a:ext cx="0" cy="0"/>
+          <a:chOff x="0" y="0"/>
+          <a:chExt cx="0" cy="0"/>
+        </a:xfrm>
+      </p:grpSpPr>
+      <p:sp>
+        <p:nvSpPr>
+          <p:cNvPr id="4" name="橢圓 3"/>
+          <p:cNvSpPr/>
+          <p:nvPr/>
+        </p:nvSpPr>
+        <p:spPr>
+          <a:xfrm>
+            <a:off x="345688" y="877301"/>
+            <a:ext cx="172720" cy="162560"/>
+          </a:xfrm>
+          <a:prstGeom prst="ellipse">
+            <a:avLst/>
+          </a:prstGeom>
+          <a:solidFill>
+            <a:schemeClr val="tx1">
+              <a:lumMod val="65000"/>
+              <a:lumOff val="35000"/>
+            </a:schemeClr>
+          </a:solidFill>
+          <a:ln>
+            <a:noFill/>
+          </a:ln>
+        </p:spPr>
+        <p:style>
+          <a:lnRef idx="2">
+            <a:schemeClr val="accent1">
+              <a:shade val="50000"/>
+            </a:schemeClr>
+          </a:lnRef>
+          <a:fillRef idx="1">
+            <a:schemeClr val="accent1"/>
+          </a:fillRef>
+          <a:effectRef idx="0">
+            <a:schemeClr val="accent1"/>
+          </a:effectRef>
+          <a:fontRef idx="minor">
+            <a:schemeClr val="lt1"/>
+          </a:fontRef>
+        </p:style>
+        <p:txBody>
+          <a:bodyPr rtlCol="0" anchor="ctr"/>
+          <a:lstStyle/>
+          <a:p>
+            <a:pPr algn="ctr"/>
+            <a:endParaRPr lang="zh-TW" altLang="en-US"/>
+          </a:p>
+        </p:txBody>
+      </p:sp>
+      <p:cxnSp>
+        <p:nvCxnSpPr>
+          <p:cNvPr id="5" name="直線接點 4"/>
+          <p:cNvCxnSpPr>
+            <a:stCxn id="4" idx="6"/>
+          </p:cNvCxnSpPr>
+          <p:nvPr/>
+        </p:nvCxnSpPr>
+        <p:spPr>
+          <a:xfrm>
+            <a:off x="518408" y="958581"/>
+            <a:ext cx="6953546" cy="0"/>
+          </a:xfrm>
+          <a:prstGeom prst="line">
+            <a:avLst/>
+          </a:prstGeom>
+          <a:ln w="25400">
+            <a:solidFill>
+              <a:schemeClr val="tx1">
+                <a:lumMod val="65000"/>
+                <a:lumOff val="35000"/>
+              </a:schemeClr>
+            </a:solidFill>
+          </a:ln>
+        </p:spPr>
+        <p:style>
+          <a:lnRef idx="1">
+            <a:schemeClr val="accent1"/>
+          </a:lnRef>
+          <a:fillRef idx="0">
+            <a:schemeClr val="accent1"/>
+          </a:fillRef>
+          <a:effectRef idx="0">
+            <a:schemeClr val="accent1"/>
+          </a:effectRef>
+          <a:fontRef idx="minor">
+            <a:schemeClr val="tx1"/>
+          </a:fontRef>
+        </p:style>
+      </p:cxnSp>
+      <p:sp>
+        <p:nvSpPr>
+          <p:cNvPr id="7" name="矩形 6"/>
+          <p:cNvSpPr/>
+          <p:nvPr/>
+        </p:nvSpPr>
+        <p:spPr>
+          <a:xfrm>
+            <a:off x="432048" y="373806"/>
+            <a:ext cx="10299999" cy="584775"/>
+          </a:xfrm>
+          <a:prstGeom prst="rect">
+            <a:avLst/>
+          </a:prstGeom>
+          <a:noFill/>
+        </p:spPr>
+        <p:txBody>
+          <a:bodyPr wrap="none" lIns="91440" tIns="45720" rIns="91440" bIns="45720">
+            <a:spAutoFit/>
+          </a:bodyPr>
+          <a:lstStyle/>
+          <a:p>
+            <a:pPr algn="ctr"/>
+            <a:r>
+              <a:rPr lang="en-US" altLang="zh-TW" sz="3200" b="1" cap="none" spc="0" dirty="0" smtClean="0">
+                <a:ln w="0"/>
+                <a:solidFill>
+                  <a:schemeClr val="accent1"/>
+                </a:solidFill>
+                <a:effectLst>
+                  <a:outerShdw blurRad="38100" dist="25400" dir="5400000" algn="ctr" rotWithShape="0">
+                    <a:srgbClr val="6E747A">
+                      <a:alpha val="43000"/>
+                    </a:srgbClr>
+                  </a:outerShdw>
+                </a:effectLst>
+                <a:latin typeface="Times New Roman" panose="02020603050405020304" pitchFamily="18" charset="0"/>
+                <a:cs typeface="Times New Roman" panose="02020603050405020304" pitchFamily="18" charset="0"/>
+              </a:rPr>
+              <a:t>(2</a:t>
+            </a:r>
+            <a:r>
+              <a:rPr lang="en-US" altLang="zh-TW" sz="3200" b="1" cap="none" spc="0" dirty="0" smtClean="0">
+                <a:ln w="0"/>
+                <a:solidFill>
+                  <a:schemeClr val="accent1"/>
+                </a:solidFill>
+                <a:effectLst>
+                  <a:outerShdw blurRad="38100" dist="25400" dir="5400000" algn="ctr" rotWithShape="0">
+                    <a:srgbClr val="6E747A">
+                      <a:alpha val="43000"/>
+                    </a:srgbClr>
+                  </a:outerShdw>
+                </a:effectLst>
+                <a:latin typeface="Times New Roman" panose="02020603050405020304" pitchFamily="18" charset="0"/>
+                <a:cs typeface="Times New Roman" panose="02020603050405020304" pitchFamily="18" charset="0"/>
+              </a:rPr>
+              <a:t>)</a:t>
+            </a:r>
+            <a:r>
+              <a:rPr lang="zh-TW" altLang="en-US" sz="3200" b="1" cap="none" spc="0" dirty="0" smtClean="0">
+                <a:ln w="0"/>
+                <a:solidFill>
+                  <a:schemeClr val="accent1"/>
+                </a:solidFill>
+                <a:effectLst>
+                  <a:outerShdw blurRad="38100" dist="25400" dir="5400000" algn="ctr" rotWithShape="0">
+                    <a:srgbClr val="6E747A">
+                      <a:alpha val="43000"/>
+                    </a:srgbClr>
+                  </a:outerShdw>
+                </a:effectLst>
+                <a:latin typeface="Times New Roman" panose="02020603050405020304" pitchFamily="18" charset="0"/>
+                <a:cs typeface="Times New Roman" panose="02020603050405020304" pitchFamily="18" charset="0"/>
+              </a:rPr>
+              <a:t> </a:t>
+            </a:r>
+            <a:r>
+              <a:rPr lang="en-US" altLang="zh-TW" sz="3200" b="1" dirty="0" err="1">
+                <a:ln w="0"/>
+                <a:solidFill>
+                  <a:schemeClr val="accent1"/>
+                </a:solidFill>
+                <a:effectLst>
+                  <a:outerShdw blurRad="38100" dist="25400" dir="5400000" algn="ctr" rotWithShape="0">
+                    <a:srgbClr val="6E747A">
+                      <a:alpha val="43000"/>
+                    </a:srgbClr>
+                  </a:outerShdw>
+                </a:effectLst>
+                <a:latin typeface="Times New Roman" panose="02020603050405020304" pitchFamily="18" charset="0"/>
+                <a:cs typeface="Times New Roman" panose="02020603050405020304" pitchFamily="18" charset="0"/>
+              </a:rPr>
+              <a:t>Blockchain</a:t>
+            </a:r>
+            <a:r>
+              <a:rPr lang="en-US" altLang="zh-TW" sz="3200" b="1" dirty="0">
+                <a:ln w="0"/>
+                <a:solidFill>
+                  <a:schemeClr val="accent1"/>
+                </a:solidFill>
+                <a:effectLst>
+                  <a:outerShdw blurRad="38100" dist="25400" dir="5400000" algn="ctr" rotWithShape="0">
+                    <a:srgbClr val="6E747A">
+                      <a:alpha val="43000"/>
+                    </a:srgbClr>
+                  </a:outerShdw>
+                </a:effectLst>
+                <a:latin typeface="Times New Roman" panose="02020603050405020304" pitchFamily="18" charset="0"/>
+                <a:cs typeface="Times New Roman" panose="02020603050405020304" pitchFamily="18" charset="0"/>
+              </a:rPr>
+              <a:t> Traceability System with </a:t>
+            </a:r>
+            <a:r>
+              <a:rPr lang="en-US" altLang="zh-TW" sz="3200" b="1" dirty="0" err="1" smtClean="0">
+                <a:ln w="0"/>
+                <a:solidFill>
+                  <a:schemeClr val="accent1"/>
+                </a:solidFill>
+                <a:effectLst>
+                  <a:outerShdw blurRad="38100" dist="25400" dir="5400000" algn="ctr" rotWithShape="0">
+                    <a:srgbClr val="6E747A">
+                      <a:alpha val="43000"/>
+                    </a:srgbClr>
+                  </a:outerShdw>
+                </a:effectLst>
+                <a:latin typeface="Times New Roman" panose="02020603050405020304" pitchFamily="18" charset="0"/>
+                <a:cs typeface="Times New Roman" panose="02020603050405020304" pitchFamily="18" charset="0"/>
+              </a:rPr>
+              <a:t>HyperQL</a:t>
+            </a:r>
+            <a:r>
+              <a:rPr lang="en-US" altLang="zh-TW" sz="3200" b="1" dirty="0" smtClean="0">
+                <a:ln w="0"/>
+                <a:solidFill>
+                  <a:schemeClr val="accent1"/>
+                </a:solidFill>
+                <a:effectLst>
+                  <a:outerShdw blurRad="38100" dist="25400" dir="5400000" algn="ctr" rotWithShape="0">
+                    <a:srgbClr val="6E747A">
+                      <a:alpha val="43000"/>
+                    </a:srgbClr>
+                  </a:outerShdw>
+                </a:effectLst>
+                <a:latin typeface="Times New Roman" panose="02020603050405020304" pitchFamily="18" charset="0"/>
+                <a:cs typeface="Times New Roman" panose="02020603050405020304" pitchFamily="18" charset="0"/>
+              </a:rPr>
+              <a:t> (Cont.)</a:t>
+            </a:r>
+            <a:endParaRPr lang="zh-TW" altLang="en-US" sz="3200" b="1" cap="none" spc="0" dirty="0">
+              <a:ln w="0"/>
+              <a:solidFill>
+                <a:schemeClr val="accent1"/>
+              </a:solidFill>
+              <a:effectLst>
+                <a:outerShdw blurRad="38100" dist="25400" dir="5400000" algn="ctr" rotWithShape="0">
+                  <a:srgbClr val="6E747A">
+                    <a:alpha val="43000"/>
+                  </a:srgbClr>
+                </a:outerShdw>
+              </a:effectLst>
+              <a:latin typeface="Times New Roman" panose="02020603050405020304" pitchFamily="18" charset="0"/>
+              <a:cs typeface="Times New Roman" panose="02020603050405020304" pitchFamily="18" charset="0"/>
+            </a:endParaRPr>
+          </a:p>
+        </p:txBody>
+      </p:sp>
+    </p:spTree>
+    <p:extLst>
+      <p:ext uri="{BB962C8B-B14F-4D97-AF65-F5344CB8AC3E}">
+        <p14:creationId xmlns:p14="http://schemas.microsoft.com/office/powerpoint/2010/main" val="4174238635"/>
+      </p:ext>
+    </p:extLst>
+  </p:cSld>
+  <p:clrMapOvr>
+    <a:masterClrMapping/>
+  </p:clrMapOvr>
+</p:sld>
+</file>
+
+<file path=ppt/slides/slide15.xml><?xml version="1.0" encoding="utf-8"?>
+<p:sld xmlns:a="http://schemas.openxmlformats.org/drawingml/2006/main" xmlns:r="http://schemas.openxmlformats.org/officeDocument/2006/relationships" xmlns:p="http://schemas.openxmlformats.org/presentationml/2006/main">
+  <p:cSld>
+    <p:spTree>
+      <p:nvGrpSpPr>
+        <p:cNvPr id="1" name=""/>
+        <p:cNvGrpSpPr/>
+        <p:nvPr/>
+      </p:nvGrpSpPr>
+      <p:grpSpPr>
+        <a:xfrm>
+          <a:off x="0" y="0"/>
+          <a:ext cx="0" cy="0"/>
+          <a:chOff x="0" y="0"/>
+          <a:chExt cx="0" cy="0"/>
+        </a:xfrm>
+      </p:grpSpPr>
+      <p:sp>
+        <p:nvSpPr>
+          <p:cNvPr id="4" name="橢圓 3"/>
+          <p:cNvSpPr/>
+          <p:nvPr/>
+        </p:nvSpPr>
+        <p:spPr>
+          <a:xfrm>
+            <a:off x="345688" y="877301"/>
+            <a:ext cx="172720" cy="162560"/>
+          </a:xfrm>
+          <a:prstGeom prst="ellipse">
+            <a:avLst/>
+          </a:prstGeom>
+          <a:solidFill>
+            <a:schemeClr val="tx1">
+              <a:lumMod val="65000"/>
+              <a:lumOff val="35000"/>
+            </a:schemeClr>
+          </a:solidFill>
+          <a:ln>
+            <a:noFill/>
+          </a:ln>
+        </p:spPr>
+        <p:style>
+          <a:lnRef idx="2">
+            <a:schemeClr val="accent1">
+              <a:shade val="50000"/>
+            </a:schemeClr>
+          </a:lnRef>
+          <a:fillRef idx="1">
+            <a:schemeClr val="accent1"/>
+          </a:fillRef>
+          <a:effectRef idx="0">
+            <a:schemeClr val="accent1"/>
+          </a:effectRef>
+          <a:fontRef idx="minor">
+            <a:schemeClr val="lt1"/>
+          </a:fontRef>
+        </p:style>
+        <p:txBody>
+          <a:bodyPr rtlCol="0" anchor="ctr"/>
+          <a:lstStyle/>
+          <a:p>
+            <a:pPr algn="ctr"/>
+            <a:endParaRPr lang="zh-TW" altLang="en-US"/>
+          </a:p>
+        </p:txBody>
+      </p:sp>
+      <p:cxnSp>
+        <p:nvCxnSpPr>
+          <p:cNvPr id="5" name="直線接點 4"/>
+          <p:cNvCxnSpPr>
+            <a:stCxn id="4" idx="6"/>
+          </p:cNvCxnSpPr>
+          <p:nvPr/>
+        </p:nvCxnSpPr>
+        <p:spPr>
+          <a:xfrm>
+            <a:off x="518408" y="958581"/>
+            <a:ext cx="6953546" cy="0"/>
+          </a:xfrm>
+          <a:prstGeom prst="line">
+            <a:avLst/>
+          </a:prstGeom>
+          <a:ln w="25400">
+            <a:solidFill>
+              <a:schemeClr val="tx1">
+                <a:lumMod val="65000"/>
+                <a:lumOff val="35000"/>
+              </a:schemeClr>
+            </a:solidFill>
+          </a:ln>
+        </p:spPr>
+        <p:style>
+          <a:lnRef idx="1">
+            <a:schemeClr val="accent1"/>
+          </a:lnRef>
+          <a:fillRef idx="0">
+            <a:schemeClr val="accent1"/>
+          </a:fillRef>
+          <a:effectRef idx="0">
+            <a:schemeClr val="accent1"/>
+          </a:effectRef>
+          <a:fontRef idx="minor">
+            <a:schemeClr val="tx1"/>
+          </a:fontRef>
+        </p:style>
+      </p:cxnSp>
+      <p:sp>
+        <p:nvSpPr>
+          <p:cNvPr id="6" name="矩形 5"/>
+          <p:cNvSpPr/>
+          <p:nvPr/>
+        </p:nvSpPr>
+        <p:spPr>
+          <a:xfrm>
+            <a:off x="432048" y="373806"/>
+            <a:ext cx="4866846" cy="584775"/>
+          </a:xfrm>
+          <a:prstGeom prst="rect">
+            <a:avLst/>
+          </a:prstGeom>
+          <a:noFill/>
+        </p:spPr>
+        <p:txBody>
+          <a:bodyPr wrap="none" lIns="91440" tIns="45720" rIns="91440" bIns="45720">
+            <a:spAutoFit/>
+          </a:bodyPr>
+          <a:lstStyle/>
+          <a:p>
+            <a:pPr algn="ctr"/>
+            <a:r>
+              <a:rPr lang="en-US" altLang="zh-TW" sz="3200" b="1" cap="none" spc="0" dirty="0" smtClean="0">
+                <a:ln w="0"/>
+                <a:solidFill>
+                  <a:schemeClr val="accent1"/>
+                </a:solidFill>
+                <a:effectLst>
+                  <a:outerShdw blurRad="38100" dist="25400" dir="5400000" algn="ctr" rotWithShape="0">
+                    <a:srgbClr val="6E747A">
+                      <a:alpha val="43000"/>
+                    </a:srgbClr>
+                  </a:outerShdw>
+                </a:effectLst>
+                <a:latin typeface="Times New Roman" panose="02020603050405020304" pitchFamily="18" charset="0"/>
+                <a:cs typeface="Times New Roman" panose="02020603050405020304" pitchFamily="18" charset="0"/>
+              </a:rPr>
+              <a:t>(3)</a:t>
+            </a:r>
+            <a:r>
+              <a:rPr lang="zh-TW" altLang="en-US" sz="3200" b="1" cap="none" spc="0" dirty="0" smtClean="0">
+                <a:ln w="0"/>
+                <a:solidFill>
+                  <a:schemeClr val="accent1"/>
+                </a:solidFill>
+                <a:effectLst>
+                  <a:outerShdw blurRad="38100" dist="25400" dir="5400000" algn="ctr" rotWithShape="0">
+                    <a:srgbClr val="6E747A">
+                      <a:alpha val="43000"/>
+                    </a:srgbClr>
+                  </a:outerShdw>
+                </a:effectLst>
+                <a:latin typeface="Times New Roman" panose="02020603050405020304" pitchFamily="18" charset="0"/>
+                <a:cs typeface="Times New Roman" panose="02020603050405020304" pitchFamily="18" charset="0"/>
+              </a:rPr>
+              <a:t> </a:t>
+            </a:r>
+            <a:r>
+              <a:rPr lang="en-US" altLang="zh-TW" sz="3200" b="1" dirty="0" smtClean="0">
+                <a:ln w="0"/>
+                <a:solidFill>
+                  <a:schemeClr val="accent1"/>
+                </a:solidFill>
+                <a:effectLst>
+                  <a:outerShdw blurRad="38100" dist="25400" dir="5400000" algn="ctr" rotWithShape="0">
+                    <a:srgbClr val="6E747A">
+                      <a:alpha val="43000"/>
+                    </a:srgbClr>
+                  </a:outerShdw>
+                </a:effectLst>
+                <a:latin typeface="Times New Roman" panose="02020603050405020304" pitchFamily="18" charset="0"/>
+                <a:cs typeface="Times New Roman" panose="02020603050405020304" pitchFamily="18" charset="0"/>
+              </a:rPr>
+              <a:t>Convex Hull Algorithm</a:t>
+            </a:r>
+            <a:endParaRPr lang="zh-TW" altLang="en-US" sz="3200" b="1" cap="none" spc="0" dirty="0">
+              <a:ln w="0"/>
+              <a:solidFill>
+                <a:schemeClr val="accent1"/>
+              </a:solidFill>
+              <a:effectLst>
+                <a:outerShdw blurRad="38100" dist="25400" dir="5400000" algn="ctr" rotWithShape="0">
+                  <a:srgbClr val="6E747A">
+                    <a:alpha val="43000"/>
+                  </a:srgbClr>
+                </a:outerShdw>
+              </a:effectLst>
+              <a:latin typeface="Times New Roman" panose="02020603050405020304" pitchFamily="18" charset="0"/>
+              <a:cs typeface="Times New Roman" panose="02020603050405020304" pitchFamily="18" charset="0"/>
+            </a:endParaRPr>
+          </a:p>
+        </p:txBody>
+      </p:sp>
+      <p:sp>
+        <p:nvSpPr>
+          <p:cNvPr id="8" name="矩形 7"/>
+          <p:cNvSpPr/>
+          <p:nvPr/>
+        </p:nvSpPr>
+        <p:spPr>
+          <a:xfrm>
+            <a:off x="518408" y="1274009"/>
+            <a:ext cx="1522148" cy="439288"/>
+          </a:xfrm>
+          <a:prstGeom prst="rect">
+            <a:avLst/>
+          </a:prstGeom>
+          <a:solidFill>
+            <a:srgbClr val="98C2B2"/>
+          </a:solidFill>
+          <a:ln>
+            <a:noFill/>
+          </a:ln>
+        </p:spPr>
+        <p:style>
+          <a:lnRef idx="2">
+            <a:schemeClr val="accent1">
+              <a:shade val="50000"/>
+            </a:schemeClr>
+          </a:lnRef>
+          <a:fillRef idx="1">
+            <a:schemeClr val="accent1"/>
+          </a:fillRef>
+          <a:effectRef idx="0">
+            <a:schemeClr val="accent1"/>
+          </a:effectRef>
+          <a:fontRef idx="minor">
+            <a:schemeClr val="lt1"/>
+          </a:fontRef>
+        </p:style>
+        <p:txBody>
+          <a:bodyPr rtlCol="0" anchor="ctr"/>
+          <a:lstStyle/>
+          <a:p>
+            <a:pPr algn="ctr"/>
+            <a:r>
+              <a:rPr lang="en-US" altLang="zh-TW" b="1" dirty="0" smtClean="0">
+                <a:latin typeface="Georgia" panose="02040502050405020303" pitchFamily="18" charset="0"/>
+              </a:rPr>
+              <a:t>PURPOSE</a:t>
+            </a:r>
+            <a:endParaRPr lang="zh-TW" altLang="en-US" b="1" dirty="0">
+              <a:latin typeface="Georgia" panose="02040502050405020303" pitchFamily="18" charset="0"/>
+            </a:endParaRPr>
+          </a:p>
+        </p:txBody>
+      </p:sp>
+      <p:sp>
+        <p:nvSpPr>
+          <p:cNvPr id="9" name="文字方塊 8"/>
+          <p:cNvSpPr txBox="1"/>
+          <p:nvPr/>
+        </p:nvSpPr>
+        <p:spPr>
+          <a:xfrm>
+            <a:off x="875898" y="1825668"/>
+            <a:ext cx="4596130" cy="369332"/>
+          </a:xfrm>
+          <a:prstGeom prst="rect">
+            <a:avLst/>
+          </a:prstGeom>
+          <a:noFill/>
+        </p:spPr>
+        <p:txBody>
+          <a:bodyPr wrap="none" rtlCol="0">
+            <a:spAutoFit/>
+          </a:bodyPr>
+          <a:lstStyle/>
+          <a:p>
+            <a:pPr marL="285750" indent="-285750">
+              <a:buFont typeface="Wingdings" panose="05000000000000000000" pitchFamily="2" charset="2"/>
+              <a:buChar char="p"/>
+            </a:pPr>
+            <a:r>
+              <a:rPr lang="en-US" altLang="zh-TW" dirty="0" smtClean="0">
+                <a:latin typeface="Georgia" panose="02040502050405020303" pitchFamily="18" charset="0"/>
+              </a:rPr>
+              <a:t>Learn how to solve convex hull problem.</a:t>
+            </a:r>
+            <a:endParaRPr lang="zh-TW" altLang="en-US" dirty="0">
+              <a:latin typeface="Georgia" panose="02040502050405020303" pitchFamily="18" charset="0"/>
+            </a:endParaRPr>
+          </a:p>
+        </p:txBody>
+      </p:sp>
+      <p:sp>
+        <p:nvSpPr>
+          <p:cNvPr id="10" name="矩形 9"/>
+          <p:cNvSpPr/>
+          <p:nvPr/>
+        </p:nvSpPr>
+        <p:spPr>
+          <a:xfrm>
+            <a:off x="518408" y="2571570"/>
+            <a:ext cx="1522148" cy="439288"/>
+          </a:xfrm>
+          <a:prstGeom prst="rect">
+            <a:avLst/>
+          </a:prstGeom>
+          <a:solidFill>
+            <a:srgbClr val="98C2B2"/>
+          </a:solidFill>
+          <a:ln>
+            <a:noFill/>
+          </a:ln>
+        </p:spPr>
+        <p:style>
+          <a:lnRef idx="2">
+            <a:schemeClr val="accent1">
+              <a:shade val="50000"/>
+            </a:schemeClr>
+          </a:lnRef>
+          <a:fillRef idx="1">
+            <a:schemeClr val="accent1"/>
+          </a:fillRef>
+          <a:effectRef idx="0">
+            <a:schemeClr val="accent1"/>
+          </a:effectRef>
+          <a:fontRef idx="minor">
+            <a:schemeClr val="lt1"/>
+          </a:fontRef>
+        </p:style>
+        <p:txBody>
+          <a:bodyPr rtlCol="0" anchor="ctr"/>
+          <a:lstStyle/>
+          <a:p>
+            <a:pPr algn="ctr"/>
+            <a:r>
+              <a:rPr lang="en-US" altLang="zh-TW" b="1" dirty="0" smtClean="0">
+                <a:latin typeface="Georgia" panose="02040502050405020303" pitchFamily="18" charset="0"/>
+              </a:rPr>
+              <a:t>METHOD</a:t>
+            </a:r>
+            <a:endParaRPr lang="zh-TW" altLang="en-US" b="1" dirty="0">
+              <a:latin typeface="Georgia" panose="02040502050405020303" pitchFamily="18" charset="0"/>
+            </a:endParaRPr>
+          </a:p>
+        </p:txBody>
+      </p:sp>
+      <p:sp>
+        <p:nvSpPr>
+          <p:cNvPr id="11" name="文字方塊 10"/>
+          <p:cNvSpPr txBox="1"/>
+          <p:nvPr/>
+        </p:nvSpPr>
+        <p:spPr>
+          <a:xfrm>
+            <a:off x="875898" y="3187866"/>
+            <a:ext cx="3256020" cy="369332"/>
+          </a:xfrm>
+          <a:prstGeom prst="rect">
+            <a:avLst/>
+          </a:prstGeom>
+          <a:noFill/>
+        </p:spPr>
+        <p:txBody>
+          <a:bodyPr wrap="none" rtlCol="0">
+            <a:spAutoFit/>
+          </a:bodyPr>
+          <a:lstStyle/>
+          <a:p>
+            <a:pPr marL="285750" indent="-285750">
+              <a:buFont typeface="Wingdings" panose="05000000000000000000" pitchFamily="2" charset="2"/>
+              <a:buChar char="p"/>
+            </a:pPr>
+            <a:r>
+              <a:rPr lang="en-US" altLang="zh-TW" dirty="0" smtClean="0">
+                <a:latin typeface="Georgia" panose="02040502050405020303" pitchFamily="18" charset="0"/>
+              </a:rPr>
+              <a:t>Andrew's </a:t>
+            </a:r>
+            <a:r>
+              <a:rPr lang="en-US" altLang="zh-TW" dirty="0">
+                <a:latin typeface="Georgia" panose="02040502050405020303" pitchFamily="18" charset="0"/>
+              </a:rPr>
+              <a:t>Monotone </a:t>
+            </a:r>
+            <a:r>
+              <a:rPr lang="en-US" altLang="zh-TW" dirty="0" smtClean="0">
+                <a:latin typeface="Georgia" panose="02040502050405020303" pitchFamily="18" charset="0"/>
+              </a:rPr>
+              <a:t>Chain.</a:t>
+            </a:r>
+            <a:endParaRPr lang="zh-TW" altLang="en-US" dirty="0">
+              <a:latin typeface="Georgia" panose="02040502050405020303" pitchFamily="18" charset="0"/>
+            </a:endParaRPr>
+          </a:p>
+        </p:txBody>
+      </p:sp>
+    </p:spTree>
+    <p:extLst>
+      <p:ext uri="{BB962C8B-B14F-4D97-AF65-F5344CB8AC3E}">
+        <p14:creationId xmlns:p14="http://schemas.microsoft.com/office/powerpoint/2010/main" val="2514332424"/>
+      </p:ext>
+    </p:extLst>
+  </p:cSld>
+  <p:clrMapOvr>
+    <a:masterClrMapping/>
+  </p:clrMapOvr>
+</p:sld>
+</file>
+
+<file path=ppt/slides/slide16.xml><?xml version="1.0" encoding="utf-8"?>
+<p:sld xmlns:a="http://schemas.openxmlformats.org/drawingml/2006/main" xmlns:r="http://schemas.openxmlformats.org/officeDocument/2006/relationships" xmlns:p="http://schemas.openxmlformats.org/presentationml/2006/main">
+  <p:cSld>
+    <p:spTree>
+      <p:nvGrpSpPr>
+        <p:cNvPr id="1" name=""/>
+        <p:cNvGrpSpPr/>
+        <p:nvPr/>
+      </p:nvGrpSpPr>
+      <p:grpSpPr>
+        <a:xfrm>
+          <a:off x="0" y="0"/>
+          <a:ext cx="0" cy="0"/>
+          <a:chOff x="0" y="0"/>
+          <a:chExt cx="0" cy="0"/>
+        </a:xfrm>
+      </p:grpSpPr>
+      <p:sp>
+        <p:nvSpPr>
+          <p:cNvPr id="4" name="橢圓 3"/>
+          <p:cNvSpPr/>
+          <p:nvPr/>
+        </p:nvSpPr>
+        <p:spPr>
+          <a:xfrm>
+            <a:off x="345688" y="877301"/>
+            <a:ext cx="172720" cy="162560"/>
+          </a:xfrm>
+          <a:prstGeom prst="ellipse">
+            <a:avLst/>
+          </a:prstGeom>
+          <a:solidFill>
+            <a:schemeClr val="tx1">
+              <a:lumMod val="65000"/>
+              <a:lumOff val="35000"/>
+            </a:schemeClr>
+          </a:solidFill>
+          <a:ln>
+            <a:noFill/>
+          </a:ln>
+        </p:spPr>
+        <p:style>
+          <a:lnRef idx="2">
+            <a:schemeClr val="accent1">
+              <a:shade val="50000"/>
+            </a:schemeClr>
+          </a:lnRef>
+          <a:fillRef idx="1">
+            <a:schemeClr val="accent1"/>
+          </a:fillRef>
+          <a:effectRef idx="0">
+            <a:schemeClr val="accent1"/>
+          </a:effectRef>
+          <a:fontRef idx="minor">
+            <a:schemeClr val="lt1"/>
+          </a:fontRef>
+        </p:style>
+        <p:txBody>
+          <a:bodyPr rtlCol="0" anchor="ctr"/>
+          <a:lstStyle/>
+          <a:p>
+            <a:pPr algn="ctr"/>
+            <a:endParaRPr lang="zh-TW" altLang="en-US"/>
+          </a:p>
+        </p:txBody>
+      </p:sp>
+      <p:cxnSp>
+        <p:nvCxnSpPr>
+          <p:cNvPr id="5" name="直線接點 4"/>
+          <p:cNvCxnSpPr>
+            <a:stCxn id="4" idx="6"/>
+          </p:cNvCxnSpPr>
+          <p:nvPr/>
+        </p:nvCxnSpPr>
+        <p:spPr>
+          <a:xfrm>
+            <a:off x="518408" y="958581"/>
+            <a:ext cx="6953546" cy="0"/>
+          </a:xfrm>
+          <a:prstGeom prst="line">
+            <a:avLst/>
+          </a:prstGeom>
+          <a:ln w="25400">
+            <a:solidFill>
+              <a:schemeClr val="tx1">
+                <a:lumMod val="65000"/>
+                <a:lumOff val="35000"/>
+              </a:schemeClr>
+            </a:solidFill>
+          </a:ln>
+        </p:spPr>
+        <p:style>
+          <a:lnRef idx="1">
+            <a:schemeClr val="accent1"/>
+          </a:lnRef>
+          <a:fillRef idx="0">
+            <a:schemeClr val="accent1"/>
+          </a:fillRef>
+          <a:effectRef idx="0">
+            <a:schemeClr val="accent1"/>
+          </a:effectRef>
+          <a:fontRef idx="minor">
+            <a:schemeClr val="tx1"/>
+          </a:fontRef>
+        </p:style>
+      </p:cxnSp>
+      <p:sp>
+        <p:nvSpPr>
+          <p:cNvPr id="6" name="矩形 5"/>
+          <p:cNvSpPr/>
+          <p:nvPr/>
+        </p:nvSpPr>
+        <p:spPr>
+          <a:xfrm>
+            <a:off x="432048" y="373806"/>
+            <a:ext cx="6210162" cy="584775"/>
+          </a:xfrm>
+          <a:prstGeom prst="rect">
+            <a:avLst/>
+          </a:prstGeom>
+          <a:noFill/>
+        </p:spPr>
+        <p:txBody>
+          <a:bodyPr wrap="none" lIns="91440" tIns="45720" rIns="91440" bIns="45720">
+            <a:spAutoFit/>
+          </a:bodyPr>
+          <a:lstStyle/>
+          <a:p>
+            <a:pPr algn="ctr"/>
+            <a:r>
+              <a:rPr lang="en-US" altLang="zh-TW" sz="3200" b="1" cap="none" spc="0" dirty="0" smtClean="0">
+                <a:ln w="0"/>
+                <a:solidFill>
+                  <a:schemeClr val="accent1"/>
+                </a:solidFill>
+                <a:effectLst>
+                  <a:outerShdw blurRad="38100" dist="25400" dir="5400000" algn="ctr" rotWithShape="0">
+                    <a:srgbClr val="6E747A">
+                      <a:alpha val="43000"/>
+                    </a:srgbClr>
+                  </a:outerShdw>
+                </a:effectLst>
+                <a:latin typeface="Times New Roman" panose="02020603050405020304" pitchFamily="18" charset="0"/>
+                <a:cs typeface="Times New Roman" panose="02020603050405020304" pitchFamily="18" charset="0"/>
+              </a:rPr>
+              <a:t>(3)</a:t>
+            </a:r>
+            <a:r>
+              <a:rPr lang="zh-TW" altLang="en-US" sz="3200" b="1" cap="none" spc="0" dirty="0" smtClean="0">
+                <a:ln w="0"/>
+                <a:solidFill>
+                  <a:schemeClr val="accent1"/>
+                </a:solidFill>
+                <a:effectLst>
+                  <a:outerShdw blurRad="38100" dist="25400" dir="5400000" algn="ctr" rotWithShape="0">
+                    <a:srgbClr val="6E747A">
+                      <a:alpha val="43000"/>
+                    </a:srgbClr>
+                  </a:outerShdw>
+                </a:effectLst>
+                <a:latin typeface="Times New Roman" panose="02020603050405020304" pitchFamily="18" charset="0"/>
+                <a:cs typeface="Times New Roman" panose="02020603050405020304" pitchFamily="18" charset="0"/>
+              </a:rPr>
+              <a:t> </a:t>
+            </a:r>
+            <a:r>
+              <a:rPr lang="en-US" altLang="zh-TW" sz="3200" b="1" dirty="0" smtClean="0">
+                <a:ln w="0"/>
+                <a:solidFill>
+                  <a:schemeClr val="accent1"/>
+                </a:solidFill>
+                <a:effectLst>
+                  <a:outerShdw blurRad="38100" dist="25400" dir="5400000" algn="ctr" rotWithShape="0">
+                    <a:srgbClr val="6E747A">
+                      <a:alpha val="43000"/>
+                    </a:srgbClr>
+                  </a:outerShdw>
+                </a:effectLst>
+                <a:latin typeface="Times New Roman" panose="02020603050405020304" pitchFamily="18" charset="0"/>
+                <a:cs typeface="Times New Roman" panose="02020603050405020304" pitchFamily="18" charset="0"/>
+              </a:rPr>
+              <a:t>Convex Hull Algorithm (Cont.)</a:t>
+            </a:r>
+            <a:endParaRPr lang="zh-TW" altLang="en-US" sz="3200" b="1" cap="none" spc="0" dirty="0">
+              <a:ln w="0"/>
+              <a:solidFill>
+                <a:schemeClr val="accent1"/>
+              </a:solidFill>
+              <a:effectLst>
+                <a:outerShdw blurRad="38100" dist="25400" dir="5400000" algn="ctr" rotWithShape="0">
+                  <a:srgbClr val="6E747A">
+                    <a:alpha val="43000"/>
+                  </a:srgbClr>
+                </a:outerShdw>
+              </a:effectLst>
+              <a:latin typeface="Times New Roman" panose="02020603050405020304" pitchFamily="18" charset="0"/>
+              <a:cs typeface="Times New Roman" panose="02020603050405020304" pitchFamily="18" charset="0"/>
+            </a:endParaRPr>
+          </a:p>
+        </p:txBody>
+      </p:sp>
+    </p:spTree>
+    <p:extLst>
+      <p:ext uri="{BB962C8B-B14F-4D97-AF65-F5344CB8AC3E}">
+        <p14:creationId xmlns:p14="http://schemas.microsoft.com/office/powerpoint/2010/main" val="3174809777"/>
+      </p:ext>
+    </p:extLst>
+  </p:cSld>
+  <p:clrMapOvr>
+    <a:masterClrMapping/>
+  </p:clrMapOvr>
+</p:sld>
+</file>
+
+<file path=ppt/slides/slide17.xml><?xml version="1.0" encoding="utf-8"?>
+<p:sld xmlns:a="http://schemas.openxmlformats.org/drawingml/2006/main" xmlns:r="http://schemas.openxmlformats.org/officeDocument/2006/relationships" xmlns:p="http://schemas.openxmlformats.org/presentationml/2006/main">
+  <p:cSld>
+    <p:spTree>
+      <p:nvGrpSpPr>
+        <p:cNvPr id="1" name=""/>
+        <p:cNvGrpSpPr/>
+        <p:nvPr/>
+      </p:nvGrpSpPr>
+      <p:grpSpPr>
+        <a:xfrm>
+          <a:off x="0" y="0"/>
+          <a:ext cx="0" cy="0"/>
+          <a:chOff x="0" y="0"/>
+          <a:chExt cx="0" cy="0"/>
+        </a:xfrm>
+      </p:grpSpPr>
+      <p:sp>
+        <p:nvSpPr>
+          <p:cNvPr id="4" name="橢圓 3"/>
+          <p:cNvSpPr/>
+          <p:nvPr/>
+        </p:nvSpPr>
+        <p:spPr>
+          <a:xfrm>
+            <a:off x="345688" y="877301"/>
+            <a:ext cx="172720" cy="162560"/>
+          </a:xfrm>
+          <a:prstGeom prst="ellipse">
+            <a:avLst/>
+          </a:prstGeom>
+          <a:solidFill>
+            <a:schemeClr val="tx1">
+              <a:lumMod val="65000"/>
+              <a:lumOff val="35000"/>
+            </a:schemeClr>
+          </a:solidFill>
+          <a:ln>
+            <a:noFill/>
+          </a:ln>
+        </p:spPr>
+        <p:style>
+          <a:lnRef idx="2">
+            <a:schemeClr val="accent1">
+              <a:shade val="50000"/>
+            </a:schemeClr>
+          </a:lnRef>
+          <a:fillRef idx="1">
+            <a:schemeClr val="accent1"/>
+          </a:fillRef>
+          <a:effectRef idx="0">
+            <a:schemeClr val="accent1"/>
+          </a:effectRef>
+          <a:fontRef idx="minor">
+            <a:schemeClr val="lt1"/>
+          </a:fontRef>
+        </p:style>
+        <p:txBody>
+          <a:bodyPr rtlCol="0" anchor="ctr"/>
+          <a:lstStyle/>
+          <a:p>
+            <a:pPr algn="ctr"/>
+            <a:endParaRPr lang="zh-TW" altLang="en-US"/>
+          </a:p>
+        </p:txBody>
+      </p:sp>
+      <p:cxnSp>
+        <p:nvCxnSpPr>
+          <p:cNvPr id="5" name="直線接點 4"/>
+          <p:cNvCxnSpPr>
+            <a:stCxn id="4" idx="6"/>
+          </p:cNvCxnSpPr>
+          <p:nvPr/>
+        </p:nvCxnSpPr>
+        <p:spPr>
+          <a:xfrm>
+            <a:off x="518408" y="958581"/>
+            <a:ext cx="6953546" cy="0"/>
+          </a:xfrm>
+          <a:prstGeom prst="line">
+            <a:avLst/>
+          </a:prstGeom>
+          <a:ln w="25400">
+            <a:solidFill>
+              <a:schemeClr val="tx1">
+                <a:lumMod val="65000"/>
+                <a:lumOff val="35000"/>
+              </a:schemeClr>
+            </a:solidFill>
+          </a:ln>
+        </p:spPr>
+        <p:style>
+          <a:lnRef idx="1">
+            <a:schemeClr val="accent1"/>
+          </a:lnRef>
+          <a:fillRef idx="0">
+            <a:schemeClr val="accent1"/>
+          </a:fillRef>
+          <a:effectRef idx="0">
+            <a:schemeClr val="accent1"/>
+          </a:effectRef>
+          <a:fontRef idx="minor">
+            <a:schemeClr val="tx1"/>
+          </a:fontRef>
+        </p:style>
+      </p:cxnSp>
+      <p:sp>
+        <p:nvSpPr>
+          <p:cNvPr id="6" name="矩形 5"/>
+          <p:cNvSpPr/>
+          <p:nvPr/>
+        </p:nvSpPr>
+        <p:spPr>
+          <a:xfrm>
+            <a:off x="432048" y="373806"/>
+            <a:ext cx="6210162" cy="584775"/>
+          </a:xfrm>
+          <a:prstGeom prst="rect">
+            <a:avLst/>
+          </a:prstGeom>
+          <a:noFill/>
+        </p:spPr>
+        <p:txBody>
+          <a:bodyPr wrap="none" lIns="91440" tIns="45720" rIns="91440" bIns="45720">
+            <a:spAutoFit/>
+          </a:bodyPr>
+          <a:lstStyle/>
+          <a:p>
+            <a:pPr algn="ctr"/>
+            <a:r>
+              <a:rPr lang="en-US" altLang="zh-TW" sz="3200" b="1" cap="none" spc="0" dirty="0" smtClean="0">
+                <a:ln w="0"/>
+                <a:solidFill>
+                  <a:schemeClr val="accent1"/>
+                </a:solidFill>
+                <a:effectLst>
+                  <a:outerShdw blurRad="38100" dist="25400" dir="5400000" algn="ctr" rotWithShape="0">
+                    <a:srgbClr val="6E747A">
+                      <a:alpha val="43000"/>
+                    </a:srgbClr>
+                  </a:outerShdw>
+                </a:effectLst>
+                <a:latin typeface="Times New Roman" panose="02020603050405020304" pitchFamily="18" charset="0"/>
+                <a:cs typeface="Times New Roman" panose="02020603050405020304" pitchFamily="18" charset="0"/>
+              </a:rPr>
+              <a:t>(3)</a:t>
+            </a:r>
+            <a:r>
+              <a:rPr lang="zh-TW" altLang="en-US" sz="3200" b="1" cap="none" spc="0" dirty="0" smtClean="0">
+                <a:ln w="0"/>
+                <a:solidFill>
+                  <a:schemeClr val="accent1"/>
+                </a:solidFill>
+                <a:effectLst>
+                  <a:outerShdw blurRad="38100" dist="25400" dir="5400000" algn="ctr" rotWithShape="0">
+                    <a:srgbClr val="6E747A">
+                      <a:alpha val="43000"/>
+                    </a:srgbClr>
+                  </a:outerShdw>
+                </a:effectLst>
+                <a:latin typeface="Times New Roman" panose="02020603050405020304" pitchFamily="18" charset="0"/>
+                <a:cs typeface="Times New Roman" panose="02020603050405020304" pitchFamily="18" charset="0"/>
+              </a:rPr>
+              <a:t> </a:t>
+            </a:r>
+            <a:r>
+              <a:rPr lang="en-US" altLang="zh-TW" sz="3200" b="1" dirty="0" smtClean="0">
+                <a:ln w="0"/>
+                <a:solidFill>
+                  <a:schemeClr val="accent1"/>
+                </a:solidFill>
+                <a:effectLst>
+                  <a:outerShdw blurRad="38100" dist="25400" dir="5400000" algn="ctr" rotWithShape="0">
+                    <a:srgbClr val="6E747A">
+                      <a:alpha val="43000"/>
+                    </a:srgbClr>
+                  </a:outerShdw>
+                </a:effectLst>
+                <a:latin typeface="Times New Roman" panose="02020603050405020304" pitchFamily="18" charset="0"/>
+                <a:cs typeface="Times New Roman" panose="02020603050405020304" pitchFamily="18" charset="0"/>
+              </a:rPr>
+              <a:t>Convex Hull Algorithm (Cont.)</a:t>
+            </a:r>
+            <a:endParaRPr lang="zh-TW" altLang="en-US" sz="3200" b="1" cap="none" spc="0" dirty="0">
+              <a:ln w="0"/>
+              <a:solidFill>
+                <a:schemeClr val="accent1"/>
+              </a:solidFill>
+              <a:effectLst>
+                <a:outerShdw blurRad="38100" dist="25400" dir="5400000" algn="ctr" rotWithShape="0">
+                  <a:srgbClr val="6E747A">
+                    <a:alpha val="43000"/>
+                  </a:srgbClr>
+                </a:outerShdw>
+              </a:effectLst>
+              <a:latin typeface="Times New Roman" panose="02020603050405020304" pitchFamily="18" charset="0"/>
+              <a:cs typeface="Times New Roman" panose="02020603050405020304" pitchFamily="18" charset="0"/>
+            </a:endParaRPr>
+          </a:p>
+        </p:txBody>
+      </p:sp>
+    </p:spTree>
+    <p:extLst>
+      <p:ext uri="{BB962C8B-B14F-4D97-AF65-F5344CB8AC3E}">
+        <p14:creationId xmlns:p14="http://schemas.microsoft.com/office/powerpoint/2010/main" val="401343580"/>
+      </p:ext>
+    </p:extLst>
+  </p:cSld>
+  <p:clrMapOvr>
+    <a:masterClrMapping/>
+  </p:clrMapOvr>
+</p:sld>
+</file>
+
+<file path=ppt/slides/slide18.xml><?xml version="1.0" encoding="utf-8"?>
+<p:sld xmlns:a="http://schemas.openxmlformats.org/drawingml/2006/main" xmlns:r="http://schemas.openxmlformats.org/officeDocument/2006/relationships" xmlns:p="http://schemas.openxmlformats.org/presentationml/2006/main">
+  <p:cSld>
+    <p:spTree>
+      <p:nvGrpSpPr>
+        <p:cNvPr id="1" name=""/>
+        <p:cNvGrpSpPr/>
+        <p:nvPr/>
+      </p:nvGrpSpPr>
+      <p:grpSpPr>
+        <a:xfrm>
+          <a:off x="0" y="0"/>
+          <a:ext cx="0" cy="0"/>
+          <a:chOff x="0" y="0"/>
+          <a:chExt cx="0" cy="0"/>
+        </a:xfrm>
+      </p:grpSpPr>
+      <p:sp>
+        <p:nvSpPr>
+          <p:cNvPr id="4" name="標題 1"/>
+          <p:cNvSpPr txBox="1">
+            <a:spLocks/>
+          </p:cNvSpPr>
+          <p:nvPr/>
+        </p:nvSpPr>
+        <p:spPr>
+          <a:xfrm>
+            <a:off x="1449714" y="2994832"/>
+            <a:ext cx="9144545" cy="773185"/>
+          </a:xfrm>
+          <a:prstGeom prst="rect">
+            <a:avLst/>
+          </a:prstGeom>
+        </p:spPr>
+        <p:txBody>
+          <a:bodyPr vert="horz" lIns="91440" tIns="45720" rIns="91440" bIns="45720" rtlCol="0" anchor="ctr">
+            <a:noAutofit/>
+          </a:bodyPr>
+          <a:lstStyle>
+            <a:lvl1pPr algn="l" defTabSz="914400" rtl="0" eaLnBrk="1" latinLnBrk="0" hangingPunct="1">
+              <a:lnSpc>
+                <a:spcPct val="90000"/>
+              </a:lnSpc>
+              <a:spcBef>
+                <a:spcPct val="0"/>
+              </a:spcBef>
+              <a:buNone/>
+              <a:defRPr sz="4400" kern="1200">
+                <a:solidFill>
+                  <a:schemeClr val="tx1"/>
+                </a:solidFill>
+                <a:latin typeface="+mj-lt"/>
+                <a:ea typeface="+mj-ea"/>
+                <a:cs typeface="+mj-cs"/>
+              </a:defRPr>
+            </a:lvl1pPr>
+          </a:lstStyle>
+          <a:p>
+            <a:pPr algn="ctr"/>
+            <a:r>
+              <a:rPr lang="en-US" altLang="zh-TW" sz="2800" b="1" dirty="0" smtClean="0">
+                <a:latin typeface="Times New Roman" panose="02020603050405020304" pitchFamily="18" charset="0"/>
+                <a:cs typeface="Times New Roman" panose="02020603050405020304" pitchFamily="18" charset="0"/>
+              </a:rPr>
+              <a:t>Thank you for your time</a:t>
+            </a:r>
+            <a:endParaRPr lang="zh-TW" altLang="en-US" sz="2800" b="1" dirty="0">
+              <a:latin typeface="Times New Roman" panose="02020603050405020304" pitchFamily="18" charset="0"/>
+              <a:cs typeface="Times New Roman" panose="02020603050405020304" pitchFamily="18" charset="0"/>
+            </a:endParaRPr>
+          </a:p>
+        </p:txBody>
+      </p:sp>
+    </p:spTree>
+    <p:extLst>
+      <p:ext uri="{BB962C8B-B14F-4D97-AF65-F5344CB8AC3E}">
+        <p14:creationId xmlns:p14="http://schemas.microsoft.com/office/powerpoint/2010/main" val="3758837929"/>
+      </p:ext>
+    </p:extLst>
+  </p:cSld>
+  <p:clrMapOvr>
+    <a:masterClrMapping/>
+  </p:clrMapOvr>
+  <p:timing>
+    <p:tnLst>
+      <p:par>
+        <p:cTn id="1" dur="indefinite" restart="never" nodeType="tmRoot"/>
+      </p:par>
+    </p:tnLst>
+  </p:timing>
 </p:sld>
 </file>
 
@@ -3516,7 +6046,7 @@
           </a:lstStyle>
           <a:p>
             <a:r>
-              <a:rPr lang="en-US" altLang="zh-TW" sz="2000" dirty="0">
+              <a:rPr lang="en-US" altLang="zh-TW" sz="2000" b="1" dirty="0">
                 <a:latin typeface="Times New Roman" panose="02020603050405020304" pitchFamily="18" charset="0"/>
                 <a:cs typeface="Times New Roman" panose="02020603050405020304" pitchFamily="18" charset="0"/>
               </a:rPr>
@@ -3552,11 +6082,18 @@
           </a:p>
           <a:p>
             <a:r>
+              <a:rPr lang="en-US" altLang="zh-TW" sz="2000" b="1" dirty="0">
+                <a:latin typeface="Times New Roman" panose="02020603050405020304" pitchFamily="18" charset="0"/>
+                <a:cs typeface="Times New Roman" panose="02020603050405020304" pitchFamily="18" charset="0"/>
+              </a:rPr>
+              <a:t>Position : </a:t>
+            </a:r>
+            <a:r>
               <a:rPr lang="en-US" altLang="zh-TW" sz="2000" dirty="0">
                 <a:latin typeface="Times New Roman" panose="02020603050405020304" pitchFamily="18" charset="0"/>
                 <a:cs typeface="Times New Roman" panose="02020603050405020304" pitchFamily="18" charset="0"/>
               </a:rPr>
-              <a:t>Position : Algorithm </a:t>
+              <a:t>Algorithm </a:t>
             </a:r>
             <a:r>
               <a:rPr lang="en-US" altLang="zh-TW" sz="2000" dirty="0" smtClean="0">
@@ -3565,14 +6102,35 @@
               </a:rPr>
               <a:t>Developer</a:t>
             </a:r>
-          </a:p>
-          <a:p>
+            <a:r>
+              <a:rPr lang="zh-TW" altLang="en-US" sz="2000" dirty="0" smtClean="0">
+                <a:latin typeface="Times New Roman" panose="02020603050405020304" pitchFamily="18" charset="0"/>
+                <a:cs typeface="Times New Roman" panose="02020603050405020304" pitchFamily="18" charset="0"/>
+              </a:rPr>
+              <a:t> </a:t>
+            </a:r>
             <a:r>
               <a:rPr lang="en-US" altLang="zh-TW" sz="2000" dirty="0" smtClean="0">
                 <a:latin typeface="Times New Roman" panose="02020603050405020304" pitchFamily="18" charset="0"/>
                 <a:cs typeface="Times New Roman" panose="02020603050405020304" pitchFamily="18" charset="0"/>
               </a:rPr>
-              <a:t>Date : March 25, 2020</a:t>
+              <a:t>(Intern)</a:t>
+            </a:r>
+          </a:p>
+          <a:p>
+            <a:r>
+              <a:rPr lang="en-US" altLang="zh-TW" sz="2000" b="1" dirty="0" smtClean="0">
+                <a:latin typeface="Times New Roman" panose="02020603050405020304" pitchFamily="18" charset="0"/>
+                <a:cs typeface="Times New Roman" panose="02020603050405020304" pitchFamily="18" charset="0"/>
+              </a:rPr>
+              <a:t>Date : </a:t>
+            </a:r>
+            <a:r>
+              <a:rPr lang="en-US" altLang="zh-TW" sz="2000" dirty="0" smtClean="0">
+                <a:latin typeface="Times New Roman" panose="02020603050405020304" pitchFamily="18" charset="0"/>
+                <a:cs typeface="Times New Roman" panose="02020603050405020304" pitchFamily="18" charset="0"/>
+              </a:rPr>
+              <a:t>March 25, 2020</a:t>
             </a:r>
           </a:p>
         </p:txBody>
@@ -3587,6 +6145,13 @@
   <p:clrMapOvr>
     <a:masterClrMapping/>
   </p:clrMapOvr>
+  <p:timing>
+    <p:tnLst>
+      <p:par>
+        <p:cTn id="1" dur="indefinite" restart="never" nodeType="tmRoot"/>
+      </p:par>
+    </p:tnLst>
+  </p:timing>
 </p:sld>
 </file>
 
@@ -3738,6 +6303,13 @@
   <p:clrMapOvr>
     <a:masterClrMapping/>
   </p:clrMapOvr>
+  <p:timing>
+    <p:tnLst>
+      <p:par>
+        <p:cTn id="1" dur="indefinite" restart="never" nodeType="tmRoot"/>
+      </p:par>
+    </p:tnLst>
+  </p:timing>
 </p:sld>
 </file>
 
@@ -3915,14 +6487,14 @@
           <p:nvPr>
             <p:extLst>
               <p:ext uri="{D42A27DB-BD31-4B8C-83A1-F6EECF244321}">
-                <p14:modId xmlns:p14="http://schemas.microsoft.com/office/powerpoint/2010/main" val="216054267"/>
+                <p14:modId xmlns:p14="http://schemas.microsoft.com/office/powerpoint/2010/main" val="4061589014"/>
               </p:ext>
             </p:extLst>
           </p:nvPr>
         </p:nvGraphicFramePr>
         <p:xfrm>
-          <a:off x="711610" y="1884290"/>
-          <a:ext cx="8324490" cy="579120"/>
+          <a:off x="711609" y="1884290"/>
+          <a:ext cx="9385291" cy="640080"/>
         </p:xfrm>
         <a:graphic>
           <a:graphicData uri="http://schemas.openxmlformats.org/drawingml/2006/table">
@@ -3931,21 +6503,21 @@
                 <a:tableStyleId>{5C22544A-7EE6-4342-B048-85BDC9FD1C3A}</a:tableStyleId>
               </a:tblPr>
               <a:tblGrid>
-                <a:gridCol w="402257">
+                <a:gridCol w="453517">
                   <a:extLst>
                     <a:ext uri="{9D8B030D-6E8A-4147-A177-3AD203B41FA5}">
                       <a16:colId xmlns:a16="http://schemas.microsoft.com/office/drawing/2014/main" val="1407436018"/>
                     </a:ext>
                   </a:extLst>
                 </a:gridCol>
-                <a:gridCol w="5508511">
+                <a:gridCol w="6210468">
                   <a:extLst>
                     <a:ext uri="{9D8B030D-6E8A-4147-A177-3AD203B41FA5}">
                       <a16:colId xmlns:a16="http://schemas.microsoft.com/office/drawing/2014/main" val="129994254"/>
                     </a:ext>
                   </a:extLst>
                 </a:gridCol>
-                <a:gridCol w="2413722">
+                <a:gridCol w="2721306">
                   <a:extLst>
                     <a:ext uri="{9D8B030D-6E8A-4147-A177-3AD203B41FA5}">
                       <a16:colId xmlns:a16="http://schemas.microsoft.com/office/drawing/2014/main" val="361543388"/>
@@ -3967,10 +6539,14 @@
                         <a:buChar char="p"/>
                       </a:pPr>
                       <a:r>
-                        <a:rPr lang="en-US" altLang="zh-TW" sz="1400" dirty="0" smtClean="0"/>
+                        <a:rPr lang="en-US" altLang="zh-TW" sz="1800" dirty="0" smtClean="0">
+                          <a:latin typeface="Georgia" panose="02040502050405020303" pitchFamily="18" charset="0"/>
+                        </a:rPr>
                         <a:t> </a:t>
                       </a:r>
-                      <a:endParaRPr lang="zh-TW" altLang="en-US" sz="1400" dirty="0"/>
+                      <a:endParaRPr lang="zh-TW" altLang="en-US" sz="1800" dirty="0">
+                        <a:latin typeface="Georgia" panose="02040502050405020303" pitchFamily="18" charset="0"/>
+                      </a:endParaRPr>
                     </a:p>
                   </a:txBody>
                   <a:tcPr anchor="ctr">
@@ -4008,26 +6584,26 @@
                         </a:lnSpc>
                       </a:pPr>
                       <a:r>
-                        <a:rPr lang="en-US" altLang="zh-TW" sz="1600" b="1" dirty="0" smtClean="0">
+                        <a:rPr lang="en-US" altLang="zh-TW" sz="1800" b="1" dirty="0" smtClean="0">
                           <a:latin typeface="Georgia" panose="02040502050405020303" pitchFamily="18" charset="0"/>
                         </a:rPr>
                         <a:t>National</a:t>
                       </a:r>
                       <a:r>
-                        <a:rPr lang="en-US" altLang="zh-TW" sz="1600" b="1" baseline="0" dirty="0" smtClean="0">
+                        <a:rPr lang="en-US" altLang="zh-TW" sz="1800" b="1" baseline="0" dirty="0" smtClean="0">
                           <a:latin typeface="Georgia" panose="02040502050405020303" pitchFamily="18" charset="0"/>
                         </a:rPr>
                         <a:t> Tsing Hua University (</a:t>
                       </a:r>
                       <a:r>
-                        <a:rPr lang="en-US" altLang="zh-TW" sz="1600" b="1" baseline="0" dirty="0" smtClean="0">
-                          <a:latin typeface="Times New Roman" panose="02020603050405020304" pitchFamily="18" charset="0"/>
+                        <a:rPr lang="en-US" altLang="zh-TW" sz="1800" b="1" baseline="0" dirty="0" smtClean="0">
+                          <a:latin typeface="Georgia" panose="02040502050405020303" pitchFamily="18" charset="0"/>
                           <a:cs typeface="Times New Roman" panose="02020603050405020304" pitchFamily="18" charset="0"/>
                         </a:rPr>
                         <a:t>GPA 4.08</a:t>
                       </a:r>
                       <a:r>
-                        <a:rPr lang="en-US" altLang="zh-TW" sz="1600" b="1" baseline="0" dirty="0" smtClean="0">
+                        <a:rPr lang="en-US" altLang="zh-TW" sz="1800" b="1" baseline="0" dirty="0" smtClean="0">
                           <a:latin typeface="Georgia" panose="02040502050405020303" pitchFamily="18" charset="0"/>
                         </a:rPr>
                         <a:t>)</a:t>
@@ -4040,12 +6616,12 @@
                         </a:lnSpc>
                       </a:pPr>
                       <a:r>
-                        <a:rPr lang="en-US" altLang="zh-TW" sz="1600" baseline="0" dirty="0" smtClean="0">
+                        <a:rPr lang="en-US" altLang="zh-TW" sz="1800" baseline="0" dirty="0" smtClean="0">
                           <a:latin typeface="Georgia" panose="02040502050405020303" pitchFamily="18" charset="0"/>
                         </a:rPr>
                         <a:t>Institute of Communications Engineering (MS)</a:t>
                       </a:r>
-                      <a:endParaRPr lang="zh-TW" altLang="en-US" sz="1600" dirty="0">
+                      <a:endParaRPr lang="zh-TW" altLang="en-US" sz="1800" dirty="0">
                         <a:latin typeface="Georgia" panose="02040502050405020303" pitchFamily="18" charset="0"/>
                       </a:endParaRPr>
                     </a:p>
@@ -4085,11 +6661,15 @@
                         </a:lnSpc>
                       </a:pPr>
                       <a:r>
-                        <a:rPr lang="en-US" altLang="zh-TW" sz="1600" dirty="0" smtClean="0"/>
+                        <a:rPr lang="en-US" altLang="zh-TW" sz="1800" dirty="0" smtClean="0">
+                          <a:latin typeface="Georgia" panose="02040502050405020303" pitchFamily="18" charset="0"/>
+                        </a:rPr>
                         <a:t>Hsinchu,</a:t>
                       </a:r>
                       <a:r>
-                        <a:rPr lang="en-US" altLang="zh-TW" sz="1600" baseline="0" dirty="0" smtClean="0"/>
+                        <a:rPr lang="en-US" altLang="zh-TW" sz="1800" baseline="0" dirty="0" smtClean="0">
+                          <a:latin typeface="Georgia" panose="02040502050405020303" pitchFamily="18" charset="0"/>
+                        </a:rPr>
                         <a:t> Taiwan</a:t>
                       </a:r>
                     </a:p>
@@ -4100,10 +6680,14 @@
                         </a:lnSpc>
                       </a:pPr>
                       <a:r>
-                        <a:rPr lang="en-US" altLang="zh-TW" sz="1600" baseline="0" dirty="0" smtClean="0"/>
+                        <a:rPr lang="en-US" altLang="zh-TW" sz="1800" baseline="0" dirty="0" smtClean="0">
+                          <a:latin typeface="Georgia" panose="02040502050405020303" pitchFamily="18" charset="0"/>
+                        </a:rPr>
                         <a:t>Sep. 2019 – Present</a:t>
                       </a:r>
-                      <a:endParaRPr lang="zh-TW" altLang="en-US" sz="1600" dirty="0"/>
+                      <a:endParaRPr lang="zh-TW" altLang="en-US" sz="1800" dirty="0">
+                        <a:latin typeface="Georgia" panose="02040502050405020303" pitchFamily="18" charset="0"/>
+                      </a:endParaRPr>
                     </a:p>
                   </a:txBody>
                   <a:tcPr anchor="ctr">
@@ -4257,7 +6841,7 @@
         <p:spPr>
           <a:xfrm>
             <a:off x="711610" y="4438290"/>
-            <a:ext cx="6147041" cy="1181157"/>
+            <a:ext cx="6651716" cy="1364476"/>
           </a:xfrm>
           <a:prstGeom prst="rect">
             <a:avLst/>
@@ -4280,19 +6864,19 @@
               <a:buAutoNum type="arabicPeriod"/>
             </a:pPr>
             <a:r>
-              <a:rPr lang="en-US" altLang="zh-TW" sz="1600" b="1" dirty="0" smtClean="0">
+              <a:rPr lang="en-US" altLang="zh-TW" b="1" dirty="0" smtClean="0">
                 <a:latin typeface="Georgia" panose="02040502050405020303" pitchFamily="18" charset="0"/>
               </a:rPr>
               <a:t>  2018    National </a:t>
             </a:r>
             <a:r>
-              <a:rPr lang="en-US" altLang="zh-TW" sz="1600" b="1" dirty="0">
+              <a:rPr lang="en-US" altLang="zh-TW" b="1" dirty="0">
                 <a:latin typeface="Georgia" panose="02040502050405020303" pitchFamily="18" charset="0"/>
               </a:rPr>
               <a:t>University Competition of Python</a:t>
             </a:r>
             <a:r>
-              <a:rPr lang="en-US" altLang="zh-TW" sz="1600" b="1" dirty="0" smtClean="0">
+              <a:rPr lang="en-US" altLang="zh-TW" b="1" dirty="0" smtClean="0">
                 <a:latin typeface="Georgia" panose="02040502050405020303" pitchFamily="18" charset="0"/>
               </a:rPr>
               <a:t> </a:t>
@@ -4309,7 +6893,7 @@
               <a:buAutoNum type="arabicPeriod"/>
             </a:pPr>
             <a:r>
-              <a:rPr lang="en-US" altLang="zh-TW" sz="1600" b="1" dirty="0" smtClean="0">
+              <a:rPr lang="en-US" altLang="zh-TW" b="1" dirty="0" smtClean="0">
                 <a:latin typeface="Georgia" panose="02040502050405020303" pitchFamily="18" charset="0"/>
               </a:rPr>
               <a:t>  2017     IMP 2017 Conference</a:t>
@@ -4326,7 +6910,7 @@
               <a:buAutoNum type="arabicPeriod"/>
             </a:pPr>
             <a:r>
-              <a:rPr lang="en-US" altLang="zh-TW" sz="1600" b="1" dirty="0" smtClean="0">
+              <a:rPr lang="en-US" altLang="zh-TW" b="1" dirty="0" smtClean="0">
                 <a:latin typeface="Georgia" panose="02040502050405020303" pitchFamily="18" charset="0"/>
               </a:rPr>
               <a:t>  2017     Independent Study Competition</a:t>
@@ -4343,14 +6927,14 @@
           <p:nvPr>
             <p:extLst>
               <p:ext uri="{D42A27DB-BD31-4B8C-83A1-F6EECF244321}">
-                <p14:modId xmlns:p14="http://schemas.microsoft.com/office/powerpoint/2010/main" val="186612717"/>
+                <p14:modId xmlns:p14="http://schemas.microsoft.com/office/powerpoint/2010/main" val="2104013298"/>
               </p:ext>
             </p:extLst>
           </p:nvPr>
         </p:nvGraphicFramePr>
         <p:xfrm>
           <a:off x="711610" y="2697558"/>
-          <a:ext cx="8324490" cy="579120"/>
+          <a:ext cx="9385290" cy="640080"/>
         </p:xfrm>
         <a:graphic>
           <a:graphicData uri="http://schemas.openxmlformats.org/drawingml/2006/table">
@@ -4359,21 +6943,21 @@
                 <a:tableStyleId>{5C22544A-7EE6-4342-B048-85BDC9FD1C3A}</a:tableStyleId>
               </a:tblPr>
               <a:tblGrid>
-                <a:gridCol w="402257">
+                <a:gridCol w="453517">
                   <a:extLst>
                     <a:ext uri="{9D8B030D-6E8A-4147-A177-3AD203B41FA5}">
                       <a16:colId xmlns:a16="http://schemas.microsoft.com/office/drawing/2014/main" val="980139734"/>
                     </a:ext>
                   </a:extLst>
                 </a:gridCol>
-                <a:gridCol w="5508511">
+                <a:gridCol w="6210467">
                   <a:extLst>
                     <a:ext uri="{9D8B030D-6E8A-4147-A177-3AD203B41FA5}">
                       <a16:colId xmlns:a16="http://schemas.microsoft.com/office/drawing/2014/main" val="2319859668"/>
                     </a:ext>
                   </a:extLst>
                 </a:gridCol>
-                <a:gridCol w="2413722">
+                <a:gridCol w="2721306">
                   <a:extLst>
                     <a:ext uri="{9D8B030D-6E8A-4147-A177-3AD203B41FA5}">
                       <a16:colId xmlns:a16="http://schemas.microsoft.com/office/drawing/2014/main" val="824807123"/>
@@ -4395,10 +6979,14 @@
                         <a:buChar char="p"/>
                       </a:pPr>
                       <a:r>
-                        <a:rPr lang="en-US" altLang="zh-TW" sz="1400" dirty="0" smtClean="0"/>
+                        <a:rPr lang="en-US" altLang="zh-TW" sz="1800" dirty="0" smtClean="0">
+                          <a:latin typeface="Georgia" panose="02040502050405020303" pitchFamily="18" charset="0"/>
+                        </a:rPr>
                         <a:t> </a:t>
                       </a:r>
-                      <a:endParaRPr lang="zh-TW" altLang="en-US" sz="1400" dirty="0"/>
+                      <a:endParaRPr lang="zh-TW" altLang="en-US" sz="1800" dirty="0">
+                        <a:latin typeface="Georgia" panose="02040502050405020303" pitchFamily="18" charset="0"/>
+                      </a:endParaRPr>
                     </a:p>
                   </a:txBody>
                   <a:tcPr anchor="ctr">
@@ -4436,13 +7024,13 @@
                         </a:lnSpc>
                       </a:pPr>
                       <a:r>
-                        <a:rPr lang="en-US" altLang="zh-TW" sz="1600" b="1" dirty="0" smtClean="0">
+                        <a:rPr lang="en-US" altLang="zh-TW" sz="1800" b="1" dirty="0" smtClean="0">
                           <a:latin typeface="Georgia" panose="02040502050405020303" pitchFamily="18" charset="0"/>
                         </a:rPr>
                         <a:t>Feng</a:t>
                       </a:r>
                       <a:r>
-                        <a:rPr lang="en-US" altLang="zh-TW" sz="1600" b="1" baseline="0" dirty="0" smtClean="0">
+                        <a:rPr lang="en-US" altLang="zh-TW" sz="1800" b="1" baseline="0" dirty="0" smtClean="0">
                           <a:latin typeface="Georgia" panose="02040502050405020303" pitchFamily="18" charset="0"/>
                         </a:rPr>
                         <a:t> Chia University</a:t>
@@ -4455,12 +7043,12 @@
                         </a:lnSpc>
                       </a:pPr>
                       <a:r>
-                        <a:rPr lang="en-US" altLang="zh-TW" sz="1600" baseline="0" dirty="0" smtClean="0">
+                        <a:rPr lang="en-US" altLang="zh-TW" sz="1800" baseline="0" dirty="0" smtClean="0">
                           <a:latin typeface="Georgia" panose="02040502050405020303" pitchFamily="18" charset="0"/>
                         </a:rPr>
                         <a:t>Department of Communications Engineering (BS)</a:t>
                       </a:r>
-                      <a:endParaRPr lang="zh-TW" altLang="en-US" sz="1600" dirty="0">
+                      <a:endParaRPr lang="zh-TW" altLang="en-US" sz="1800" dirty="0">
                         <a:latin typeface="Georgia" panose="02040502050405020303" pitchFamily="18" charset="0"/>
                       </a:endParaRPr>
                     </a:p>
@@ -4500,7 +7088,9 @@
                         </a:lnSpc>
                       </a:pPr>
                       <a:r>
-                        <a:rPr lang="en-US" altLang="zh-TW" sz="1600" dirty="0" smtClean="0"/>
+                        <a:rPr lang="en-US" altLang="zh-TW" sz="1800" dirty="0" smtClean="0">
+                          <a:latin typeface="Georgia" panose="02040502050405020303" pitchFamily="18" charset="0"/>
+                        </a:rPr>
                         <a:t>Taichung, Taiwan</a:t>
                       </a:r>
                     </a:p>
@@ -4511,14 +7101,20 @@
                         </a:lnSpc>
                       </a:pPr>
                       <a:r>
-                        <a:rPr lang="en-US" altLang="zh-TW" sz="1600" dirty="0" smtClean="0"/>
+                        <a:rPr lang="en-US" altLang="zh-TW" sz="1800" dirty="0" smtClean="0">
+                          <a:latin typeface="Georgia" panose="02040502050405020303" pitchFamily="18" charset="0"/>
+                        </a:rPr>
                         <a:t>Sep. 2014</a:t>
                       </a:r>
                       <a:r>
-                        <a:rPr lang="en-US" altLang="zh-TW" sz="1600" baseline="0" dirty="0" smtClean="0"/>
+                        <a:rPr lang="en-US" altLang="zh-TW" sz="1800" baseline="0" dirty="0" smtClean="0">
+                          <a:latin typeface="Georgia" panose="02040502050405020303" pitchFamily="18" charset="0"/>
+                        </a:rPr>
                         <a:t> – Jan. 2019</a:t>
                       </a:r>
-                      <a:endParaRPr lang="zh-TW" altLang="en-US" sz="1600" dirty="0"/>
+                      <a:endParaRPr lang="zh-TW" altLang="en-US" sz="1800" dirty="0">
+                        <a:latin typeface="Georgia" panose="02040502050405020303" pitchFamily="18" charset="0"/>
+                      </a:endParaRPr>
                     </a:p>
                   </a:txBody>
                   <a:tcPr anchor="ctr">
@@ -4563,8 +7159,8 @@
         </p:nvSpPr>
         <p:spPr>
           <a:xfrm>
-            <a:off x="5907808" y="4438290"/>
-            <a:ext cx="3128292" cy="1181157"/>
+            <a:off x="6968609" y="4463521"/>
+            <a:ext cx="3128292" cy="1314014"/>
           </a:xfrm>
           <a:prstGeom prst="rect">
             <a:avLst/>
@@ -4586,7 +7182,7 @@
               </a:spcAft>
             </a:pPr>
             <a:r>
-              <a:rPr lang="en-US" altLang="zh-TW" sz="1600" dirty="0" smtClean="0">
+              <a:rPr lang="en-US" altLang="zh-TW" dirty="0" smtClean="0">
                 <a:latin typeface="Georgia" panose="02040502050405020303" pitchFamily="18" charset="0"/>
               </a:rPr>
               <a:t>Certified</a:t>
@@ -4602,7 +7198,7 @@
               </a:spcAft>
             </a:pPr>
             <a:r>
-              <a:rPr lang="en-US" altLang="zh-TW" sz="1600" dirty="0" smtClean="0">
+              <a:rPr lang="en-US" altLang="zh-TW" dirty="0" smtClean="0">
                 <a:latin typeface="Georgia" panose="02040502050405020303" pitchFamily="18" charset="0"/>
               </a:rPr>
               <a:t>Publish</a:t>
@@ -4618,7 +7214,7 @@
               </a:spcAft>
             </a:pPr>
             <a:r>
-              <a:rPr lang="en-US" altLang="zh-TW" sz="1600" dirty="0" smtClean="0">
+              <a:rPr lang="en-US" altLang="zh-TW" dirty="0" smtClean="0">
                 <a:latin typeface="Georgia" panose="02040502050405020303" pitchFamily="18" charset="0"/>
               </a:rPr>
               <a:t>Honorable Mention Award</a:t>
@@ -4636,6 +7232,13 @@
   <p:clrMapOvr>
     <a:masterClrMapping/>
   </p:clrMapOvr>
+  <p:timing>
+    <p:tnLst>
+      <p:par>
+        <p:cTn id="1" dur="indefinite" restart="never" nodeType="tmRoot"/>
+      </p:par>
+    </p:tnLst>
+  </p:timing>
 </p:sld>
 </file>
 
@@ -4813,14 +7416,14 @@
           <p:nvPr>
             <p:extLst>
               <p:ext uri="{D42A27DB-BD31-4B8C-83A1-F6EECF244321}">
-                <p14:modId xmlns:p14="http://schemas.microsoft.com/office/powerpoint/2010/main" val="3963965825"/>
+                <p14:modId xmlns:p14="http://schemas.microsoft.com/office/powerpoint/2010/main" val="1112653360"/>
               </p:ext>
             </p:extLst>
           </p:nvPr>
         </p:nvGraphicFramePr>
         <p:xfrm>
-          <a:off x="1352130" y="1956283"/>
-          <a:ext cx="8792756" cy="3541462"/>
+          <a:off x="1612012" y="1657900"/>
+          <a:ext cx="8792756" cy="3891280"/>
         </p:xfrm>
         <a:graphic>
           <a:graphicData uri="http://schemas.openxmlformats.org/drawingml/2006/table">
@@ -5339,6 +7942,13 @@
   <p:clrMapOvr>
     <a:masterClrMapping/>
   </p:clrMapOvr>
+  <p:timing>
+    <p:tnLst>
+      <p:par>
+        <p:cTn id="1" dur="indefinite" restart="never" nodeType="tmRoot"/>
+      </p:par>
+    </p:tnLst>
+  </p:timing>
 </p:sld>
 </file>
 
@@ -5490,6 +8100,13 @@
   <p:clrMapOvr>
     <a:masterClrMapping/>
   </p:clrMapOvr>
+  <p:timing>
+    <p:tnLst>
+      <p:par>
+        <p:cTn id="1" dur="indefinite" restart="never" nodeType="tmRoot"/>
+      </p:par>
+    </p:tnLst>
+  </p:timing>
 </p:sld>
 </file>
 
@@ -5658,6 +8275,182 @@
           </a:p>
         </p:txBody>
       </p:sp>
+      <p:sp>
+        <p:nvSpPr>
+          <p:cNvPr id="7" name="矩形 6"/>
+          <p:cNvSpPr/>
+          <p:nvPr/>
+        </p:nvSpPr>
+        <p:spPr>
+          <a:xfrm>
+            <a:off x="518408" y="1274009"/>
+            <a:ext cx="1522148" cy="439288"/>
+          </a:xfrm>
+          <a:prstGeom prst="rect">
+            <a:avLst/>
+          </a:prstGeom>
+          <a:solidFill>
+            <a:srgbClr val="98C2B2"/>
+          </a:solidFill>
+          <a:ln>
+            <a:noFill/>
+          </a:ln>
+        </p:spPr>
+        <p:style>
+          <a:lnRef idx="2">
+            <a:schemeClr val="accent1">
+              <a:shade val="50000"/>
+            </a:schemeClr>
+          </a:lnRef>
+          <a:fillRef idx="1">
+            <a:schemeClr val="accent1"/>
+          </a:fillRef>
+          <a:effectRef idx="0">
+            <a:schemeClr val="accent1"/>
+          </a:effectRef>
+          <a:fontRef idx="minor">
+            <a:schemeClr val="lt1"/>
+          </a:fontRef>
+        </p:style>
+        <p:txBody>
+          <a:bodyPr rtlCol="0" anchor="ctr"/>
+          <a:lstStyle/>
+          <a:p>
+            <a:pPr algn="ctr"/>
+            <a:r>
+              <a:rPr lang="en-US" altLang="zh-TW" b="1" dirty="0" smtClean="0">
+                <a:latin typeface="Georgia" panose="02040502050405020303" pitchFamily="18" charset="0"/>
+              </a:rPr>
+              <a:t>PURPOSE</a:t>
+            </a:r>
+            <a:endParaRPr lang="zh-TW" altLang="en-US" b="1" dirty="0">
+              <a:latin typeface="Georgia" panose="02040502050405020303" pitchFamily="18" charset="0"/>
+            </a:endParaRPr>
+          </a:p>
+        </p:txBody>
+      </p:sp>
+      <p:sp>
+        <p:nvSpPr>
+          <p:cNvPr id="2" name="文字方塊 1"/>
+          <p:cNvSpPr txBox="1"/>
+          <p:nvPr/>
+        </p:nvSpPr>
+        <p:spPr>
+          <a:xfrm>
+            <a:off x="875898" y="1825668"/>
+            <a:ext cx="7555273" cy="369332"/>
+          </a:xfrm>
+          <a:prstGeom prst="rect">
+            <a:avLst/>
+          </a:prstGeom>
+          <a:noFill/>
+        </p:spPr>
+        <p:txBody>
+          <a:bodyPr wrap="none" rtlCol="0">
+            <a:spAutoFit/>
+          </a:bodyPr>
+          <a:lstStyle/>
+          <a:p>
+            <a:pPr marL="285750" indent="-285750">
+              <a:buFont typeface="Wingdings" panose="05000000000000000000" pitchFamily="2" charset="2"/>
+              <a:buChar char="p"/>
+            </a:pPr>
+            <a:r>
+              <a:rPr lang="en-US" altLang="zh-TW" dirty="0" smtClean="0">
+                <a:latin typeface="Georgia" panose="02040502050405020303" pitchFamily="18" charset="0"/>
+              </a:rPr>
+              <a:t>Provide VoIP phone call monitoring and management service to user.</a:t>
+            </a:r>
+            <a:endParaRPr lang="zh-TW" altLang="en-US" dirty="0">
+              <a:latin typeface="Georgia" panose="02040502050405020303" pitchFamily="18" charset="0"/>
+            </a:endParaRPr>
+          </a:p>
+        </p:txBody>
+      </p:sp>
+      <p:sp>
+        <p:nvSpPr>
+          <p:cNvPr id="8" name="矩形 7"/>
+          <p:cNvSpPr/>
+          <p:nvPr/>
+        </p:nvSpPr>
+        <p:spPr>
+          <a:xfrm>
+            <a:off x="518408" y="2814911"/>
+            <a:ext cx="2224792" cy="464878"/>
+          </a:xfrm>
+          <a:prstGeom prst="rect">
+            <a:avLst/>
+          </a:prstGeom>
+          <a:solidFill>
+            <a:srgbClr val="98C2B2"/>
+          </a:solidFill>
+          <a:ln>
+            <a:noFill/>
+          </a:ln>
+        </p:spPr>
+        <p:style>
+          <a:lnRef idx="2">
+            <a:schemeClr val="accent1">
+              <a:shade val="50000"/>
+            </a:schemeClr>
+          </a:lnRef>
+          <a:fillRef idx="1">
+            <a:schemeClr val="accent1"/>
+          </a:fillRef>
+          <a:effectRef idx="0">
+            <a:schemeClr val="accent1"/>
+          </a:effectRef>
+          <a:fontRef idx="minor">
+            <a:schemeClr val="lt1"/>
+          </a:fontRef>
+        </p:style>
+        <p:txBody>
+          <a:bodyPr rtlCol="0" anchor="ctr"/>
+          <a:lstStyle/>
+          <a:p>
+            <a:pPr algn="ctr"/>
+            <a:r>
+              <a:rPr lang="en-US" altLang="zh-TW" b="1" dirty="0" smtClean="0">
+                <a:latin typeface="Georgia" panose="02040502050405020303" pitchFamily="18" charset="0"/>
+              </a:rPr>
+              <a:t>ARCHITECTURE</a:t>
+            </a:r>
+            <a:endParaRPr lang="zh-TW" altLang="en-US" b="1" dirty="0">
+              <a:latin typeface="Georgia" panose="02040502050405020303" pitchFamily="18" charset="0"/>
+            </a:endParaRPr>
+          </a:p>
+        </p:txBody>
+      </p:sp>
+      <p:pic>
+        <p:nvPicPr>
+          <p:cNvPr id="10" name="圖片 9"/>
+          <p:cNvPicPr>
+            <a:picLocks noChangeAspect="1"/>
+          </p:cNvPicPr>
+          <p:nvPr/>
+        </p:nvPicPr>
+        <p:blipFill>
+          <a:blip r:embed="rId2">
+            <a:extLst>
+              <a:ext uri="{28A0092B-C50C-407E-A947-70E740481C1C}">
+                <a14:useLocalDpi xmlns:a14="http://schemas.microsoft.com/office/drawing/2010/main" val="0"/>
+              </a:ext>
+            </a:extLst>
+          </a:blip>
+          <a:stretch>
+            <a:fillRect/>
+          </a:stretch>
+        </p:blipFill>
+        <p:spPr>
+          <a:xfrm>
+            <a:off x="1630804" y="3296614"/>
+            <a:ext cx="8191777" cy="3223431"/>
+          </a:xfrm>
+          <a:prstGeom prst="rect">
+            <a:avLst/>
+          </a:prstGeom>
+        </p:spPr>
+      </p:pic>
     </p:spTree>
     <p:extLst>
       <p:ext uri="{BB962C8B-B14F-4D97-AF65-F5344CB8AC3E}">
@@ -5668,6 +8461,13 @@
   <p:clrMapOvr>
     <a:masterClrMapping/>
   </p:clrMapOvr>
+  <p:timing>
+    <p:tnLst>
+      <p:par>
+        <p:cTn id="1" dur="indefinite" restart="never" nodeType="tmRoot"/>
+      </p:par>
+    </p:tnLst>
+  </p:timing>
 </p:sld>
 </file>
 
@@ -5690,70 +8490,608 @@
       </p:grpSpPr>
       <p:sp>
         <p:nvSpPr>
-          <p:cNvPr id="4" name="標題 1"/>
-          <p:cNvSpPr txBox="1">
-            <a:spLocks/>
-          </p:cNvSpPr>
+          <p:cNvPr id="4" name="橢圓 3"/>
+          <p:cNvSpPr/>
           <p:nvPr/>
         </p:nvSpPr>
         <p:spPr>
           <a:xfrm>
-            <a:off x="1382337" y="2821577"/>
-            <a:ext cx="9144545" cy="773185"/>
+            <a:off x="345688" y="877301"/>
+            <a:ext cx="172720" cy="162560"/>
+          </a:xfrm>
+          <a:prstGeom prst="ellipse">
+            <a:avLst/>
+          </a:prstGeom>
+          <a:solidFill>
+            <a:schemeClr val="tx1">
+              <a:lumMod val="65000"/>
+              <a:lumOff val="35000"/>
+            </a:schemeClr>
+          </a:solidFill>
+          <a:ln>
+            <a:noFill/>
+          </a:ln>
+        </p:spPr>
+        <p:style>
+          <a:lnRef idx="2">
+            <a:schemeClr val="accent1">
+              <a:shade val="50000"/>
+            </a:schemeClr>
+          </a:lnRef>
+          <a:fillRef idx="1">
+            <a:schemeClr val="accent1"/>
+          </a:fillRef>
+          <a:effectRef idx="0">
+            <a:schemeClr val="accent1"/>
+          </a:effectRef>
+          <a:fontRef idx="minor">
+            <a:schemeClr val="lt1"/>
+          </a:fontRef>
+        </p:style>
+        <p:txBody>
+          <a:bodyPr rtlCol="0" anchor="ctr"/>
+          <a:lstStyle/>
+          <a:p>
+            <a:pPr algn="ctr"/>
+            <a:endParaRPr lang="zh-TW" altLang="en-US"/>
+          </a:p>
+        </p:txBody>
+      </p:sp>
+      <p:cxnSp>
+        <p:nvCxnSpPr>
+          <p:cNvPr id="5" name="直線接點 4"/>
+          <p:cNvCxnSpPr>
+            <a:stCxn id="4" idx="6"/>
+          </p:cNvCxnSpPr>
+          <p:nvPr/>
+        </p:nvCxnSpPr>
+        <p:spPr>
+          <a:xfrm>
+            <a:off x="518408" y="958581"/>
+            <a:ext cx="6953546" cy="0"/>
+          </a:xfrm>
+          <a:prstGeom prst="line">
+            <a:avLst/>
+          </a:prstGeom>
+          <a:ln w="25400">
+            <a:solidFill>
+              <a:schemeClr val="tx1">
+                <a:lumMod val="65000"/>
+                <a:lumOff val="35000"/>
+              </a:schemeClr>
+            </a:solidFill>
+          </a:ln>
+        </p:spPr>
+        <p:style>
+          <a:lnRef idx="1">
+            <a:schemeClr val="accent1"/>
+          </a:lnRef>
+          <a:fillRef idx="0">
+            <a:schemeClr val="accent1"/>
+          </a:fillRef>
+          <a:effectRef idx="0">
+            <a:schemeClr val="accent1"/>
+          </a:effectRef>
+          <a:fontRef idx="minor">
+            <a:schemeClr val="tx1"/>
+          </a:fontRef>
+        </p:style>
+      </p:cxnSp>
+      <p:sp>
+        <p:nvSpPr>
+          <p:cNvPr id="6" name="矩形 5"/>
+          <p:cNvSpPr/>
+          <p:nvPr/>
+        </p:nvSpPr>
+        <p:spPr>
+          <a:xfrm>
+            <a:off x="432048" y="373806"/>
+            <a:ext cx="8761886" cy="584775"/>
           </a:xfrm>
           <a:prstGeom prst="rect">
             <a:avLst/>
           </a:prstGeom>
-        </p:spPr>
-        <p:txBody>
-          <a:bodyPr vert="horz" lIns="91440" tIns="45720" rIns="91440" bIns="45720" rtlCol="0" anchor="ctr">
-            <a:noAutofit/>
+          <a:noFill/>
+        </p:spPr>
+        <p:txBody>
+          <a:bodyPr wrap="none" lIns="91440" tIns="45720" rIns="91440" bIns="45720">
+            <a:spAutoFit/>
           </a:bodyPr>
-          <a:lstStyle>
-            <a:lvl1pPr algn="l" defTabSz="914400" rtl="0" eaLnBrk="1" latinLnBrk="0" hangingPunct="1">
-              <a:lnSpc>
-                <a:spcPct val="90000"/>
-              </a:lnSpc>
-              <a:spcBef>
-                <a:spcPct val="0"/>
-              </a:spcBef>
-              <a:buNone/>
-              <a:defRPr sz="4400" kern="1200">
+          <a:lstStyle/>
+          <a:p>
+            <a:pPr algn="ctr"/>
+            <a:r>
+              <a:rPr lang="en-US" altLang="zh-TW" sz="3200" b="1" cap="none" spc="0" dirty="0" smtClean="0">
+                <a:ln w="0"/>
                 <a:solidFill>
-                  <a:schemeClr val="tx1"/>
+                  <a:schemeClr val="accent1"/>
                 </a:solidFill>
-                <a:latin typeface="+mj-lt"/>
-                <a:ea typeface="+mj-ea"/>
-                <a:cs typeface="+mj-cs"/>
-              </a:defRPr>
-            </a:lvl1pPr>
-          </a:lstStyle>
-          <a:p>
-            <a:pPr algn="ctr"/>
-            <a:r>
-              <a:rPr lang="en-US" altLang="zh-TW" sz="2800" b="1" dirty="0" smtClean="0">
+                <a:effectLst>
+                  <a:outerShdw blurRad="38100" dist="25400" dir="5400000" algn="ctr" rotWithShape="0">
+                    <a:srgbClr val="6E747A">
+                      <a:alpha val="43000"/>
+                    </a:srgbClr>
+                  </a:outerShdw>
+                </a:effectLst>
                 <a:latin typeface="Times New Roman" panose="02020603050405020304" pitchFamily="18" charset="0"/>
                 <a:cs typeface="Times New Roman" panose="02020603050405020304" pitchFamily="18" charset="0"/>
               </a:rPr>
-              <a:t>Thank you for your time</a:t>
-            </a:r>
-            <a:endParaRPr lang="zh-TW" altLang="en-US" sz="2800" b="1" dirty="0">
+              <a:t>(1) VoIP Phone Call Monitoring Platform (Cont.)</a:t>
+            </a:r>
+            <a:endParaRPr lang="zh-TW" altLang="en-US" sz="3200" b="1" cap="none" spc="0" dirty="0">
+              <a:ln w="0"/>
+              <a:solidFill>
+                <a:schemeClr val="accent1"/>
+              </a:solidFill>
+              <a:effectLst>
+                <a:outerShdw blurRad="38100" dist="25400" dir="5400000" algn="ctr" rotWithShape="0">
+                  <a:srgbClr val="6E747A">
+                    <a:alpha val="43000"/>
+                  </a:srgbClr>
+                </a:outerShdw>
+              </a:effectLst>
               <a:latin typeface="Times New Roman" panose="02020603050405020304" pitchFamily="18" charset="0"/>
               <a:cs typeface="Times New Roman" panose="02020603050405020304" pitchFamily="18" charset="0"/>
             </a:endParaRPr>
           </a:p>
         </p:txBody>
       </p:sp>
+      <p:sp>
+        <p:nvSpPr>
+          <p:cNvPr id="7" name="矩形 6"/>
+          <p:cNvSpPr/>
+          <p:nvPr/>
+        </p:nvSpPr>
+        <p:spPr>
+          <a:xfrm>
+            <a:off x="518407" y="1274009"/>
+            <a:ext cx="1955285" cy="439288"/>
+          </a:xfrm>
+          <a:prstGeom prst="rect">
+            <a:avLst/>
+          </a:prstGeom>
+          <a:solidFill>
+            <a:srgbClr val="98C2B2"/>
+          </a:solidFill>
+          <a:ln>
+            <a:noFill/>
+          </a:ln>
+        </p:spPr>
+        <p:style>
+          <a:lnRef idx="2">
+            <a:schemeClr val="accent1">
+              <a:shade val="50000"/>
+            </a:schemeClr>
+          </a:lnRef>
+          <a:fillRef idx="1">
+            <a:schemeClr val="accent1"/>
+          </a:fillRef>
+          <a:effectRef idx="0">
+            <a:schemeClr val="accent1"/>
+          </a:effectRef>
+          <a:fontRef idx="minor">
+            <a:schemeClr val="lt1"/>
+          </a:fontRef>
+        </p:style>
+        <p:txBody>
+          <a:bodyPr rtlCol="0" anchor="ctr"/>
+          <a:lstStyle/>
+          <a:p>
+            <a:pPr algn="ctr"/>
+            <a:r>
+              <a:rPr lang="en-US" altLang="zh-TW" b="1" dirty="0" smtClean="0">
+                <a:latin typeface="Georgia" panose="02040502050405020303" pitchFamily="18" charset="0"/>
+              </a:rPr>
+              <a:t>FLOWCHART</a:t>
+            </a:r>
+            <a:endParaRPr lang="zh-TW" altLang="en-US" b="1" dirty="0">
+              <a:latin typeface="Georgia" panose="02040502050405020303" pitchFamily="18" charset="0"/>
+            </a:endParaRPr>
+          </a:p>
+        </p:txBody>
+      </p:sp>
+      <p:pic>
+        <p:nvPicPr>
+          <p:cNvPr id="9" name="圖片 8"/>
+          <p:cNvPicPr>
+            <a:picLocks noChangeAspect="1"/>
+          </p:cNvPicPr>
+          <p:nvPr/>
+        </p:nvPicPr>
+        <p:blipFill>
+          <a:blip r:embed="rId2">
+            <a:extLst>
+              <a:ext uri="{28A0092B-C50C-407E-A947-70E740481C1C}">
+                <a14:useLocalDpi xmlns:a14="http://schemas.microsoft.com/office/drawing/2010/main" val="0"/>
+              </a:ext>
+            </a:extLst>
+          </a:blip>
+          <a:stretch>
+            <a:fillRect/>
+          </a:stretch>
+        </p:blipFill>
+        <p:spPr>
+          <a:xfrm>
+            <a:off x="1569462" y="2221229"/>
+            <a:ext cx="9076078" cy="4101689"/>
+          </a:xfrm>
+          <a:prstGeom prst="rect">
+            <a:avLst/>
+          </a:prstGeom>
+        </p:spPr>
+      </p:pic>
     </p:spTree>
     <p:extLst>
       <p:ext uri="{BB962C8B-B14F-4D97-AF65-F5344CB8AC3E}">
-        <p14:creationId xmlns:p14="http://schemas.microsoft.com/office/powerpoint/2010/main" val="3758837929"/>
+        <p14:creationId xmlns:p14="http://schemas.microsoft.com/office/powerpoint/2010/main" val="59302243"/>
       </p:ext>
     </p:extLst>
   </p:cSld>
   <p:clrMapOvr>
     <a:masterClrMapping/>
   </p:clrMapOvr>
+  <p:timing>
+    <p:tnLst>
+      <p:par>
+        <p:cTn id="1" dur="indefinite" restart="never" nodeType="tmRoot"/>
+      </p:par>
+    </p:tnLst>
+  </p:timing>
+</p:sld>
+</file>
+
+<file path=ppt/slides/slide9.xml><?xml version="1.0" encoding="utf-8"?>
+<p:sld xmlns:a="http://schemas.openxmlformats.org/drawingml/2006/main" xmlns:r="http://schemas.openxmlformats.org/officeDocument/2006/relationships" xmlns:p="http://schemas.openxmlformats.org/presentationml/2006/main">
+  <p:cSld>
+    <p:spTree>
+      <p:nvGrpSpPr>
+        <p:cNvPr id="1" name=""/>
+        <p:cNvGrpSpPr/>
+        <p:nvPr/>
+      </p:nvGrpSpPr>
+      <p:grpSpPr>
+        <a:xfrm>
+          <a:off x="0" y="0"/>
+          <a:ext cx="0" cy="0"/>
+          <a:chOff x="0" y="0"/>
+          <a:chExt cx="0" cy="0"/>
+        </a:xfrm>
+      </p:grpSpPr>
+      <p:sp>
+        <p:nvSpPr>
+          <p:cNvPr id="4" name="橢圓 3"/>
+          <p:cNvSpPr/>
+          <p:nvPr/>
+        </p:nvSpPr>
+        <p:spPr>
+          <a:xfrm>
+            <a:off x="345688" y="877301"/>
+            <a:ext cx="172720" cy="162560"/>
+          </a:xfrm>
+          <a:prstGeom prst="ellipse">
+            <a:avLst/>
+          </a:prstGeom>
+          <a:solidFill>
+            <a:schemeClr val="tx1">
+              <a:lumMod val="65000"/>
+              <a:lumOff val="35000"/>
+            </a:schemeClr>
+          </a:solidFill>
+          <a:ln>
+            <a:noFill/>
+          </a:ln>
+        </p:spPr>
+        <p:style>
+          <a:lnRef idx="2">
+            <a:schemeClr val="accent1">
+              <a:shade val="50000"/>
+            </a:schemeClr>
+          </a:lnRef>
+          <a:fillRef idx="1">
+            <a:schemeClr val="accent1"/>
+          </a:fillRef>
+          <a:effectRef idx="0">
+            <a:schemeClr val="accent1"/>
+          </a:effectRef>
+          <a:fontRef idx="minor">
+            <a:schemeClr val="lt1"/>
+          </a:fontRef>
+        </p:style>
+        <p:txBody>
+          <a:bodyPr rtlCol="0" anchor="ctr"/>
+          <a:lstStyle/>
+          <a:p>
+            <a:pPr algn="ctr"/>
+            <a:endParaRPr lang="zh-TW" altLang="en-US"/>
+          </a:p>
+        </p:txBody>
+      </p:sp>
+      <p:cxnSp>
+        <p:nvCxnSpPr>
+          <p:cNvPr id="5" name="直線接點 4"/>
+          <p:cNvCxnSpPr>
+            <a:stCxn id="4" idx="6"/>
+          </p:cNvCxnSpPr>
+          <p:nvPr/>
+        </p:nvCxnSpPr>
+        <p:spPr>
+          <a:xfrm>
+            <a:off x="518408" y="958581"/>
+            <a:ext cx="6953546" cy="0"/>
+          </a:xfrm>
+          <a:prstGeom prst="line">
+            <a:avLst/>
+          </a:prstGeom>
+          <a:ln w="25400">
+            <a:solidFill>
+              <a:schemeClr val="tx1">
+                <a:lumMod val="65000"/>
+                <a:lumOff val="35000"/>
+              </a:schemeClr>
+            </a:solidFill>
+          </a:ln>
+        </p:spPr>
+        <p:style>
+          <a:lnRef idx="1">
+            <a:schemeClr val="accent1"/>
+          </a:lnRef>
+          <a:fillRef idx="0">
+            <a:schemeClr val="accent1"/>
+          </a:fillRef>
+          <a:effectRef idx="0">
+            <a:schemeClr val="accent1"/>
+          </a:effectRef>
+          <a:fontRef idx="minor">
+            <a:schemeClr val="tx1"/>
+          </a:fontRef>
+        </p:style>
+      </p:cxnSp>
+      <p:sp>
+        <p:nvSpPr>
+          <p:cNvPr id="6" name="矩形 5"/>
+          <p:cNvSpPr/>
+          <p:nvPr/>
+        </p:nvSpPr>
+        <p:spPr>
+          <a:xfrm>
+            <a:off x="432048" y="373806"/>
+            <a:ext cx="8761886" cy="584775"/>
+          </a:xfrm>
+          <a:prstGeom prst="rect">
+            <a:avLst/>
+          </a:prstGeom>
+          <a:noFill/>
+        </p:spPr>
+        <p:txBody>
+          <a:bodyPr wrap="none" lIns="91440" tIns="45720" rIns="91440" bIns="45720">
+            <a:spAutoFit/>
+          </a:bodyPr>
+          <a:lstStyle/>
+          <a:p>
+            <a:pPr algn="ctr"/>
+            <a:r>
+              <a:rPr lang="en-US" altLang="zh-TW" sz="3200" b="1" cap="none" spc="0" dirty="0" smtClean="0">
+                <a:ln w="0"/>
+                <a:solidFill>
+                  <a:schemeClr val="accent1"/>
+                </a:solidFill>
+                <a:effectLst>
+                  <a:outerShdw blurRad="38100" dist="25400" dir="5400000" algn="ctr" rotWithShape="0">
+                    <a:srgbClr val="6E747A">
+                      <a:alpha val="43000"/>
+                    </a:srgbClr>
+                  </a:outerShdw>
+                </a:effectLst>
+                <a:latin typeface="Times New Roman" panose="02020603050405020304" pitchFamily="18" charset="0"/>
+                <a:cs typeface="Times New Roman" panose="02020603050405020304" pitchFamily="18" charset="0"/>
+              </a:rPr>
+              <a:t>(1) VoIP Phone Call Monitoring Platform (Cont.)</a:t>
+            </a:r>
+            <a:endParaRPr lang="zh-TW" altLang="en-US" sz="3200" b="1" cap="none" spc="0" dirty="0">
+              <a:ln w="0"/>
+              <a:solidFill>
+                <a:schemeClr val="accent1"/>
+              </a:solidFill>
+              <a:effectLst>
+                <a:outerShdw blurRad="38100" dist="25400" dir="5400000" algn="ctr" rotWithShape="0">
+                  <a:srgbClr val="6E747A">
+                    <a:alpha val="43000"/>
+                  </a:srgbClr>
+                </a:outerShdw>
+              </a:effectLst>
+              <a:latin typeface="Times New Roman" panose="02020603050405020304" pitchFamily="18" charset="0"/>
+              <a:cs typeface="Times New Roman" panose="02020603050405020304" pitchFamily="18" charset="0"/>
+            </a:endParaRPr>
+          </a:p>
+        </p:txBody>
+      </p:sp>
+      <p:sp>
+        <p:nvSpPr>
+          <p:cNvPr id="7" name="矩形 6"/>
+          <p:cNvSpPr/>
+          <p:nvPr/>
+        </p:nvSpPr>
+        <p:spPr>
+          <a:xfrm>
+            <a:off x="518408" y="1274009"/>
+            <a:ext cx="1666528" cy="439288"/>
+          </a:xfrm>
+          <a:prstGeom prst="rect">
+            <a:avLst/>
+          </a:prstGeom>
+          <a:solidFill>
+            <a:srgbClr val="98C2B2"/>
+          </a:solidFill>
+          <a:ln>
+            <a:noFill/>
+          </a:ln>
+        </p:spPr>
+        <p:style>
+          <a:lnRef idx="2">
+            <a:schemeClr val="accent1">
+              <a:shade val="50000"/>
+            </a:schemeClr>
+          </a:lnRef>
+          <a:fillRef idx="1">
+            <a:schemeClr val="accent1"/>
+          </a:fillRef>
+          <a:effectRef idx="0">
+            <a:schemeClr val="accent1"/>
+          </a:effectRef>
+          <a:fontRef idx="minor">
+            <a:schemeClr val="lt1"/>
+          </a:fontRef>
+        </p:style>
+        <p:txBody>
+          <a:bodyPr rtlCol="0" anchor="ctr"/>
+          <a:lstStyle/>
+          <a:p>
+            <a:pPr algn="ctr"/>
+            <a:r>
+              <a:rPr lang="en-US" altLang="zh-TW" b="1" dirty="0" smtClean="0">
+                <a:latin typeface="Georgia" panose="02040502050405020303" pitchFamily="18" charset="0"/>
+              </a:rPr>
+              <a:t>RESULTS</a:t>
+            </a:r>
+            <a:endParaRPr lang="zh-TW" altLang="en-US" b="1" dirty="0">
+              <a:latin typeface="Georgia" panose="02040502050405020303" pitchFamily="18" charset="0"/>
+            </a:endParaRPr>
+          </a:p>
+        </p:txBody>
+      </p:sp>
+      <p:pic>
+        <p:nvPicPr>
+          <p:cNvPr id="8" name="圖片 7"/>
+          <p:cNvPicPr>
+            <a:picLocks noChangeAspect="1"/>
+          </p:cNvPicPr>
+          <p:nvPr/>
+        </p:nvPicPr>
+        <p:blipFill>
+          <a:blip r:embed="rId2"/>
+          <a:stretch>
+            <a:fillRect/>
+          </a:stretch>
+        </p:blipFill>
+        <p:spPr>
+          <a:xfrm>
+            <a:off x="432048" y="2718174"/>
+            <a:ext cx="4448986" cy="3288832"/>
+          </a:xfrm>
+          <a:prstGeom prst="rect">
+            <a:avLst/>
+          </a:prstGeom>
+        </p:spPr>
+      </p:pic>
+      <p:sp>
+        <p:nvSpPr>
+          <p:cNvPr id="9" name="文字方塊 8"/>
+          <p:cNvSpPr txBox="1"/>
+          <p:nvPr/>
+        </p:nvSpPr>
+        <p:spPr>
+          <a:xfrm>
+            <a:off x="1797972" y="6083955"/>
+            <a:ext cx="1717137" cy="307777"/>
+          </a:xfrm>
+          <a:prstGeom prst="rect">
+            <a:avLst/>
+          </a:prstGeom>
+          <a:noFill/>
+        </p:spPr>
+        <p:txBody>
+          <a:bodyPr wrap="none" rtlCol="0">
+            <a:spAutoFit/>
+          </a:bodyPr>
+          <a:lstStyle/>
+          <a:p>
+            <a:r>
+              <a:rPr lang="en-US" altLang="zh-TW" sz="1400" b="1" dirty="0" smtClean="0">
+                <a:latin typeface="Georgia" panose="02040502050405020303" pitchFamily="18" charset="0"/>
+              </a:rPr>
+              <a:t>Fig 1. Login page</a:t>
+            </a:r>
+            <a:endParaRPr lang="zh-TW" altLang="en-US" sz="1400" b="1" dirty="0">
+              <a:latin typeface="Georgia" panose="02040502050405020303" pitchFamily="18" charset="0"/>
+            </a:endParaRPr>
+          </a:p>
+        </p:txBody>
+      </p:sp>
+      <p:pic>
+        <p:nvPicPr>
+          <p:cNvPr id="10" name="圖片 9"/>
+          <p:cNvPicPr>
+            <a:picLocks noChangeAspect="1"/>
+          </p:cNvPicPr>
+          <p:nvPr/>
+        </p:nvPicPr>
+        <p:blipFill>
+          <a:blip r:embed="rId3"/>
+          <a:stretch>
+            <a:fillRect/>
+          </a:stretch>
+        </p:blipFill>
+        <p:spPr>
+          <a:xfrm>
+            <a:off x="5029918" y="1563609"/>
+            <a:ext cx="6915036" cy="4443397"/>
+          </a:xfrm>
+          <a:prstGeom prst="rect">
+            <a:avLst/>
+          </a:prstGeom>
+        </p:spPr>
+      </p:pic>
+      <p:sp>
+        <p:nvSpPr>
+          <p:cNvPr id="11" name="文字方塊 10"/>
+          <p:cNvSpPr txBox="1"/>
+          <p:nvPr/>
+        </p:nvSpPr>
+        <p:spPr>
+          <a:xfrm>
+            <a:off x="7353151" y="6083955"/>
+            <a:ext cx="2268570" cy="307777"/>
+          </a:xfrm>
+          <a:prstGeom prst="rect">
+            <a:avLst/>
+          </a:prstGeom>
+          <a:noFill/>
+        </p:spPr>
+        <p:txBody>
+          <a:bodyPr wrap="none" rtlCol="0">
+            <a:spAutoFit/>
+          </a:bodyPr>
+          <a:lstStyle/>
+          <a:p>
+            <a:r>
+              <a:rPr lang="en-US" altLang="zh-TW" sz="1400" b="1" dirty="0" smtClean="0">
+                <a:latin typeface="Georgia" panose="02040502050405020303" pitchFamily="18" charset="0"/>
+              </a:rPr>
+              <a:t>Fig 2. Monitoring page</a:t>
+            </a:r>
+            <a:endParaRPr lang="zh-TW" altLang="en-US" sz="1400" b="1" dirty="0">
+              <a:latin typeface="Georgia" panose="02040502050405020303" pitchFamily="18" charset="0"/>
+            </a:endParaRPr>
+          </a:p>
+        </p:txBody>
+      </p:sp>
+    </p:spTree>
+    <p:extLst>
+      <p:ext uri="{BB962C8B-B14F-4D97-AF65-F5344CB8AC3E}">
+        <p14:creationId xmlns:p14="http://schemas.microsoft.com/office/powerpoint/2010/main" val="2978753194"/>
+      </p:ext>
+    </p:extLst>
+  </p:cSld>
+  <p:clrMapOvr>
+    <a:masterClrMapping/>
+  </p:clrMapOvr>
+  <p:timing>
+    <p:tnLst>
+      <p:par>
+        <p:cTn id="1" dur="indefinite" restart="never" nodeType="tmRoot"/>
+      </p:par>
+    </p:tnLst>
+  </p:timing>
 </p:sld>
 </file>
 

--- a/File/AMAT 履歷/Interview.pptx
+++ b/File/AMAT 履歷/Interview.pptx
@@ -3526,6 +3526,378 @@
           <a:chExt cx="0" cy="0"/>
         </a:xfrm>
       </p:grpSpPr>
+      <p:cxnSp>
+        <p:nvCxnSpPr>
+          <p:cNvPr id="44" name="直線接點 43"/>
+          <p:cNvCxnSpPr/>
+          <p:nvPr/>
+        </p:nvCxnSpPr>
+        <p:spPr>
+          <a:xfrm flipH="1">
+            <a:off x="1830826" y="4178192"/>
+            <a:ext cx="1051150" cy="542814"/>
+          </a:xfrm>
+          <a:prstGeom prst="line">
+            <a:avLst/>
+          </a:prstGeom>
+          <a:ln w="28575"/>
+        </p:spPr>
+        <p:style>
+          <a:lnRef idx="1">
+            <a:schemeClr val="accent1"/>
+          </a:lnRef>
+          <a:fillRef idx="0">
+            <a:schemeClr val="accent1"/>
+          </a:fillRef>
+          <a:effectRef idx="0">
+            <a:schemeClr val="accent1"/>
+          </a:effectRef>
+          <a:fontRef idx="minor">
+            <a:schemeClr val="tx1"/>
+          </a:fontRef>
+        </p:style>
+      </p:cxnSp>
+      <p:cxnSp>
+        <p:nvCxnSpPr>
+          <p:cNvPr id="47" name="直線接點 46"/>
+          <p:cNvCxnSpPr/>
+          <p:nvPr/>
+        </p:nvCxnSpPr>
+        <p:spPr>
+          <a:xfrm>
+            <a:off x="1830826" y="4697689"/>
+            <a:ext cx="842960" cy="1030939"/>
+          </a:xfrm>
+          <a:prstGeom prst="line">
+            <a:avLst/>
+          </a:prstGeom>
+          <a:ln w="28575"/>
+        </p:spPr>
+        <p:style>
+          <a:lnRef idx="1">
+            <a:schemeClr val="accent1"/>
+          </a:lnRef>
+          <a:fillRef idx="0">
+            <a:schemeClr val="accent1"/>
+          </a:fillRef>
+          <a:effectRef idx="0">
+            <a:schemeClr val="accent1"/>
+          </a:effectRef>
+          <a:fontRef idx="minor">
+            <a:schemeClr val="tx1"/>
+          </a:fontRef>
+        </p:style>
+      </p:cxnSp>
+      <p:cxnSp>
+        <p:nvCxnSpPr>
+          <p:cNvPr id="41" name="直線接點 40"/>
+          <p:cNvCxnSpPr/>
+          <p:nvPr/>
+        </p:nvCxnSpPr>
+        <p:spPr>
+          <a:xfrm flipH="1" flipV="1">
+            <a:off x="4748876" y="3830125"/>
+            <a:ext cx="962710" cy="1055426"/>
+          </a:xfrm>
+          <a:prstGeom prst="line">
+            <a:avLst/>
+          </a:prstGeom>
+          <a:ln w="28575"/>
+        </p:spPr>
+        <p:style>
+          <a:lnRef idx="1">
+            <a:schemeClr val="accent1"/>
+          </a:lnRef>
+          <a:fillRef idx="0">
+            <a:schemeClr val="accent1"/>
+          </a:fillRef>
+          <a:effectRef idx="0">
+            <a:schemeClr val="accent1"/>
+          </a:effectRef>
+          <a:fontRef idx="minor">
+            <a:schemeClr val="tx1"/>
+          </a:fontRef>
+        </p:style>
+      </p:cxnSp>
+      <p:cxnSp>
+        <p:nvCxnSpPr>
+          <p:cNvPr id="51" name="直線接點 50"/>
+          <p:cNvCxnSpPr/>
+          <p:nvPr/>
+        </p:nvCxnSpPr>
+        <p:spPr>
+          <a:xfrm flipV="1">
+            <a:off x="4946183" y="4885481"/>
+            <a:ext cx="765403" cy="1084776"/>
+          </a:xfrm>
+          <a:prstGeom prst="line">
+            <a:avLst/>
+          </a:prstGeom>
+          <a:ln w="28575"/>
+        </p:spPr>
+        <p:style>
+          <a:lnRef idx="1">
+            <a:schemeClr val="accent1"/>
+          </a:lnRef>
+          <a:fillRef idx="0">
+            <a:schemeClr val="accent1"/>
+          </a:fillRef>
+          <a:effectRef idx="0">
+            <a:schemeClr val="accent1"/>
+          </a:effectRef>
+          <a:fontRef idx="minor">
+            <a:schemeClr val="tx1"/>
+          </a:fontRef>
+        </p:style>
+      </p:cxnSp>
+      <p:cxnSp>
+        <p:nvCxnSpPr>
+          <p:cNvPr id="36" name="直線接點 35"/>
+          <p:cNvCxnSpPr/>
+          <p:nvPr/>
+        </p:nvCxnSpPr>
+        <p:spPr>
+          <a:xfrm>
+            <a:off x="2673785" y="5707813"/>
+            <a:ext cx="2315934" cy="219485"/>
+          </a:xfrm>
+          <a:prstGeom prst="line">
+            <a:avLst/>
+          </a:prstGeom>
+          <a:ln w="28575"/>
+        </p:spPr>
+        <p:style>
+          <a:lnRef idx="1">
+            <a:schemeClr val="accent1"/>
+          </a:lnRef>
+          <a:fillRef idx="0">
+            <a:schemeClr val="accent1"/>
+          </a:fillRef>
+          <a:effectRef idx="0">
+            <a:schemeClr val="accent1"/>
+          </a:effectRef>
+          <a:fontRef idx="minor">
+            <a:schemeClr val="tx1"/>
+          </a:fontRef>
+        </p:style>
+      </p:cxnSp>
+      <p:cxnSp>
+        <p:nvCxnSpPr>
+          <p:cNvPr id="33" name="直線接點 32"/>
+          <p:cNvCxnSpPr/>
+          <p:nvPr/>
+        </p:nvCxnSpPr>
+        <p:spPr>
+          <a:xfrm>
+            <a:off x="4015451" y="5167343"/>
+            <a:ext cx="952500" cy="761983"/>
+          </a:xfrm>
+          <a:prstGeom prst="line">
+            <a:avLst/>
+          </a:prstGeom>
+          <a:ln w="28575"/>
+        </p:spPr>
+        <p:style>
+          <a:lnRef idx="1">
+            <a:schemeClr val="accent1"/>
+          </a:lnRef>
+          <a:fillRef idx="0">
+            <a:schemeClr val="accent1"/>
+          </a:fillRef>
+          <a:effectRef idx="0">
+            <a:schemeClr val="accent1"/>
+          </a:effectRef>
+          <a:fontRef idx="minor">
+            <a:schemeClr val="tx1"/>
+          </a:fontRef>
+        </p:style>
+      </p:cxnSp>
+      <p:cxnSp>
+        <p:nvCxnSpPr>
+          <p:cNvPr id="30" name="直線接點 29"/>
+          <p:cNvCxnSpPr/>
+          <p:nvPr/>
+        </p:nvCxnSpPr>
+        <p:spPr>
+          <a:xfrm flipV="1">
+            <a:off x="2673785" y="5138751"/>
+            <a:ext cx="1341666" cy="571500"/>
+          </a:xfrm>
+          <a:prstGeom prst="line">
+            <a:avLst/>
+          </a:prstGeom>
+          <a:ln w="28575"/>
+        </p:spPr>
+        <p:style>
+          <a:lnRef idx="1">
+            <a:schemeClr val="accent1"/>
+          </a:lnRef>
+          <a:fillRef idx="0">
+            <a:schemeClr val="accent1"/>
+          </a:fillRef>
+          <a:effectRef idx="0">
+            <a:schemeClr val="accent1"/>
+          </a:effectRef>
+          <a:fontRef idx="minor">
+            <a:schemeClr val="tx1"/>
+          </a:fontRef>
+        </p:style>
+      </p:cxnSp>
+      <p:cxnSp>
+        <p:nvCxnSpPr>
+          <p:cNvPr id="27" name="直線接點 26"/>
+          <p:cNvCxnSpPr/>
+          <p:nvPr/>
+        </p:nvCxnSpPr>
+        <p:spPr>
+          <a:xfrm flipV="1">
+            <a:off x="2641133" y="4150082"/>
+            <a:ext cx="240843" cy="1560169"/>
+          </a:xfrm>
+          <a:prstGeom prst="line">
+            <a:avLst/>
+          </a:prstGeom>
+          <a:ln w="28575"/>
+        </p:spPr>
+        <p:style>
+          <a:lnRef idx="1">
+            <a:schemeClr val="accent1"/>
+          </a:lnRef>
+          <a:fillRef idx="0">
+            <a:schemeClr val="accent1"/>
+          </a:fillRef>
+          <a:effectRef idx="0">
+            <a:schemeClr val="accent1"/>
+          </a:effectRef>
+          <a:fontRef idx="minor">
+            <a:schemeClr val="tx1"/>
+          </a:fontRef>
+        </p:style>
+      </p:cxnSp>
+      <p:cxnSp>
+        <p:nvCxnSpPr>
+          <p:cNvPr id="24" name="直線接點 23"/>
+          <p:cNvCxnSpPr/>
+          <p:nvPr/>
+        </p:nvCxnSpPr>
+        <p:spPr>
+          <a:xfrm>
+            <a:off x="2865650" y="4168459"/>
+            <a:ext cx="1149801" cy="980507"/>
+          </a:xfrm>
+          <a:prstGeom prst="line">
+            <a:avLst/>
+          </a:prstGeom>
+          <a:ln w="28575"/>
+        </p:spPr>
+        <p:style>
+          <a:lnRef idx="1">
+            <a:schemeClr val="accent1"/>
+          </a:lnRef>
+          <a:fillRef idx="0">
+            <a:schemeClr val="accent1"/>
+          </a:fillRef>
+          <a:effectRef idx="0">
+            <a:schemeClr val="accent1"/>
+          </a:effectRef>
+          <a:fontRef idx="minor">
+            <a:schemeClr val="tx1"/>
+          </a:fontRef>
+        </p:style>
+      </p:cxnSp>
+      <p:cxnSp>
+        <p:nvCxnSpPr>
+          <p:cNvPr id="21" name="直線接點 20"/>
+          <p:cNvCxnSpPr/>
+          <p:nvPr/>
+        </p:nvCxnSpPr>
+        <p:spPr>
+          <a:xfrm flipV="1">
+            <a:off x="2871092" y="3841777"/>
+            <a:ext cx="1877784" cy="326682"/>
+          </a:xfrm>
+          <a:prstGeom prst="line">
+            <a:avLst/>
+          </a:prstGeom>
+          <a:ln w="28575"/>
+        </p:spPr>
+        <p:style>
+          <a:lnRef idx="1">
+            <a:schemeClr val="accent1"/>
+          </a:lnRef>
+          <a:fillRef idx="0">
+            <a:schemeClr val="accent1"/>
+          </a:fillRef>
+          <a:effectRef idx="0">
+            <a:schemeClr val="accent1"/>
+          </a:effectRef>
+          <a:fontRef idx="minor">
+            <a:schemeClr val="tx1"/>
+          </a:fontRef>
+        </p:style>
+      </p:cxnSp>
+      <p:cxnSp>
+        <p:nvCxnSpPr>
+          <p:cNvPr id="18" name="直線接點 17"/>
+          <p:cNvCxnSpPr/>
+          <p:nvPr/>
+        </p:nvCxnSpPr>
+        <p:spPr>
+          <a:xfrm>
+            <a:off x="4727108" y="3841777"/>
+            <a:ext cx="240843" cy="2087549"/>
+          </a:xfrm>
+          <a:prstGeom prst="line">
+            <a:avLst/>
+          </a:prstGeom>
+          <a:ln w="28575"/>
+        </p:spPr>
+        <p:style>
+          <a:lnRef idx="1">
+            <a:schemeClr val="accent1"/>
+          </a:lnRef>
+          <a:fillRef idx="0">
+            <a:schemeClr val="accent1"/>
+          </a:fillRef>
+          <a:effectRef idx="0">
+            <a:schemeClr val="accent1"/>
+          </a:effectRef>
+          <a:fontRef idx="minor">
+            <a:schemeClr val="tx1"/>
+          </a:fontRef>
+        </p:style>
+      </p:cxnSp>
+      <p:cxnSp>
+        <p:nvCxnSpPr>
+          <p:cNvPr id="15" name="直線接點 14"/>
+          <p:cNvCxnSpPr/>
+          <p:nvPr/>
+        </p:nvCxnSpPr>
+        <p:spPr>
+          <a:xfrm flipH="1">
+            <a:off x="4015451" y="3841777"/>
+            <a:ext cx="711657" cy="1296974"/>
+          </a:xfrm>
+          <a:prstGeom prst="line">
+            <a:avLst/>
+          </a:prstGeom>
+          <a:ln w="28575"/>
+        </p:spPr>
+        <p:style>
+          <a:lnRef idx="1">
+            <a:schemeClr val="accent1"/>
+          </a:lnRef>
+          <a:fillRef idx="0">
+            <a:schemeClr val="accent1"/>
+          </a:fillRef>
+          <a:effectRef idx="0">
+            <a:schemeClr val="accent1"/>
+          </a:effectRef>
+          <a:fontRef idx="minor">
+            <a:schemeClr val="tx1"/>
+          </a:fontRef>
+        </p:style>
+      </p:cxnSp>
       <p:sp>
         <p:nvSpPr>
           <p:cNvPr id="6" name="橢圓 5"/>
@@ -3654,25 +4026,7 @@
                 <a:latin typeface="Times New Roman" panose="02020603050405020304" pitchFamily="18" charset="0"/>
                 <a:cs typeface="Times New Roman" panose="02020603050405020304" pitchFamily="18" charset="0"/>
               </a:rPr>
-              <a:t>(2</a:t>
-            </a:r>
-            <a:r>
-              <a:rPr lang="en-US" altLang="zh-TW" sz="3200" b="1" cap="none" spc="0" dirty="0" smtClean="0">
-                <a:ln w="0"/>
-                <a:solidFill>
-                  <a:schemeClr val="accent1"/>
-                </a:solidFill>
-                <a:effectLst>
-                  <a:outerShdw blurRad="38100" dist="25400" dir="5400000" algn="ctr" rotWithShape="0">
-                    <a:srgbClr val="6E747A">
-                      <a:alpha val="43000"/>
-                    </a:srgbClr>
-                  </a:outerShdw>
-                </a:effectLst>
-                <a:latin typeface="Times New Roman" panose="02020603050405020304" pitchFamily="18" charset="0"/>
-                <a:cs typeface="Times New Roman" panose="02020603050405020304" pitchFamily="18" charset="0"/>
-              </a:rPr>
-              <a:t>)</a:t>
+              <a:t>(2)</a:t>
             </a:r>
             <a:r>
               <a:rPr lang="zh-TW" altLang="en-US" sz="3200" b="1" cap="none" spc="0" dirty="0" smtClean="0">
@@ -3946,6 +4300,862 @@
           </a:p>
         </p:txBody>
       </p:sp>
+      <p:sp>
+        <p:nvSpPr>
+          <p:cNvPr id="3" name="橢圓 2"/>
+          <p:cNvSpPr/>
+          <p:nvPr/>
+        </p:nvSpPr>
+        <p:spPr>
+          <a:xfrm>
+            <a:off x="2662901" y="3949384"/>
+            <a:ext cx="438150" cy="438150"/>
+          </a:xfrm>
+          <a:prstGeom prst="ellipse">
+            <a:avLst/>
+          </a:prstGeom>
+          <a:solidFill>
+            <a:schemeClr val="bg2">
+              <a:lumMod val="50000"/>
+            </a:schemeClr>
+          </a:solidFill>
+          <a:ln>
+            <a:noFill/>
+          </a:ln>
+        </p:spPr>
+        <p:style>
+          <a:lnRef idx="2">
+            <a:schemeClr val="accent1">
+              <a:shade val="50000"/>
+            </a:schemeClr>
+          </a:lnRef>
+          <a:fillRef idx="1">
+            <a:schemeClr val="accent1"/>
+          </a:fillRef>
+          <a:effectRef idx="0">
+            <a:schemeClr val="accent1"/>
+          </a:effectRef>
+          <a:fontRef idx="minor">
+            <a:schemeClr val="lt1"/>
+          </a:fontRef>
+        </p:style>
+        <p:txBody>
+          <a:bodyPr rtlCol="0" anchor="ctr"/>
+          <a:lstStyle/>
+          <a:p>
+            <a:pPr algn="ctr"/>
+            <a:endParaRPr lang="zh-TW" altLang="en-US"/>
+          </a:p>
+        </p:txBody>
+      </p:sp>
+      <p:sp>
+        <p:nvSpPr>
+          <p:cNvPr id="11" name="橢圓 10"/>
+          <p:cNvSpPr/>
+          <p:nvPr/>
+        </p:nvSpPr>
+        <p:spPr>
+          <a:xfrm>
+            <a:off x="3796376" y="4919676"/>
+            <a:ext cx="438150" cy="438150"/>
+          </a:xfrm>
+          <a:prstGeom prst="ellipse">
+            <a:avLst/>
+          </a:prstGeom>
+          <a:solidFill>
+            <a:schemeClr val="bg2">
+              <a:lumMod val="50000"/>
+            </a:schemeClr>
+          </a:solidFill>
+          <a:ln>
+            <a:noFill/>
+          </a:ln>
+        </p:spPr>
+        <p:style>
+          <a:lnRef idx="2">
+            <a:schemeClr val="accent1">
+              <a:shade val="50000"/>
+            </a:schemeClr>
+          </a:lnRef>
+          <a:fillRef idx="1">
+            <a:schemeClr val="accent1"/>
+          </a:fillRef>
+          <a:effectRef idx="0">
+            <a:schemeClr val="accent1"/>
+          </a:effectRef>
+          <a:fontRef idx="minor">
+            <a:schemeClr val="lt1"/>
+          </a:fontRef>
+        </p:style>
+        <p:txBody>
+          <a:bodyPr rtlCol="0" anchor="ctr"/>
+          <a:lstStyle/>
+          <a:p>
+            <a:pPr algn="ctr"/>
+            <a:endParaRPr lang="zh-TW" altLang="en-US"/>
+          </a:p>
+        </p:txBody>
+      </p:sp>
+      <p:sp>
+        <p:nvSpPr>
+          <p:cNvPr id="12" name="橢圓 11"/>
+          <p:cNvSpPr/>
+          <p:nvPr/>
+        </p:nvSpPr>
+        <p:spPr>
+          <a:xfrm>
+            <a:off x="2443826" y="5470771"/>
+            <a:ext cx="438150" cy="438150"/>
+          </a:xfrm>
+          <a:prstGeom prst="ellipse">
+            <a:avLst/>
+          </a:prstGeom>
+          <a:solidFill>
+            <a:schemeClr val="bg2">
+              <a:lumMod val="50000"/>
+            </a:schemeClr>
+          </a:solidFill>
+          <a:ln>
+            <a:noFill/>
+          </a:ln>
+        </p:spPr>
+        <p:style>
+          <a:lnRef idx="2">
+            <a:schemeClr val="accent1">
+              <a:shade val="50000"/>
+            </a:schemeClr>
+          </a:lnRef>
+          <a:fillRef idx="1">
+            <a:schemeClr val="accent1"/>
+          </a:fillRef>
+          <a:effectRef idx="0">
+            <a:schemeClr val="accent1"/>
+          </a:effectRef>
+          <a:fontRef idx="minor">
+            <a:schemeClr val="lt1"/>
+          </a:fontRef>
+        </p:style>
+        <p:txBody>
+          <a:bodyPr rtlCol="0" anchor="ctr"/>
+          <a:lstStyle/>
+          <a:p>
+            <a:pPr algn="ctr"/>
+            <a:endParaRPr lang="zh-TW" altLang="en-US"/>
+          </a:p>
+        </p:txBody>
+      </p:sp>
+      <p:sp>
+        <p:nvSpPr>
+          <p:cNvPr id="13" name="橢圓 12"/>
+          <p:cNvSpPr/>
+          <p:nvPr/>
+        </p:nvSpPr>
+        <p:spPr>
+          <a:xfrm>
+            <a:off x="4748876" y="5710251"/>
+            <a:ext cx="438150" cy="438150"/>
+          </a:xfrm>
+          <a:prstGeom prst="ellipse">
+            <a:avLst/>
+          </a:prstGeom>
+          <a:solidFill>
+            <a:schemeClr val="bg2">
+              <a:lumMod val="50000"/>
+            </a:schemeClr>
+          </a:solidFill>
+          <a:ln>
+            <a:noFill/>
+          </a:ln>
+        </p:spPr>
+        <p:style>
+          <a:lnRef idx="2">
+            <a:schemeClr val="accent1">
+              <a:shade val="50000"/>
+            </a:schemeClr>
+          </a:lnRef>
+          <a:fillRef idx="1">
+            <a:schemeClr val="accent1"/>
+          </a:fillRef>
+          <a:effectRef idx="0">
+            <a:schemeClr val="accent1"/>
+          </a:effectRef>
+          <a:fontRef idx="minor">
+            <a:schemeClr val="lt1"/>
+          </a:fontRef>
+        </p:style>
+        <p:txBody>
+          <a:bodyPr rtlCol="0" anchor="ctr"/>
+          <a:lstStyle/>
+          <a:p>
+            <a:pPr algn="ctr"/>
+            <a:endParaRPr lang="zh-TW" altLang="en-US"/>
+          </a:p>
+        </p:txBody>
+      </p:sp>
+      <p:sp>
+        <p:nvSpPr>
+          <p:cNvPr id="14" name="橢圓 13"/>
+          <p:cNvSpPr/>
+          <p:nvPr/>
+        </p:nvSpPr>
+        <p:spPr>
+          <a:xfrm>
+            <a:off x="4508033" y="3622702"/>
+            <a:ext cx="438150" cy="438150"/>
+          </a:xfrm>
+          <a:prstGeom prst="ellipse">
+            <a:avLst/>
+          </a:prstGeom>
+          <a:solidFill>
+            <a:schemeClr val="bg2">
+              <a:lumMod val="50000"/>
+            </a:schemeClr>
+          </a:solidFill>
+          <a:ln>
+            <a:noFill/>
+          </a:ln>
+        </p:spPr>
+        <p:style>
+          <a:lnRef idx="2">
+            <a:schemeClr val="accent1">
+              <a:shade val="50000"/>
+            </a:schemeClr>
+          </a:lnRef>
+          <a:fillRef idx="1">
+            <a:schemeClr val="accent1"/>
+          </a:fillRef>
+          <a:effectRef idx="0">
+            <a:schemeClr val="accent1"/>
+          </a:effectRef>
+          <a:fontRef idx="minor">
+            <a:schemeClr val="lt1"/>
+          </a:fontRef>
+        </p:style>
+        <p:txBody>
+          <a:bodyPr rtlCol="0" anchor="ctr"/>
+          <a:lstStyle/>
+          <a:p>
+            <a:pPr algn="ctr"/>
+            <a:endParaRPr lang="zh-TW" altLang="en-US"/>
+          </a:p>
+        </p:txBody>
+      </p:sp>
+      <p:sp>
+        <p:nvSpPr>
+          <p:cNvPr id="39" name="橢圓 38"/>
+          <p:cNvSpPr/>
+          <p:nvPr/>
+        </p:nvSpPr>
+        <p:spPr>
+          <a:xfrm>
+            <a:off x="5492511" y="4638756"/>
+            <a:ext cx="438150" cy="438150"/>
+          </a:xfrm>
+          <a:prstGeom prst="ellipse">
+            <a:avLst/>
+          </a:prstGeom>
+          <a:solidFill>
+            <a:schemeClr val="bg2">
+              <a:lumMod val="50000"/>
+            </a:schemeClr>
+          </a:solidFill>
+          <a:ln>
+            <a:noFill/>
+          </a:ln>
+        </p:spPr>
+        <p:style>
+          <a:lnRef idx="2">
+            <a:schemeClr val="accent1">
+              <a:shade val="50000"/>
+            </a:schemeClr>
+          </a:lnRef>
+          <a:fillRef idx="1">
+            <a:schemeClr val="accent1"/>
+          </a:fillRef>
+          <a:effectRef idx="0">
+            <a:schemeClr val="accent1"/>
+          </a:effectRef>
+          <a:fontRef idx="minor">
+            <a:schemeClr val="lt1"/>
+          </a:fontRef>
+        </p:style>
+        <p:txBody>
+          <a:bodyPr rtlCol="0" anchor="ctr"/>
+          <a:lstStyle/>
+          <a:p>
+            <a:pPr algn="ctr"/>
+            <a:endParaRPr lang="zh-TW" altLang="en-US"/>
+          </a:p>
+        </p:txBody>
+      </p:sp>
+      <p:sp>
+        <p:nvSpPr>
+          <p:cNvPr id="40" name="橢圓 39"/>
+          <p:cNvSpPr/>
+          <p:nvPr/>
+        </p:nvSpPr>
+        <p:spPr>
+          <a:xfrm>
+            <a:off x="1630804" y="4478614"/>
+            <a:ext cx="438150" cy="438150"/>
+          </a:xfrm>
+          <a:prstGeom prst="ellipse">
+            <a:avLst/>
+          </a:prstGeom>
+          <a:solidFill>
+            <a:schemeClr val="bg2">
+              <a:lumMod val="50000"/>
+            </a:schemeClr>
+          </a:solidFill>
+          <a:ln>
+            <a:noFill/>
+          </a:ln>
+        </p:spPr>
+        <p:style>
+          <a:lnRef idx="2">
+            <a:schemeClr val="accent1">
+              <a:shade val="50000"/>
+            </a:schemeClr>
+          </a:lnRef>
+          <a:fillRef idx="1">
+            <a:schemeClr val="accent1"/>
+          </a:fillRef>
+          <a:effectRef idx="0">
+            <a:schemeClr val="accent1"/>
+          </a:effectRef>
+          <a:fontRef idx="minor">
+            <a:schemeClr val="lt1"/>
+          </a:fontRef>
+        </p:style>
+        <p:txBody>
+          <a:bodyPr rtlCol="0" anchor="ctr"/>
+          <a:lstStyle/>
+          <a:p>
+            <a:pPr algn="ctr"/>
+            <a:endParaRPr lang="zh-TW" altLang="en-US"/>
+          </a:p>
+        </p:txBody>
+      </p:sp>
+      <p:sp>
+        <p:nvSpPr>
+          <p:cNvPr id="55" name="雲朵形 54"/>
+          <p:cNvSpPr/>
+          <p:nvPr/>
+        </p:nvSpPr>
+        <p:spPr>
+          <a:xfrm>
+            <a:off x="5663276" y="3814747"/>
+            <a:ext cx="4288699" cy="1138376"/>
+          </a:xfrm>
+          <a:prstGeom prst="cloud">
+            <a:avLst/>
+          </a:prstGeom>
+          <a:noFill/>
+        </p:spPr>
+        <p:style>
+          <a:lnRef idx="2">
+            <a:schemeClr val="accent1">
+              <a:shade val="50000"/>
+            </a:schemeClr>
+          </a:lnRef>
+          <a:fillRef idx="1">
+            <a:schemeClr val="accent1"/>
+          </a:fillRef>
+          <a:effectRef idx="0">
+            <a:schemeClr val="accent1"/>
+          </a:effectRef>
+          <a:fontRef idx="minor">
+            <a:schemeClr val="lt1"/>
+          </a:fontRef>
+        </p:style>
+        <p:txBody>
+          <a:bodyPr rtlCol="0" anchor="ctr"/>
+          <a:lstStyle/>
+          <a:p>
+            <a:pPr algn="ctr"/>
+            <a:endParaRPr lang="zh-TW" altLang="en-US"/>
+          </a:p>
+        </p:txBody>
+      </p:sp>
+      <p:sp>
+        <p:nvSpPr>
+          <p:cNvPr id="56" name="立方體 55"/>
+          <p:cNvSpPr/>
+          <p:nvPr/>
+        </p:nvSpPr>
+        <p:spPr>
+          <a:xfrm>
+            <a:off x="6265052" y="4176355"/>
+            <a:ext cx="476250" cy="415160"/>
+          </a:xfrm>
+          <a:prstGeom prst="cube">
+            <a:avLst/>
+          </a:prstGeom>
+          <a:solidFill>
+            <a:schemeClr val="accent2">
+              <a:lumMod val="40000"/>
+              <a:lumOff val="60000"/>
+            </a:schemeClr>
+          </a:solidFill>
+        </p:spPr>
+        <p:style>
+          <a:lnRef idx="2">
+            <a:schemeClr val="accent1">
+              <a:shade val="50000"/>
+            </a:schemeClr>
+          </a:lnRef>
+          <a:fillRef idx="1">
+            <a:schemeClr val="accent1"/>
+          </a:fillRef>
+          <a:effectRef idx="0">
+            <a:schemeClr val="accent1"/>
+          </a:effectRef>
+          <a:fontRef idx="minor">
+            <a:schemeClr val="lt1"/>
+          </a:fontRef>
+        </p:style>
+        <p:txBody>
+          <a:bodyPr rtlCol="0" anchor="ctr"/>
+          <a:lstStyle/>
+          <a:p>
+            <a:pPr algn="ctr"/>
+            <a:endParaRPr lang="zh-TW" altLang="en-US"/>
+          </a:p>
+        </p:txBody>
+      </p:sp>
+      <p:sp>
+        <p:nvSpPr>
+          <p:cNvPr id="57" name="立方體 56"/>
+          <p:cNvSpPr/>
+          <p:nvPr/>
+        </p:nvSpPr>
+        <p:spPr>
+          <a:xfrm>
+            <a:off x="6995063" y="4176355"/>
+            <a:ext cx="476250" cy="415160"/>
+          </a:xfrm>
+          <a:prstGeom prst="cube">
+            <a:avLst/>
+          </a:prstGeom>
+          <a:solidFill>
+            <a:schemeClr val="accent2">
+              <a:lumMod val="40000"/>
+              <a:lumOff val="60000"/>
+            </a:schemeClr>
+          </a:solidFill>
+        </p:spPr>
+        <p:style>
+          <a:lnRef idx="2">
+            <a:schemeClr val="accent1">
+              <a:shade val="50000"/>
+            </a:schemeClr>
+          </a:lnRef>
+          <a:fillRef idx="1">
+            <a:schemeClr val="accent1"/>
+          </a:fillRef>
+          <a:effectRef idx="0">
+            <a:schemeClr val="accent1"/>
+          </a:effectRef>
+          <a:fontRef idx="minor">
+            <a:schemeClr val="lt1"/>
+          </a:fontRef>
+        </p:style>
+        <p:txBody>
+          <a:bodyPr rtlCol="0" anchor="ctr"/>
+          <a:lstStyle/>
+          <a:p>
+            <a:pPr algn="ctr"/>
+            <a:endParaRPr lang="zh-TW" altLang="en-US"/>
+          </a:p>
+        </p:txBody>
+      </p:sp>
+      <p:sp>
+        <p:nvSpPr>
+          <p:cNvPr id="58" name="立方體 57"/>
+          <p:cNvSpPr/>
+          <p:nvPr/>
+        </p:nvSpPr>
+        <p:spPr>
+          <a:xfrm>
+            <a:off x="7726069" y="4176355"/>
+            <a:ext cx="476250" cy="415160"/>
+          </a:xfrm>
+          <a:prstGeom prst="cube">
+            <a:avLst/>
+          </a:prstGeom>
+          <a:solidFill>
+            <a:schemeClr val="accent2">
+              <a:lumMod val="40000"/>
+              <a:lumOff val="60000"/>
+            </a:schemeClr>
+          </a:solidFill>
+        </p:spPr>
+        <p:style>
+          <a:lnRef idx="2">
+            <a:schemeClr val="accent1">
+              <a:shade val="50000"/>
+            </a:schemeClr>
+          </a:lnRef>
+          <a:fillRef idx="1">
+            <a:schemeClr val="accent1"/>
+          </a:fillRef>
+          <a:effectRef idx="0">
+            <a:schemeClr val="accent1"/>
+          </a:effectRef>
+          <a:fontRef idx="minor">
+            <a:schemeClr val="lt1"/>
+          </a:fontRef>
+        </p:style>
+        <p:txBody>
+          <a:bodyPr rtlCol="0" anchor="ctr"/>
+          <a:lstStyle/>
+          <a:p>
+            <a:pPr algn="ctr"/>
+            <a:endParaRPr lang="zh-TW" altLang="en-US"/>
+          </a:p>
+        </p:txBody>
+      </p:sp>
+      <p:sp>
+        <p:nvSpPr>
+          <p:cNvPr id="59" name="立方體 58"/>
+          <p:cNvSpPr/>
+          <p:nvPr/>
+        </p:nvSpPr>
+        <p:spPr>
+          <a:xfrm>
+            <a:off x="8457075" y="4176355"/>
+            <a:ext cx="476250" cy="415160"/>
+          </a:xfrm>
+          <a:prstGeom prst="cube">
+            <a:avLst/>
+          </a:prstGeom>
+          <a:solidFill>
+            <a:schemeClr val="accent2">
+              <a:lumMod val="40000"/>
+              <a:lumOff val="60000"/>
+            </a:schemeClr>
+          </a:solidFill>
+        </p:spPr>
+        <p:style>
+          <a:lnRef idx="2">
+            <a:schemeClr val="accent1">
+              <a:shade val="50000"/>
+            </a:schemeClr>
+          </a:lnRef>
+          <a:fillRef idx="1">
+            <a:schemeClr val="accent1"/>
+          </a:fillRef>
+          <a:effectRef idx="0">
+            <a:schemeClr val="accent1"/>
+          </a:effectRef>
+          <a:fontRef idx="minor">
+            <a:schemeClr val="lt1"/>
+          </a:fontRef>
+        </p:style>
+        <p:txBody>
+          <a:bodyPr rtlCol="0" anchor="ctr"/>
+          <a:lstStyle/>
+          <a:p>
+            <a:pPr algn="ctr"/>
+            <a:endParaRPr lang="zh-TW" altLang="en-US"/>
+          </a:p>
+        </p:txBody>
+      </p:sp>
+      <p:cxnSp>
+        <p:nvCxnSpPr>
+          <p:cNvPr id="60" name="直線接點 59"/>
+          <p:cNvCxnSpPr>
+            <a:stCxn id="56" idx="4"/>
+            <a:endCxn id="57" idx="2"/>
+          </p:cNvCxnSpPr>
+          <p:nvPr/>
+        </p:nvCxnSpPr>
+        <p:spPr>
+          <a:xfrm>
+            <a:off x="6637512" y="4435830"/>
+            <a:ext cx="357551" cy="0"/>
+          </a:xfrm>
+          <a:prstGeom prst="line">
+            <a:avLst/>
+          </a:prstGeom>
+          <a:ln w="28575">
+            <a:solidFill>
+              <a:schemeClr val="accent3">
+                <a:lumMod val="75000"/>
+              </a:schemeClr>
+            </a:solidFill>
+          </a:ln>
+        </p:spPr>
+        <p:style>
+          <a:lnRef idx="1">
+            <a:schemeClr val="accent1"/>
+          </a:lnRef>
+          <a:fillRef idx="0">
+            <a:schemeClr val="accent1"/>
+          </a:fillRef>
+          <a:effectRef idx="0">
+            <a:schemeClr val="accent1"/>
+          </a:effectRef>
+          <a:fontRef idx="minor">
+            <a:schemeClr val="tx1"/>
+          </a:fontRef>
+        </p:style>
+      </p:cxnSp>
+      <p:cxnSp>
+        <p:nvCxnSpPr>
+          <p:cNvPr id="70" name="直線接點 69"/>
+          <p:cNvCxnSpPr/>
+          <p:nvPr/>
+        </p:nvCxnSpPr>
+        <p:spPr>
+          <a:xfrm>
+            <a:off x="7368518" y="4435830"/>
+            <a:ext cx="357551" cy="0"/>
+          </a:xfrm>
+          <a:prstGeom prst="line">
+            <a:avLst/>
+          </a:prstGeom>
+          <a:ln w="28575">
+            <a:solidFill>
+              <a:schemeClr val="accent3">
+                <a:lumMod val="75000"/>
+              </a:schemeClr>
+            </a:solidFill>
+          </a:ln>
+        </p:spPr>
+        <p:style>
+          <a:lnRef idx="1">
+            <a:schemeClr val="accent1"/>
+          </a:lnRef>
+          <a:fillRef idx="0">
+            <a:schemeClr val="accent1"/>
+          </a:fillRef>
+          <a:effectRef idx="0">
+            <a:schemeClr val="accent1"/>
+          </a:effectRef>
+          <a:fontRef idx="minor">
+            <a:schemeClr val="tx1"/>
+          </a:fontRef>
+        </p:style>
+      </p:cxnSp>
+      <p:cxnSp>
+        <p:nvCxnSpPr>
+          <p:cNvPr id="71" name="直線接點 70"/>
+          <p:cNvCxnSpPr/>
+          <p:nvPr/>
+        </p:nvCxnSpPr>
+        <p:spPr>
+          <a:xfrm>
+            <a:off x="8099524" y="4435830"/>
+            <a:ext cx="357551" cy="0"/>
+          </a:xfrm>
+          <a:prstGeom prst="line">
+            <a:avLst/>
+          </a:prstGeom>
+          <a:ln w="28575">
+            <a:solidFill>
+              <a:schemeClr val="accent3">
+                <a:lumMod val="75000"/>
+              </a:schemeClr>
+            </a:solidFill>
+          </a:ln>
+        </p:spPr>
+        <p:style>
+          <a:lnRef idx="1">
+            <a:schemeClr val="accent1"/>
+          </a:lnRef>
+          <a:fillRef idx="0">
+            <a:schemeClr val="accent1"/>
+          </a:fillRef>
+          <a:effectRef idx="0">
+            <a:schemeClr val="accent1"/>
+          </a:effectRef>
+          <a:fontRef idx="minor">
+            <a:schemeClr val="tx1"/>
+          </a:fontRef>
+        </p:style>
+      </p:cxnSp>
+      <p:cxnSp>
+        <p:nvCxnSpPr>
+          <p:cNvPr id="72" name="直線接點 71"/>
+          <p:cNvCxnSpPr/>
+          <p:nvPr/>
+        </p:nvCxnSpPr>
+        <p:spPr>
+          <a:xfrm>
+            <a:off x="8857681" y="4424922"/>
+            <a:ext cx="357551" cy="0"/>
+          </a:xfrm>
+          <a:prstGeom prst="line">
+            <a:avLst/>
+          </a:prstGeom>
+          <a:ln w="28575">
+            <a:solidFill>
+              <a:schemeClr val="accent3">
+                <a:lumMod val="75000"/>
+              </a:schemeClr>
+            </a:solidFill>
+          </a:ln>
+        </p:spPr>
+        <p:style>
+          <a:lnRef idx="1">
+            <a:schemeClr val="accent1"/>
+          </a:lnRef>
+          <a:fillRef idx="0">
+            <a:schemeClr val="accent1"/>
+          </a:fillRef>
+          <a:effectRef idx="0">
+            <a:schemeClr val="accent1"/>
+          </a:effectRef>
+          <a:fontRef idx="minor">
+            <a:schemeClr val="tx1"/>
+          </a:fontRef>
+        </p:style>
+      </p:cxnSp>
+      <p:sp>
+        <p:nvSpPr>
+          <p:cNvPr id="73" name="橢圓 72"/>
+          <p:cNvSpPr/>
+          <p:nvPr/>
+        </p:nvSpPr>
+        <p:spPr>
+          <a:xfrm>
+            <a:off x="9333931" y="4395424"/>
+            <a:ext cx="70518" cy="80812"/>
+          </a:xfrm>
+          <a:prstGeom prst="ellipse">
+            <a:avLst/>
+          </a:prstGeom>
+          <a:solidFill>
+            <a:schemeClr val="bg2">
+              <a:lumMod val="75000"/>
+            </a:schemeClr>
+          </a:solidFill>
+          <a:ln>
+            <a:noFill/>
+          </a:ln>
+        </p:spPr>
+        <p:style>
+          <a:lnRef idx="2">
+            <a:schemeClr val="accent1">
+              <a:shade val="50000"/>
+            </a:schemeClr>
+          </a:lnRef>
+          <a:fillRef idx="1">
+            <a:schemeClr val="accent1"/>
+          </a:fillRef>
+          <a:effectRef idx="0">
+            <a:schemeClr val="accent1"/>
+          </a:effectRef>
+          <a:fontRef idx="minor">
+            <a:schemeClr val="lt1"/>
+          </a:fontRef>
+        </p:style>
+        <p:txBody>
+          <a:bodyPr rtlCol="0" anchor="ctr"/>
+          <a:lstStyle/>
+          <a:p>
+            <a:pPr algn="ctr"/>
+            <a:endParaRPr lang="zh-TW" altLang="en-US"/>
+          </a:p>
+        </p:txBody>
+      </p:sp>
+      <p:sp>
+        <p:nvSpPr>
+          <p:cNvPr id="74" name="橢圓 73"/>
+          <p:cNvSpPr/>
+          <p:nvPr/>
+        </p:nvSpPr>
+        <p:spPr>
+          <a:xfrm>
+            <a:off x="9544318" y="4395424"/>
+            <a:ext cx="70518" cy="80812"/>
+          </a:xfrm>
+          <a:prstGeom prst="ellipse">
+            <a:avLst/>
+          </a:prstGeom>
+          <a:solidFill>
+            <a:schemeClr val="bg2">
+              <a:lumMod val="75000"/>
+            </a:schemeClr>
+          </a:solidFill>
+          <a:ln>
+            <a:noFill/>
+          </a:ln>
+        </p:spPr>
+        <p:style>
+          <a:lnRef idx="2">
+            <a:schemeClr val="accent1">
+              <a:shade val="50000"/>
+            </a:schemeClr>
+          </a:lnRef>
+          <a:fillRef idx="1">
+            <a:schemeClr val="accent1"/>
+          </a:fillRef>
+          <a:effectRef idx="0">
+            <a:schemeClr val="accent1"/>
+          </a:effectRef>
+          <a:fontRef idx="minor">
+            <a:schemeClr val="lt1"/>
+          </a:fontRef>
+        </p:style>
+        <p:txBody>
+          <a:bodyPr rtlCol="0" anchor="ctr"/>
+          <a:lstStyle/>
+          <a:p>
+            <a:pPr algn="ctr"/>
+            <a:endParaRPr lang="zh-TW" altLang="en-US"/>
+          </a:p>
+        </p:txBody>
+      </p:sp>
+      <p:sp>
+        <p:nvSpPr>
+          <p:cNvPr id="75" name="橢圓 74"/>
+          <p:cNvSpPr/>
+          <p:nvPr/>
+        </p:nvSpPr>
+        <p:spPr>
+          <a:xfrm>
+            <a:off x="9734537" y="4395424"/>
+            <a:ext cx="70518" cy="80812"/>
+          </a:xfrm>
+          <a:prstGeom prst="ellipse">
+            <a:avLst/>
+          </a:prstGeom>
+          <a:solidFill>
+            <a:schemeClr val="bg2">
+              <a:lumMod val="75000"/>
+            </a:schemeClr>
+          </a:solidFill>
+          <a:ln>
+            <a:noFill/>
+          </a:ln>
+        </p:spPr>
+        <p:style>
+          <a:lnRef idx="2">
+            <a:schemeClr val="accent1">
+              <a:shade val="50000"/>
+            </a:schemeClr>
+          </a:lnRef>
+          <a:fillRef idx="1">
+            <a:schemeClr val="accent1"/>
+          </a:fillRef>
+          <a:effectRef idx="0">
+            <a:schemeClr val="accent1"/>
+          </a:effectRef>
+          <a:fontRef idx="minor">
+            <a:schemeClr val="lt1"/>
+          </a:fontRef>
+        </p:style>
+        <p:txBody>
+          <a:bodyPr rtlCol="0" anchor="ctr"/>
+          <a:lstStyle/>
+          <a:p>
+            <a:pPr algn="ctr"/>
+            <a:endParaRPr lang="zh-TW" altLang="en-US"/>
+          </a:p>
+        </p:txBody>
+      </p:sp>
     </p:spTree>
     <p:extLst>
       <p:ext uri="{BB962C8B-B14F-4D97-AF65-F5344CB8AC3E}">
@@ -3956,6 +5166,13 @@
   <p:clrMapOvr>
     <a:masterClrMapping/>
   </p:clrMapOvr>
+  <p:timing>
+    <p:tnLst>
+      <p:par>
+        <p:cTn id="1" dur="indefinite" restart="never" nodeType="tmRoot"/>
+      </p:par>
+    </p:tnLst>
+  </p:timing>
 </p:sld>
 </file>
 
@@ -4104,25 +5321,7 @@
                 <a:latin typeface="Times New Roman" panose="02020603050405020304" pitchFamily="18" charset="0"/>
                 <a:cs typeface="Times New Roman" panose="02020603050405020304" pitchFamily="18" charset="0"/>
               </a:rPr>
-              <a:t>(2</a:t>
-            </a:r>
-            <a:r>
-              <a:rPr lang="en-US" altLang="zh-TW" sz="3200" b="1" cap="none" spc="0" dirty="0" smtClean="0">
-                <a:ln w="0"/>
-                <a:solidFill>
-                  <a:schemeClr val="accent1"/>
-                </a:solidFill>
-                <a:effectLst>
-                  <a:outerShdw blurRad="38100" dist="25400" dir="5400000" algn="ctr" rotWithShape="0">
-                    <a:srgbClr val="6E747A">
-                      <a:alpha val="43000"/>
-                    </a:srgbClr>
-                  </a:outerShdw>
-                </a:effectLst>
-                <a:latin typeface="Times New Roman" panose="02020603050405020304" pitchFamily="18" charset="0"/>
-                <a:cs typeface="Times New Roman" panose="02020603050405020304" pitchFamily="18" charset="0"/>
-              </a:rPr>
-              <a:t>)</a:t>
+              <a:t>(2)</a:t>
             </a:r>
             <a:r>
               <a:rPr lang="zh-TW" altLang="en-US" sz="3200" b="1" cap="none" spc="0" dirty="0" smtClean="0">
@@ -4390,25 +5589,7 @@
                 <a:latin typeface="Times New Roman" panose="02020603050405020304" pitchFamily="18" charset="0"/>
                 <a:cs typeface="Times New Roman" panose="02020603050405020304" pitchFamily="18" charset="0"/>
               </a:rPr>
-              <a:t>(2</a:t>
-            </a:r>
-            <a:r>
-              <a:rPr lang="en-US" altLang="zh-TW" sz="3200" b="1" cap="none" spc="0" dirty="0" smtClean="0">
-                <a:ln w="0"/>
-                <a:solidFill>
-                  <a:schemeClr val="accent1"/>
-                </a:solidFill>
-                <a:effectLst>
-                  <a:outerShdw blurRad="38100" dist="25400" dir="5400000" algn="ctr" rotWithShape="0">
-                    <a:srgbClr val="6E747A">
-                      <a:alpha val="43000"/>
-                    </a:srgbClr>
-                  </a:outerShdw>
-                </a:effectLst>
-                <a:latin typeface="Times New Roman" panose="02020603050405020304" pitchFamily="18" charset="0"/>
-                <a:cs typeface="Times New Roman" panose="02020603050405020304" pitchFamily="18" charset="0"/>
-              </a:rPr>
-              <a:t>)</a:t>
+              <a:t>(2)</a:t>
             </a:r>
             <a:r>
               <a:rPr lang="zh-TW" altLang="en-US" sz="3200" b="1" cap="none" spc="0" dirty="0" smtClean="0">
@@ -4676,25 +5857,7 @@
                 <a:latin typeface="Times New Roman" panose="02020603050405020304" pitchFamily="18" charset="0"/>
                 <a:cs typeface="Times New Roman" panose="02020603050405020304" pitchFamily="18" charset="0"/>
               </a:rPr>
-              <a:t>(2</a:t>
-            </a:r>
-            <a:r>
-              <a:rPr lang="en-US" altLang="zh-TW" sz="3200" b="1" cap="none" spc="0" dirty="0" smtClean="0">
-                <a:ln w="0"/>
-                <a:solidFill>
-                  <a:schemeClr val="accent1"/>
-                </a:solidFill>
-                <a:effectLst>
-                  <a:outerShdw blurRad="38100" dist="25400" dir="5400000" algn="ctr" rotWithShape="0">
-                    <a:srgbClr val="6E747A">
-                      <a:alpha val="43000"/>
-                    </a:srgbClr>
-                  </a:outerShdw>
-                </a:effectLst>
-                <a:latin typeface="Times New Roman" panose="02020603050405020304" pitchFamily="18" charset="0"/>
-                <a:cs typeface="Times New Roman" panose="02020603050405020304" pitchFamily="18" charset="0"/>
-              </a:rPr>
-              <a:t>)</a:t>
+              <a:t>(2)</a:t>
             </a:r>
             <a:r>
               <a:rPr lang="zh-TW" altLang="en-US" sz="3200" b="1" cap="none" spc="0" dirty="0" smtClean="0">
@@ -5214,6 +6377,36 @@
           </a:p>
         </p:txBody>
       </p:sp>
+      <p:pic>
+        <p:nvPicPr>
+          <p:cNvPr id="3" name="圖片 2"/>
+          <p:cNvPicPr>
+            <a:picLocks noChangeAspect="1"/>
+          </p:cNvPicPr>
+          <p:nvPr/>
+        </p:nvPicPr>
+        <p:blipFill>
+          <a:blip r:embed="rId2">
+            <a:extLst>
+              <a:ext uri="{28A0092B-C50C-407E-A947-70E740481C1C}">
+                <a14:useLocalDpi xmlns:a14="http://schemas.microsoft.com/office/drawing/2010/main" val="0"/>
+              </a:ext>
+            </a:extLst>
+          </a:blip>
+          <a:stretch>
+            <a:fillRect/>
+          </a:stretch>
+        </p:blipFill>
+        <p:spPr>
+          <a:xfrm>
+            <a:off x="5472028" y="2724539"/>
+            <a:ext cx="6010275" cy="3381375"/>
+          </a:xfrm>
+          <a:prstGeom prst="rect">
+            <a:avLst/>
+          </a:prstGeom>
+        </p:spPr>
+      </p:pic>
     </p:spTree>
     <p:extLst>
       <p:ext uri="{BB962C8B-B14F-4D97-AF65-F5344CB8AC3E}">

--- a/File/AMAT 履歷/Interview.pptx
+++ b/File/AMAT 履歷/Interview.pptx
@@ -5153,6 +5153,202 @@
           <a:p>
             <a:pPr algn="ctr"/>
             <a:endParaRPr lang="zh-TW" altLang="en-US"/>
+          </a:p>
+        </p:txBody>
+      </p:sp>
+      <p:pic>
+        <p:nvPicPr>
+          <p:cNvPr id="1026" name="Picture 2" descr="Buy a Raspberry Pi 3 Model B – Raspberry Pi"/>
+          <p:cNvPicPr>
+            <a:picLocks noChangeAspect="1" noChangeArrowheads="1"/>
+          </p:cNvPicPr>
+          <p:nvPr/>
+        </p:nvPicPr>
+        <p:blipFill>
+          <a:blip r:embed="rId2" cstate="print">
+            <a:extLst>
+              <a:ext uri="{28A0092B-C50C-407E-A947-70E740481C1C}">
+                <a14:useLocalDpi xmlns:a14="http://schemas.microsoft.com/office/drawing/2010/main" val="0"/>
+              </a:ext>
+            </a:extLst>
+          </a:blip>
+          <a:srcRect/>
+          <a:stretch>
+            <a:fillRect/>
+          </a:stretch>
+        </p:blipFill>
+        <p:spPr bwMode="auto">
+          <a:xfrm>
+            <a:off x="5873832" y="5191908"/>
+            <a:ext cx="1360377" cy="906918"/>
+          </a:xfrm>
+          <a:prstGeom prst="rect">
+            <a:avLst/>
+          </a:prstGeom>
+          <a:noFill/>
+          <a:extLst>
+            <a:ext uri="{909E8E84-426E-40DD-AFC4-6F175D3DCCD1}">
+              <a14:hiddenFill xmlns:a14="http://schemas.microsoft.com/office/drawing/2010/main">
+                <a:solidFill>
+                  <a:srgbClr val="FFFFFF"/>
+                </a:solidFill>
+              </a14:hiddenFill>
+            </a:ext>
+          </a:extLst>
+        </p:spPr>
+      </p:pic>
+      <p:sp>
+        <p:nvSpPr>
+          <p:cNvPr id="2" name="橢圓形圖說文字 1"/>
+          <p:cNvSpPr/>
+          <p:nvPr/>
+        </p:nvSpPr>
+        <p:spPr>
+          <a:xfrm rot="10800000" flipH="1">
+            <a:off x="5520041" y="5176018"/>
+            <a:ext cx="2083600" cy="938697"/>
+          </a:xfrm>
+          <a:prstGeom prst="wedgeEllipseCallout">
+            <a:avLst/>
+          </a:prstGeom>
+          <a:noFill/>
+        </p:spPr>
+        <p:style>
+          <a:lnRef idx="2">
+            <a:schemeClr val="accent1">
+              <a:shade val="50000"/>
+            </a:schemeClr>
+          </a:lnRef>
+          <a:fillRef idx="1">
+            <a:schemeClr val="accent1"/>
+          </a:fillRef>
+          <a:effectRef idx="0">
+            <a:schemeClr val="accent1"/>
+          </a:effectRef>
+          <a:fontRef idx="minor">
+            <a:schemeClr val="lt1"/>
+          </a:fontRef>
+        </p:style>
+        <p:txBody>
+          <a:bodyPr rtlCol="0" anchor="ctr"/>
+          <a:lstStyle/>
+          <a:p>
+            <a:pPr algn="ctr"/>
+            <a:endParaRPr lang="zh-TW" altLang="en-US"/>
+          </a:p>
+        </p:txBody>
+      </p:sp>
+      <p:sp>
+        <p:nvSpPr>
+          <p:cNvPr id="4" name="文字方塊 3"/>
+          <p:cNvSpPr txBox="1"/>
+          <p:nvPr/>
+        </p:nvSpPr>
+        <p:spPr>
+          <a:xfrm>
+            <a:off x="6051318" y="6148401"/>
+            <a:ext cx="1005403" cy="307777"/>
+          </a:xfrm>
+          <a:prstGeom prst="rect">
+            <a:avLst/>
+          </a:prstGeom>
+          <a:noFill/>
+        </p:spPr>
+        <p:txBody>
+          <a:bodyPr wrap="none" rtlCol="0">
+            <a:spAutoFit/>
+          </a:bodyPr>
+          <a:lstStyle/>
+          <a:p>
+            <a:r>
+              <a:rPr lang="en-US" altLang="zh-TW" sz="1400" dirty="0" err="1" smtClean="0">
+                <a:latin typeface="Georgia" panose="02040502050405020303" pitchFamily="18" charset="0"/>
+              </a:rPr>
+              <a:t>IoT</a:t>
+            </a:r>
+            <a:r>
+              <a:rPr lang="en-US" altLang="zh-TW" sz="1400" dirty="0" smtClean="0">
+                <a:latin typeface="Georgia" panose="02040502050405020303" pitchFamily="18" charset="0"/>
+              </a:rPr>
+              <a:t> device</a:t>
+            </a:r>
+            <a:endParaRPr lang="zh-TW" altLang="en-US" sz="1400" dirty="0">
+              <a:latin typeface="Georgia" panose="02040502050405020303" pitchFamily="18" charset="0"/>
+            </a:endParaRPr>
+          </a:p>
+        </p:txBody>
+      </p:sp>
+      <p:sp>
+        <p:nvSpPr>
+          <p:cNvPr id="16" name="文字方塊 15"/>
+          <p:cNvSpPr txBox="1"/>
+          <p:nvPr/>
+        </p:nvSpPr>
+        <p:spPr>
+          <a:xfrm>
+            <a:off x="7707899" y="5505180"/>
+            <a:ext cx="4025461" cy="369332"/>
+          </a:xfrm>
+          <a:prstGeom prst="rect">
+            <a:avLst/>
+          </a:prstGeom>
+          <a:noFill/>
+        </p:spPr>
+        <p:txBody>
+          <a:bodyPr wrap="none" rtlCol="0">
+            <a:spAutoFit/>
+          </a:bodyPr>
+          <a:lstStyle/>
+          <a:p>
+            <a:r>
+              <a:rPr lang="en-US" altLang="zh-TW" dirty="0" smtClean="0">
+                <a:latin typeface="Georgia" panose="02040502050405020303" pitchFamily="18" charset="0"/>
+              </a:rPr>
+              <a:t>Collect data and submit to </a:t>
+            </a:r>
+            <a:r>
+              <a:rPr lang="en-US" altLang="zh-TW" dirty="0" err="1" smtClean="0">
+                <a:latin typeface="Georgia" panose="02040502050405020303" pitchFamily="18" charset="0"/>
+              </a:rPr>
+              <a:t>blockchain</a:t>
+            </a:r>
+            <a:endParaRPr lang="zh-TW" altLang="en-US" dirty="0">
+              <a:latin typeface="Georgia" panose="02040502050405020303" pitchFamily="18" charset="0"/>
+            </a:endParaRPr>
+          </a:p>
+        </p:txBody>
+      </p:sp>
+      <p:sp>
+        <p:nvSpPr>
+          <p:cNvPr id="43" name="文字方塊 42"/>
+          <p:cNvSpPr txBox="1"/>
+          <p:nvPr/>
+        </p:nvSpPr>
+        <p:spPr>
+          <a:xfrm>
+            <a:off x="968745" y="4269424"/>
+            <a:ext cx="814606" cy="369332"/>
+          </a:xfrm>
+          <a:prstGeom prst="rect">
+            <a:avLst/>
+          </a:prstGeom>
+          <a:noFill/>
+        </p:spPr>
+        <p:txBody>
+          <a:bodyPr wrap="square" rtlCol="0">
+            <a:spAutoFit/>
+          </a:bodyPr>
+          <a:lstStyle/>
+          <a:p>
+            <a:r>
+              <a:rPr lang="en-US" altLang="zh-TW" dirty="0" smtClean="0">
+                <a:latin typeface="Georgia" panose="02040502050405020303" pitchFamily="18" charset="0"/>
+              </a:rPr>
+              <a:t>Node</a:t>
+            </a:r>
+            <a:endParaRPr lang="zh-TW" altLang="en-US" dirty="0">
+              <a:latin typeface="Georgia" panose="02040502050405020303" pitchFamily="18" charset="0"/>
+            </a:endParaRPr>
           </a:p>
         </p:txBody>
       </p:sp>
